--- a/BeijingMeeting/OralCancer-draft.pptx
+++ b/BeijingMeeting/OralCancer-draft.pptx
@@ -5,7 +5,7 @@
     <p:sldMasterId id="2147483648" r:id="rId1"/>
   </p:sldMasterIdLst>
   <p:notesMasterIdLst>
-    <p:notesMasterId r:id="rId64"/>
+    <p:notesMasterId r:id="rId68"/>
   </p:notesMasterIdLst>
   <p:sldIdLst>
     <p:sldId id="282" r:id="rId2"/>
@@ -25,51 +25,55 @@
     <p:sldId id="313" r:id="rId16"/>
     <p:sldId id="309" r:id="rId17"/>
     <p:sldId id="314" r:id="rId18"/>
-    <p:sldId id="315" r:id="rId19"/>
-    <p:sldId id="318" r:id="rId20"/>
-    <p:sldId id="319" r:id="rId21"/>
-    <p:sldId id="320" r:id="rId22"/>
-    <p:sldId id="321" r:id="rId23"/>
-    <p:sldId id="322" r:id="rId24"/>
-    <p:sldId id="316" r:id="rId25"/>
-    <p:sldId id="317" r:id="rId26"/>
-    <p:sldId id="307" r:id="rId27"/>
-    <p:sldId id="305" r:id="rId28"/>
-    <p:sldId id="283" r:id="rId29"/>
-    <p:sldId id="285" r:id="rId30"/>
-    <p:sldId id="286" r:id="rId31"/>
-    <p:sldId id="287" r:id="rId32"/>
-    <p:sldId id="288" r:id="rId33"/>
-    <p:sldId id="289" r:id="rId34"/>
-    <p:sldId id="290" r:id="rId35"/>
-    <p:sldId id="291" r:id="rId36"/>
-    <p:sldId id="293" r:id="rId37"/>
-    <p:sldId id="294" r:id="rId38"/>
-    <p:sldId id="295" r:id="rId39"/>
-    <p:sldId id="296" r:id="rId40"/>
-    <p:sldId id="297" r:id="rId41"/>
-    <p:sldId id="298" r:id="rId42"/>
-    <p:sldId id="299" r:id="rId43"/>
-    <p:sldId id="300" r:id="rId44"/>
-    <p:sldId id="263" r:id="rId45"/>
-    <p:sldId id="264" r:id="rId46"/>
-    <p:sldId id="268" r:id="rId47"/>
-    <p:sldId id="269" r:id="rId48"/>
-    <p:sldId id="270" r:id="rId49"/>
-    <p:sldId id="256" r:id="rId50"/>
-    <p:sldId id="258" r:id="rId51"/>
-    <p:sldId id="259" r:id="rId52"/>
-    <p:sldId id="271" r:id="rId53"/>
-    <p:sldId id="275" r:id="rId54"/>
-    <p:sldId id="280" r:id="rId55"/>
-    <p:sldId id="276" r:id="rId56"/>
-    <p:sldId id="277" r:id="rId57"/>
-    <p:sldId id="278" r:id="rId58"/>
-    <p:sldId id="279" r:id="rId59"/>
-    <p:sldId id="281" r:id="rId60"/>
-    <p:sldId id="302" r:id="rId61"/>
-    <p:sldId id="303" r:id="rId62"/>
-    <p:sldId id="304" r:id="rId63"/>
+    <p:sldId id="318" r:id="rId19"/>
+    <p:sldId id="323" r:id="rId20"/>
+    <p:sldId id="321" r:id="rId21"/>
+    <p:sldId id="324" r:id="rId22"/>
+    <p:sldId id="326" r:id="rId23"/>
+    <p:sldId id="325" r:id="rId24"/>
+    <p:sldId id="319" r:id="rId25"/>
+    <p:sldId id="320" r:id="rId26"/>
+    <p:sldId id="315" r:id="rId27"/>
+    <p:sldId id="322" r:id="rId28"/>
+    <p:sldId id="316" r:id="rId29"/>
+    <p:sldId id="317" r:id="rId30"/>
+    <p:sldId id="307" r:id="rId31"/>
+    <p:sldId id="305" r:id="rId32"/>
+    <p:sldId id="283" r:id="rId33"/>
+    <p:sldId id="285" r:id="rId34"/>
+    <p:sldId id="286" r:id="rId35"/>
+    <p:sldId id="287" r:id="rId36"/>
+    <p:sldId id="288" r:id="rId37"/>
+    <p:sldId id="289" r:id="rId38"/>
+    <p:sldId id="290" r:id="rId39"/>
+    <p:sldId id="291" r:id="rId40"/>
+    <p:sldId id="293" r:id="rId41"/>
+    <p:sldId id="294" r:id="rId42"/>
+    <p:sldId id="295" r:id="rId43"/>
+    <p:sldId id="296" r:id="rId44"/>
+    <p:sldId id="297" r:id="rId45"/>
+    <p:sldId id="298" r:id="rId46"/>
+    <p:sldId id="299" r:id="rId47"/>
+    <p:sldId id="300" r:id="rId48"/>
+    <p:sldId id="263" r:id="rId49"/>
+    <p:sldId id="264" r:id="rId50"/>
+    <p:sldId id="268" r:id="rId51"/>
+    <p:sldId id="269" r:id="rId52"/>
+    <p:sldId id="270" r:id="rId53"/>
+    <p:sldId id="256" r:id="rId54"/>
+    <p:sldId id="258" r:id="rId55"/>
+    <p:sldId id="259" r:id="rId56"/>
+    <p:sldId id="271" r:id="rId57"/>
+    <p:sldId id="275" r:id="rId58"/>
+    <p:sldId id="280" r:id="rId59"/>
+    <p:sldId id="276" r:id="rId60"/>
+    <p:sldId id="277" r:id="rId61"/>
+    <p:sldId id="278" r:id="rId62"/>
+    <p:sldId id="279" r:id="rId63"/>
+    <p:sldId id="281" r:id="rId64"/>
+    <p:sldId id="302" r:id="rId65"/>
+    <p:sldId id="303" r:id="rId66"/>
+    <p:sldId id="304" r:id="rId67"/>
   </p:sldIdLst>
   <p:sldSz cx="9144000" cy="6858000" type="screen4x3"/>
   <p:notesSz cx="6858000" cy="9144000"/>
@@ -253,7 +257,7 @@
           <a:p>
             <a:fld id="{8887C12A-3CDD-FF4A-9F90-E15CB567C633}" type="datetimeFigureOut">
               <a:rPr lang="en-US" smtClean="0"/>
-              <a:t>5/5/2014</a:t>
+              <a:t>5/5/14</a:t>
             </a:fld>
             <a:endParaRPr lang="en-US"/>
           </a:p>
@@ -659,11 +663,19 @@
           <a:p>
             <a:r>
               <a:rPr lang="en-US" dirty="0" smtClean="0"/>
-              <a:t>Figure 3 Kernel</a:t>
+              <a:t>Figure 4 Data</a:t>
             </a:r>
             <a:r>
               <a:rPr lang="en-US" baseline="0" dirty="0" smtClean="0"/>
-              <a:t> density smoothed density plots on D.I. values </a:t>
+              <a:t> cleaning results from </a:t>
+            </a:r>
+            <a:r>
+              <a:rPr lang="en-US" baseline="0" dirty="0" err="1" smtClean="0"/>
+              <a:t>ExGCRn</a:t>
+            </a:r>
+            <a:r>
+              <a:rPr lang="en-US" baseline="0" dirty="0" smtClean="0"/>
+              <a:t> procedure</a:t>
             </a:r>
             <a:endParaRPr lang="en-US" dirty="0"/>
           </a:p>
@@ -686,7 +698,7 @@
           <a:p>
             <a:fld id="{FBDCEE2F-1E82-4629-B6CC-B0E3A96AD62F}" type="slidenum">
               <a:rPr lang="en-US" smtClean="0"/>
-              <a:t>60</a:t>
+              <a:t>19</a:t>
             </a:fld>
             <a:endParaRPr lang="en-US"/>
           </a:p>
@@ -695,7 +707,7 @@
     </p:spTree>
     <p:extLst>
       <p:ext uri="{BB962C8B-B14F-4D97-AF65-F5344CB8AC3E}">
-        <p14:creationId xmlns:p14="http://schemas.microsoft.com/office/powerpoint/2010/main" val="2747181383"/>
+        <p14:creationId xmlns:p14="http://schemas.microsoft.com/office/powerpoint/2010/main" val="3094726679"/>
       </p:ext>
     </p:extLst>
   </p:cSld>
@@ -751,19 +763,11 @@
           <a:p>
             <a:r>
               <a:rPr lang="en-US" dirty="0" smtClean="0"/>
-              <a:t>Figure 4 Data</a:t>
+              <a:t>Figure 3 Kernel</a:t>
             </a:r>
             <a:r>
               <a:rPr lang="en-US" baseline="0" dirty="0" smtClean="0"/>
-              <a:t> cleaning results from </a:t>
-            </a:r>
-            <a:r>
-              <a:rPr lang="en-US" baseline="0" dirty="0" err="1" smtClean="0"/>
-              <a:t>ExGCRn</a:t>
-            </a:r>
-            <a:r>
-              <a:rPr lang="en-US" baseline="0" dirty="0" smtClean="0"/>
-              <a:t> procedure</a:t>
+              <a:t> density smoothed density plots on D.I. values </a:t>
             </a:r>
             <a:endParaRPr lang="en-US" dirty="0"/>
           </a:p>
@@ -786,7 +790,107 @@
           <a:p>
             <a:fld id="{FBDCEE2F-1E82-4629-B6CC-B0E3A96AD62F}" type="slidenum">
               <a:rPr lang="en-US" smtClean="0"/>
-              <a:t>61</a:t>
+              <a:t>64</a:t>
+            </a:fld>
+            <a:endParaRPr lang="en-US"/>
+          </a:p>
+        </p:txBody>
+      </p:sp>
+    </p:spTree>
+    <p:extLst>
+      <p:ext uri="{BB962C8B-B14F-4D97-AF65-F5344CB8AC3E}">
+        <p14:creationId xmlns:p14="http://schemas.microsoft.com/office/powerpoint/2010/main" val="2747181383"/>
+      </p:ext>
+    </p:extLst>
+  </p:cSld>
+  <p:clrMapOvr>
+    <a:masterClrMapping/>
+  </p:clrMapOvr>
+</p:notes>
+</file>
+
+<file path=ppt/notesSlides/notesSlide4.xml><?xml version="1.0" encoding="utf-8"?>
+<p:notes xmlns:a="http://schemas.openxmlformats.org/drawingml/2006/main" xmlns:r="http://schemas.openxmlformats.org/officeDocument/2006/relationships" xmlns:p="http://schemas.openxmlformats.org/presentationml/2006/main">
+  <p:cSld>
+    <p:spTree>
+      <p:nvGrpSpPr>
+        <p:cNvPr id="1" name=""/>
+        <p:cNvGrpSpPr/>
+        <p:nvPr/>
+      </p:nvGrpSpPr>
+      <p:grpSpPr>
+        <a:xfrm>
+          <a:off x="0" y="0"/>
+          <a:ext cx="0" cy="0"/>
+          <a:chOff x="0" y="0"/>
+          <a:chExt cx="0" cy="0"/>
+        </a:xfrm>
+      </p:grpSpPr>
+      <p:sp>
+        <p:nvSpPr>
+          <p:cNvPr id="2" name="Slide Image Placeholder 1"/>
+          <p:cNvSpPr>
+            <a:spLocks noGrp="1" noRot="1" noChangeAspect="1"/>
+          </p:cNvSpPr>
+          <p:nvPr>
+            <p:ph type="sldImg"/>
+          </p:nvPr>
+        </p:nvSpPr>
+        <p:spPr/>
+      </p:sp>
+      <p:sp>
+        <p:nvSpPr>
+          <p:cNvPr id="3" name="Notes Placeholder 2"/>
+          <p:cNvSpPr>
+            <a:spLocks noGrp="1"/>
+          </p:cNvSpPr>
+          <p:nvPr>
+            <p:ph type="body" idx="1"/>
+          </p:nvPr>
+        </p:nvSpPr>
+        <p:spPr/>
+        <p:txBody>
+          <a:bodyPr/>
+          <a:lstStyle/>
+          <a:p>
+            <a:r>
+              <a:rPr lang="en-US" dirty="0" smtClean="0"/>
+              <a:t>Figure 4 Data</a:t>
+            </a:r>
+            <a:r>
+              <a:rPr lang="en-US" baseline="0" dirty="0" smtClean="0"/>
+              <a:t> cleaning results from </a:t>
+            </a:r>
+            <a:r>
+              <a:rPr lang="en-US" baseline="0" dirty="0" err="1" smtClean="0"/>
+              <a:t>ExGCRn</a:t>
+            </a:r>
+            <a:r>
+              <a:rPr lang="en-US" baseline="0" dirty="0" smtClean="0"/>
+              <a:t> procedure</a:t>
+            </a:r>
+            <a:endParaRPr lang="en-US" dirty="0"/>
+          </a:p>
+        </p:txBody>
+      </p:sp>
+      <p:sp>
+        <p:nvSpPr>
+          <p:cNvPr id="4" name="Slide Number Placeholder 3"/>
+          <p:cNvSpPr>
+            <a:spLocks noGrp="1"/>
+          </p:cNvSpPr>
+          <p:nvPr>
+            <p:ph type="sldNum" sz="quarter" idx="10"/>
+          </p:nvPr>
+        </p:nvSpPr>
+        <p:spPr/>
+        <p:txBody>
+          <a:bodyPr/>
+          <a:lstStyle/>
+          <a:p>
+            <a:fld id="{FBDCEE2F-1E82-4629-B6CC-B0E3A96AD62F}" type="slidenum">
+              <a:rPr lang="en-US" smtClean="0"/>
+              <a:t>65</a:t>
             </a:fld>
             <a:endParaRPr lang="en-US"/>
           </a:p>
@@ -986,7 +1090,7 @@
           <a:p>
             <a:fld id="{6EAE9F20-9478-42F4-9FF4-33D5845E5FEA}" type="datetimeFigureOut">
               <a:rPr lang="en-US" smtClean="0"/>
-              <a:t>5/5/2014</a:t>
+              <a:t>5/5/14</a:t>
             </a:fld>
             <a:endParaRPr lang="en-US"/>
           </a:p>
@@ -1156,7 +1260,7 @@
           <a:p>
             <a:fld id="{6EAE9F20-9478-42F4-9FF4-33D5845E5FEA}" type="datetimeFigureOut">
               <a:rPr lang="en-US" smtClean="0"/>
-              <a:t>5/5/2014</a:t>
+              <a:t>5/5/14</a:t>
             </a:fld>
             <a:endParaRPr lang="en-US"/>
           </a:p>
@@ -1336,7 +1440,7 @@
           <a:p>
             <a:fld id="{6EAE9F20-9478-42F4-9FF4-33D5845E5FEA}" type="datetimeFigureOut">
               <a:rPr lang="en-US" smtClean="0"/>
-              <a:t>5/5/2014</a:t>
+              <a:t>5/5/14</a:t>
             </a:fld>
             <a:endParaRPr lang="en-US"/>
           </a:p>
@@ -1506,7 +1610,7 @@
           <a:p>
             <a:fld id="{6EAE9F20-9478-42F4-9FF4-33D5845E5FEA}" type="datetimeFigureOut">
               <a:rPr lang="en-US" smtClean="0"/>
-              <a:t>5/5/2014</a:t>
+              <a:t>5/5/14</a:t>
             </a:fld>
             <a:endParaRPr lang="en-US"/>
           </a:p>
@@ -1752,7 +1856,7 @@
           <a:p>
             <a:fld id="{6EAE9F20-9478-42F4-9FF4-33D5845E5FEA}" type="datetimeFigureOut">
               <a:rPr lang="en-US" smtClean="0"/>
-              <a:t>5/5/2014</a:t>
+              <a:t>5/5/14</a:t>
             </a:fld>
             <a:endParaRPr lang="en-US"/>
           </a:p>
@@ -2040,7 +2144,7 @@
           <a:p>
             <a:fld id="{6EAE9F20-9478-42F4-9FF4-33D5845E5FEA}" type="datetimeFigureOut">
               <a:rPr lang="en-US" smtClean="0"/>
-              <a:t>5/5/2014</a:t>
+              <a:t>5/5/14</a:t>
             </a:fld>
             <a:endParaRPr lang="en-US"/>
           </a:p>
@@ -2462,7 +2566,7 @@
           <a:p>
             <a:fld id="{6EAE9F20-9478-42F4-9FF4-33D5845E5FEA}" type="datetimeFigureOut">
               <a:rPr lang="en-US" smtClean="0"/>
-              <a:t>5/5/2014</a:t>
+              <a:t>5/5/14</a:t>
             </a:fld>
             <a:endParaRPr lang="en-US"/>
           </a:p>
@@ -2580,7 +2684,7 @@
           <a:p>
             <a:fld id="{6EAE9F20-9478-42F4-9FF4-33D5845E5FEA}" type="datetimeFigureOut">
               <a:rPr lang="en-US" smtClean="0"/>
-              <a:t>5/5/2014</a:t>
+              <a:t>5/5/14</a:t>
             </a:fld>
             <a:endParaRPr lang="en-US"/>
           </a:p>
@@ -2675,7 +2779,7 @@
           <a:p>
             <a:fld id="{6EAE9F20-9478-42F4-9FF4-33D5845E5FEA}" type="datetimeFigureOut">
               <a:rPr lang="en-US" smtClean="0"/>
-              <a:t>5/5/2014</a:t>
+              <a:t>5/5/14</a:t>
             </a:fld>
             <a:endParaRPr lang="en-US"/>
           </a:p>
@@ -2952,7 +3056,7 @@
           <a:p>
             <a:fld id="{6EAE9F20-9478-42F4-9FF4-33D5845E5FEA}" type="datetimeFigureOut">
               <a:rPr lang="en-US" smtClean="0"/>
-              <a:t>5/5/2014</a:t>
+              <a:t>5/5/14</a:t>
             </a:fld>
             <a:endParaRPr lang="en-US"/>
           </a:p>
@@ -3205,7 +3309,7 @@
           <a:p>
             <a:fld id="{6EAE9F20-9478-42F4-9FF4-33D5845E5FEA}" type="datetimeFigureOut">
               <a:rPr lang="en-US" smtClean="0"/>
-              <a:t>5/5/2014</a:t>
+              <a:t>5/5/14</a:t>
             </a:fld>
             <a:endParaRPr lang="en-US"/>
           </a:p>
@@ -3418,7 +3522,7 @@
           <a:p>
             <a:fld id="{6EAE9F20-9478-42F4-9FF4-33D5845E5FEA}" type="datetimeFigureOut">
               <a:rPr lang="en-US" smtClean="0"/>
-              <a:t>5/5/2014</a:t>
+              <a:t>5/5/14</a:t>
             </a:fld>
             <a:endParaRPr lang="en-US"/>
           </a:p>
@@ -3873,7 +3977,7 @@
   <p:timing>
     <p:tnLst>
       <p:par>
-        <p:cTn id="1" dur="indefinite" restart="never" nodeType="tmRoot"/>
+        <p:cTn xmlns:p14="http://schemas.microsoft.com/office/powerpoint/2010/main" id="1" dur="indefinite" restart="never" nodeType="tmRoot"/>
       </p:par>
     </p:tnLst>
   </p:timing>
@@ -4055,7 +4159,7 @@
   <p:timing>
     <p:tnLst>
       <p:par>
-        <p:cTn id="1" dur="indefinite" restart="never" nodeType="tmRoot"/>
+        <p:cTn xmlns:p14="http://schemas.microsoft.com/office/powerpoint/2010/main" id="1" dur="indefinite" restart="never" nodeType="tmRoot"/>
       </p:par>
     </p:tnLst>
   </p:timing>
@@ -4122,7 +4226,7 @@
   <p:timing>
     <p:tnLst>
       <p:par>
-        <p:cTn id="1" dur="indefinite" restart="never" nodeType="tmRoot"/>
+        <p:cTn xmlns:p14="http://schemas.microsoft.com/office/powerpoint/2010/main" id="1" dur="indefinite" restart="never" nodeType="tmRoot"/>
       </p:par>
     </p:tnLst>
   </p:timing>
@@ -4235,7 +4339,7 @@
   <p:timing>
     <p:tnLst>
       <p:par>
-        <p:cTn id="1" dur="indefinite" restart="never" nodeType="tmRoot">
+        <p:cTn xmlns:p14="http://schemas.microsoft.com/office/powerpoint/2010/main" id="1" dur="indefinite" restart="never" nodeType="tmRoot">
           <p:childTnLst>
             <p:seq concurrent="1" nextAc="seek">
               <p:cTn id="2" dur="indefinite" nodeType="mainSeq">
@@ -4529,7 +4633,7 @@
   <p:timing>
     <p:tnLst>
       <p:par>
-        <p:cTn id="1" dur="indefinite" restart="never" nodeType="tmRoot"/>
+        <p:cTn xmlns:p14="http://schemas.microsoft.com/office/powerpoint/2010/main" id="1" dur="indefinite" restart="never" nodeType="tmRoot"/>
       </p:par>
     </p:tnLst>
   </p:timing>
@@ -4781,7 +4885,7 @@
   <p:timing>
     <p:tnLst>
       <p:par>
-        <p:cTn id="1" dur="indefinite" restart="never" nodeType="tmRoot"/>
+        <p:cTn xmlns:p14="http://schemas.microsoft.com/office/powerpoint/2010/main" id="1" dur="indefinite" restart="never" nodeType="tmRoot"/>
       </p:par>
     </p:tnLst>
   </p:timing>
@@ -5213,7 +5317,7 @@
   <p:timing>
     <p:tnLst>
       <p:par>
-        <p:cTn id="1" dur="indefinite" restart="never" nodeType="tmRoot"/>
+        <p:cTn xmlns:p14="http://schemas.microsoft.com/office/powerpoint/2010/main" id="1" dur="indefinite" restart="never" nodeType="tmRoot"/>
       </p:par>
     </p:tnLst>
   </p:timing>
@@ -5348,14 +5452,14 @@
               <a:noFill/>
             </a:ln>
             <a:extLst>
-              <a:ext uri="{909E8E84-426E-40DD-AFC4-6F175D3DCCD1}">
+              <a:ext uri="{909E8E84-426E-40dd-AFC4-6F175D3DCCD1}">
                 <a14:hiddenFill xmlns:a14="http://schemas.microsoft.com/office/drawing/2010/main">
                   <a:solidFill>
                     <a:schemeClr val="accent1"/>
                   </a:solidFill>
                 </a14:hiddenFill>
               </a:ext>
-              <a:ext uri="{91240B29-F687-4F45-9708-019B960494DF}">
+              <a:ext uri="{91240B29-F687-4f45-9708-019B960494DF}">
                 <a14:hiddenLine xmlns:a14="http://schemas.microsoft.com/office/drawing/2010/main" w="9525">
                   <a:solidFill>
                     <a:schemeClr val="tx1"/>
@@ -5382,7 +5486,7 @@
   <p:timing>
     <p:tnLst>
       <p:par>
-        <p:cTn id="1" dur="indefinite" restart="never" nodeType="tmRoot"/>
+        <p:cTn xmlns:p14="http://schemas.microsoft.com/office/powerpoint/2010/main" id="1" dur="indefinite" restart="never" nodeType="tmRoot"/>
       </p:par>
     </p:tnLst>
   </p:timing>
@@ -5390,6 +5494,2305 @@
 </file>
 
 <file path=ppt/slides/slide18.xml><?xml version="1.0" encoding="utf-8"?>
+<p:sld xmlns:a="http://schemas.openxmlformats.org/drawingml/2006/main" xmlns:r="http://schemas.openxmlformats.org/officeDocument/2006/relationships" xmlns:p="http://schemas.openxmlformats.org/presentationml/2006/main">
+  <p:cSld>
+    <p:spTree>
+      <p:nvGrpSpPr>
+        <p:cNvPr id="1" name=""/>
+        <p:cNvGrpSpPr/>
+        <p:nvPr/>
+      </p:nvGrpSpPr>
+      <p:grpSpPr>
+        <a:xfrm>
+          <a:off x="0" y="0"/>
+          <a:ext cx="0" cy="0"/>
+          <a:chOff x="0" y="0"/>
+          <a:chExt cx="0" cy="0"/>
+        </a:xfrm>
+      </p:grpSpPr>
+      <p:pic>
+        <p:nvPicPr>
+          <p:cNvPr id="3" name="Picture 2"/>
+          <p:cNvPicPr>
+            <a:picLocks noChangeAspect="1"/>
+          </p:cNvPicPr>
+          <p:nvPr/>
+        </p:nvPicPr>
+        <p:blipFill>
+          <a:blip r:embed="rId2">
+            <a:extLst>
+              <a:ext uri="{28A0092B-C50C-407E-A947-70E740481C1C}">
+                <a14:useLocalDpi xmlns:a14="http://schemas.microsoft.com/office/drawing/2010/main" val="0"/>
+              </a:ext>
+            </a:extLst>
+          </a:blip>
+          <a:stretch>
+            <a:fillRect/>
+          </a:stretch>
+        </p:blipFill>
+        <p:spPr>
+          <a:xfrm>
+            <a:off x="0" y="1468582"/>
+            <a:ext cx="4571640" cy="4564837"/>
+          </a:xfrm>
+          <a:prstGeom prst="rect">
+            <a:avLst/>
+          </a:prstGeom>
+        </p:spPr>
+      </p:pic>
+      <p:sp>
+        <p:nvSpPr>
+          <p:cNvPr id="4" name="Title 3"/>
+          <p:cNvSpPr>
+            <a:spLocks noGrp="1"/>
+          </p:cNvSpPr>
+          <p:nvPr>
+            <p:ph type="title"/>
+          </p:nvPr>
+        </p:nvSpPr>
+        <p:spPr/>
+        <p:txBody>
+          <a:bodyPr/>
+          <a:lstStyle/>
+          <a:p>
+            <a:r>
+              <a:rPr lang="en-US" dirty="0" smtClean="0"/>
+              <a:t>The left-most population</a:t>
+            </a:r>
+            <a:endParaRPr lang="en-US" dirty="0"/>
+          </a:p>
+        </p:txBody>
+      </p:sp>
+      <p:grpSp>
+        <p:nvGrpSpPr>
+          <p:cNvPr id="6" name="Group 5"/>
+          <p:cNvGrpSpPr/>
+          <p:nvPr/>
+        </p:nvGrpSpPr>
+        <p:grpSpPr>
+          <a:xfrm>
+            <a:off x="3688773" y="1482440"/>
+            <a:ext cx="5441013" cy="4564837"/>
+            <a:chOff x="3688773" y="1482440"/>
+            <a:chExt cx="5441013" cy="4564837"/>
+          </a:xfrm>
+        </p:grpSpPr>
+        <p:pic>
+          <p:nvPicPr>
+            <p:cNvPr id="2" name="Picture 1"/>
+            <p:cNvPicPr>
+              <a:picLocks noChangeAspect="1"/>
+            </p:cNvPicPr>
+            <p:nvPr/>
+          </p:nvPicPr>
+          <p:blipFill>
+            <a:blip r:embed="rId3">
+              <a:extLst>
+                <a:ext uri="{28A0092B-C50C-407E-A947-70E740481C1C}">
+                  <a14:useLocalDpi xmlns:a14="http://schemas.microsoft.com/office/drawing/2010/main" val="0"/>
+                </a:ext>
+              </a:extLst>
+            </a:blip>
+            <a:stretch>
+              <a:fillRect/>
+            </a:stretch>
+          </p:blipFill>
+          <p:spPr>
+            <a:xfrm>
+              <a:off x="4558146" y="1482440"/>
+              <a:ext cx="4571640" cy="4564837"/>
+            </a:xfrm>
+            <a:prstGeom prst="rect">
+              <a:avLst/>
+            </a:prstGeom>
+          </p:spPr>
+        </p:pic>
+        <p:sp>
+          <p:nvSpPr>
+            <p:cNvPr id="5" name="Right Arrow 4"/>
+            <p:cNvSpPr/>
+            <p:nvPr/>
+          </p:nvSpPr>
+          <p:spPr>
+            <a:xfrm>
+              <a:off x="3688773" y="3408218"/>
+              <a:ext cx="900546" cy="609600"/>
+            </a:xfrm>
+            <a:prstGeom prst="rightArrow">
+              <a:avLst/>
+            </a:prstGeom>
+            <a:solidFill>
+              <a:srgbClr val="FFFF00"/>
+            </a:solidFill>
+          </p:spPr>
+          <p:style>
+            <a:lnRef idx="2">
+              <a:schemeClr val="accent1">
+                <a:shade val="50000"/>
+              </a:schemeClr>
+            </a:lnRef>
+            <a:fillRef idx="1">
+              <a:schemeClr val="accent1"/>
+            </a:fillRef>
+            <a:effectRef idx="0">
+              <a:schemeClr val="accent1"/>
+            </a:effectRef>
+            <a:fontRef idx="minor">
+              <a:schemeClr val="lt1"/>
+            </a:fontRef>
+          </p:style>
+          <p:txBody>
+            <a:bodyPr rtlCol="0" anchor="ctr"/>
+            <a:lstStyle/>
+            <a:p>
+              <a:pPr algn="ctr"/>
+              <a:endParaRPr lang="en-US"/>
+            </a:p>
+          </p:txBody>
+        </p:sp>
+      </p:grpSp>
+    </p:spTree>
+    <p:extLst>
+      <p:ext uri="{BB962C8B-B14F-4D97-AF65-F5344CB8AC3E}">
+        <p14:creationId xmlns:p14="http://schemas.microsoft.com/office/powerpoint/2010/main" val="1717014452"/>
+      </p:ext>
+    </p:extLst>
+  </p:cSld>
+  <p:clrMapOvr>
+    <a:masterClrMapping/>
+  </p:clrMapOvr>
+  <p:timing>
+    <p:tnLst>
+      <p:par>
+        <p:cTn xmlns:p14="http://schemas.microsoft.com/office/powerpoint/2010/main" id="1" dur="indefinite" restart="never" nodeType="tmRoot">
+          <p:childTnLst>
+            <p:seq concurrent="1" nextAc="seek">
+              <p:cTn id="2" dur="indefinite" nodeType="mainSeq">
+                <p:childTnLst>
+                  <p:par>
+                    <p:cTn id="3" fill="hold">
+                      <p:stCondLst>
+                        <p:cond delay="indefinite"/>
+                      </p:stCondLst>
+                      <p:childTnLst>
+                        <p:par>
+                          <p:cTn id="4" fill="hold">
+                            <p:stCondLst>
+                              <p:cond delay="0"/>
+                            </p:stCondLst>
+                            <p:childTnLst>
+                              <p:par>
+                                <p:cTn id="5" presetID="1" presetClass="entr" presetSubtype="0" fill="hold" nodeType="clickEffect">
+                                  <p:stCondLst>
+                                    <p:cond delay="0"/>
+                                  </p:stCondLst>
+                                  <p:childTnLst>
+                                    <p:set>
+                                      <p:cBhvr>
+                                        <p:cTn id="6" dur="1" fill="hold">
+                                          <p:stCondLst>
+                                            <p:cond delay="0"/>
+                                          </p:stCondLst>
+                                        </p:cTn>
+                                        <p:tgtEl>
+                                          <p:spTgt spid="6"/>
+                                        </p:tgtEl>
+                                        <p:attrNameLst>
+                                          <p:attrName>style.visibility</p:attrName>
+                                        </p:attrNameLst>
+                                      </p:cBhvr>
+                                      <p:to>
+                                        <p:strVal val="visible"/>
+                                      </p:to>
+                                    </p:set>
+                                  </p:childTnLst>
+                                </p:cTn>
+                              </p:par>
+                            </p:childTnLst>
+                          </p:cTn>
+                        </p:par>
+                      </p:childTnLst>
+                    </p:cTn>
+                  </p:par>
+                </p:childTnLst>
+              </p:cTn>
+              <p:prevCondLst>
+                <p:cond evt="onPrev" delay="0">
+                  <p:tgtEl>
+                    <p:sldTgt/>
+                  </p:tgtEl>
+                </p:cond>
+              </p:prevCondLst>
+              <p:nextCondLst>
+                <p:cond evt="onNext" delay="0">
+                  <p:tgtEl>
+                    <p:sldTgt/>
+                  </p:tgtEl>
+                </p:cond>
+              </p:nextCondLst>
+            </p:seq>
+          </p:childTnLst>
+        </p:cTn>
+      </p:par>
+    </p:tnLst>
+  </p:timing>
+</p:sld>
+</file>
+
+<file path=ppt/slides/slide19.xml><?xml version="1.0" encoding="utf-8"?>
+<p:sld xmlns:a="http://schemas.openxmlformats.org/drawingml/2006/main" xmlns:r="http://schemas.openxmlformats.org/officeDocument/2006/relationships" xmlns:p="http://schemas.openxmlformats.org/presentationml/2006/main">
+  <p:cSld>
+    <p:spTree>
+      <p:nvGrpSpPr>
+        <p:cNvPr id="1" name=""/>
+        <p:cNvGrpSpPr/>
+        <p:nvPr/>
+      </p:nvGrpSpPr>
+      <p:grpSpPr>
+        <a:xfrm>
+          <a:off x="0" y="0"/>
+          <a:ext cx="0" cy="0"/>
+          <a:chOff x="0" y="0"/>
+          <a:chExt cx="0" cy="0"/>
+        </a:xfrm>
+      </p:grpSpPr>
+      <p:grpSp>
+        <p:nvGrpSpPr>
+          <p:cNvPr id="3" name="Group 2"/>
+          <p:cNvGrpSpPr/>
+          <p:nvPr/>
+        </p:nvGrpSpPr>
+        <p:grpSpPr>
+          <a:xfrm>
+            <a:off x="85065" y="1541722"/>
+            <a:ext cx="4657292" cy="3995428"/>
+            <a:chOff x="533400" y="101872"/>
+            <a:chExt cx="7238999" cy="6522765"/>
+          </a:xfrm>
+        </p:grpSpPr>
+        <p:pic>
+          <p:nvPicPr>
+            <p:cNvPr id="2" name="Picture 1"/>
+            <p:cNvPicPr>
+              <a:picLocks noChangeAspect="1"/>
+            </p:cNvPicPr>
+            <p:nvPr/>
+          </p:nvPicPr>
+          <p:blipFill>
+            <a:blip r:embed="rId3">
+              <a:extLst>
+                <a:ext uri="{28A0092B-C50C-407E-A947-70E740481C1C}">
+                  <a14:useLocalDpi xmlns:a14="http://schemas.microsoft.com/office/drawing/2010/main" val="0"/>
+                </a:ext>
+              </a:extLst>
+            </a:blip>
+            <a:stretch>
+              <a:fillRect/>
+            </a:stretch>
+          </p:blipFill>
+          <p:spPr>
+            <a:xfrm>
+              <a:off x="1371599" y="233361"/>
+              <a:ext cx="6400800" cy="6391276"/>
+            </a:xfrm>
+            <a:prstGeom prst="rect">
+              <a:avLst/>
+            </a:prstGeom>
+          </p:spPr>
+        </p:pic>
+        <p:grpSp>
+          <p:nvGrpSpPr>
+            <p:cNvPr id="6" name="Group 5"/>
+            <p:cNvGrpSpPr/>
+            <p:nvPr/>
+          </p:nvGrpSpPr>
+          <p:grpSpPr>
+            <a:xfrm>
+              <a:off x="1418700" y="101872"/>
+              <a:ext cx="1944491" cy="1061910"/>
+              <a:chOff x="1418700" y="101872"/>
+              <a:chExt cx="1944491" cy="1061910"/>
+            </a:xfrm>
+          </p:grpSpPr>
+          <p:cxnSp>
+            <p:nvCxnSpPr>
+              <p:cNvPr id="4" name="Straight Arrow Connector 3"/>
+              <p:cNvCxnSpPr/>
+              <p:nvPr/>
+            </p:nvCxnSpPr>
+            <p:spPr>
+              <a:xfrm>
+                <a:off x="2143991" y="325582"/>
+                <a:ext cx="1219200" cy="838200"/>
+              </a:xfrm>
+              <a:prstGeom prst="straightConnector1">
+                <a:avLst/>
+              </a:prstGeom>
+              <a:ln w="19050">
+                <a:solidFill>
+                  <a:srgbClr val="FF0000"/>
+                </a:solidFill>
+                <a:tailEnd type="arrow"/>
+              </a:ln>
+            </p:spPr>
+            <p:style>
+              <a:lnRef idx="1">
+                <a:schemeClr val="accent1"/>
+              </a:lnRef>
+              <a:fillRef idx="0">
+                <a:schemeClr val="accent1"/>
+              </a:fillRef>
+              <a:effectRef idx="0">
+                <a:schemeClr val="accent1"/>
+              </a:effectRef>
+              <a:fontRef idx="minor">
+                <a:schemeClr val="tx1"/>
+              </a:fontRef>
+            </p:style>
+          </p:cxnSp>
+          <p:sp>
+            <p:nvSpPr>
+              <p:cNvPr id="5" name="TextBox 4"/>
+              <p:cNvSpPr txBox="1"/>
+              <p:nvPr/>
+            </p:nvSpPr>
+            <p:spPr>
+              <a:xfrm>
+                <a:off x="1418700" y="101872"/>
+                <a:ext cx="841922" cy="475741"/>
+              </a:xfrm>
+              <a:prstGeom prst="rect">
+                <a:avLst/>
+              </a:prstGeom>
+              <a:noFill/>
+            </p:spPr>
+            <p:txBody>
+              <a:bodyPr wrap="none" rtlCol="0">
+                <a:spAutoFit/>
+              </a:bodyPr>
+              <a:lstStyle/>
+              <a:p>
+                <a:r>
+                  <a:rPr lang="en-US" sz="1200" dirty="0" smtClean="0"/>
+                  <a:t>1.02</a:t>
+                </a:r>
+                <a:endParaRPr lang="en-US" sz="1200" dirty="0"/>
+              </a:p>
+            </p:txBody>
+          </p:sp>
+        </p:grpSp>
+        <p:grpSp>
+          <p:nvGrpSpPr>
+            <p:cNvPr id="13" name="Group 12"/>
+            <p:cNvGrpSpPr/>
+            <p:nvPr/>
+          </p:nvGrpSpPr>
+          <p:grpSpPr>
+            <a:xfrm>
+              <a:off x="4267200" y="3289993"/>
+              <a:ext cx="1369552" cy="977207"/>
+              <a:chOff x="4267200" y="3289993"/>
+              <a:chExt cx="1369552" cy="977207"/>
+            </a:xfrm>
+          </p:grpSpPr>
+          <p:cxnSp>
+            <p:nvCxnSpPr>
+              <p:cNvPr id="11" name="Straight Arrow Connector 10"/>
+              <p:cNvCxnSpPr/>
+              <p:nvPr/>
+            </p:nvCxnSpPr>
+            <p:spPr>
+              <a:xfrm flipH="1">
+                <a:off x="4267200" y="3581400"/>
+                <a:ext cx="609600" cy="685800"/>
+              </a:xfrm>
+              <a:prstGeom prst="straightConnector1">
+                <a:avLst/>
+              </a:prstGeom>
+              <a:ln w="19050">
+                <a:solidFill>
+                  <a:srgbClr val="FF0000"/>
+                </a:solidFill>
+                <a:tailEnd type="arrow"/>
+              </a:ln>
+            </p:spPr>
+            <p:style>
+              <a:lnRef idx="1">
+                <a:schemeClr val="accent1"/>
+              </a:lnRef>
+              <a:fillRef idx="0">
+                <a:schemeClr val="accent1"/>
+              </a:fillRef>
+              <a:effectRef idx="0">
+                <a:schemeClr val="accent1"/>
+              </a:effectRef>
+              <a:fontRef idx="minor">
+                <a:schemeClr val="tx1"/>
+              </a:fontRef>
+            </p:style>
+          </p:cxnSp>
+          <p:sp>
+            <p:nvSpPr>
+              <p:cNvPr id="12" name="TextBox 11"/>
+              <p:cNvSpPr txBox="1"/>
+              <p:nvPr/>
+            </p:nvSpPr>
+            <p:spPr>
+              <a:xfrm>
+                <a:off x="4794830" y="3289993"/>
+                <a:ext cx="841922" cy="475741"/>
+              </a:xfrm>
+              <a:prstGeom prst="rect">
+                <a:avLst/>
+              </a:prstGeom>
+              <a:noFill/>
+            </p:spPr>
+            <p:txBody>
+              <a:bodyPr wrap="none" rtlCol="0">
+                <a:spAutoFit/>
+              </a:bodyPr>
+              <a:lstStyle/>
+              <a:p>
+                <a:r>
+                  <a:rPr lang="en-US" sz="1200" dirty="0" smtClean="0"/>
+                  <a:t>1.79</a:t>
+                </a:r>
+                <a:endParaRPr lang="en-US" sz="1200" dirty="0"/>
+              </a:p>
+            </p:txBody>
+          </p:sp>
+        </p:grpSp>
+        <p:grpSp>
+          <p:nvGrpSpPr>
+            <p:cNvPr id="21" name="Group 20"/>
+            <p:cNvGrpSpPr/>
+            <p:nvPr/>
+          </p:nvGrpSpPr>
+          <p:grpSpPr>
+            <a:xfrm>
+              <a:off x="5528648" y="4320730"/>
+              <a:ext cx="2118627" cy="1241870"/>
+              <a:chOff x="5528648" y="4320730"/>
+              <a:chExt cx="2118627" cy="1241870"/>
+            </a:xfrm>
+          </p:grpSpPr>
+          <p:cxnSp>
+            <p:nvCxnSpPr>
+              <p:cNvPr id="15" name="Straight Arrow Connector 14"/>
+              <p:cNvCxnSpPr/>
+              <p:nvPr/>
+            </p:nvCxnSpPr>
+            <p:spPr>
+              <a:xfrm flipH="1">
+                <a:off x="5943600" y="4724400"/>
+                <a:ext cx="76200" cy="762000"/>
+              </a:xfrm>
+              <a:prstGeom prst="straightConnector1">
+                <a:avLst/>
+              </a:prstGeom>
+              <a:ln w="19050">
+                <a:solidFill>
+                  <a:srgbClr val="FF0000"/>
+                </a:solidFill>
+                <a:tailEnd type="arrow"/>
+              </a:ln>
+            </p:spPr>
+            <p:style>
+              <a:lnRef idx="1">
+                <a:schemeClr val="accent1"/>
+              </a:lnRef>
+              <a:fillRef idx="0">
+                <a:schemeClr val="accent1"/>
+              </a:fillRef>
+              <a:effectRef idx="0">
+                <a:schemeClr val="accent1"/>
+              </a:effectRef>
+              <a:fontRef idx="minor">
+                <a:schemeClr val="tx1"/>
+              </a:fontRef>
+            </p:style>
+          </p:cxnSp>
+          <p:cxnSp>
+            <p:nvCxnSpPr>
+              <p:cNvPr id="17" name="Straight Arrow Connector 16"/>
+              <p:cNvCxnSpPr/>
+              <p:nvPr/>
+            </p:nvCxnSpPr>
+            <p:spPr>
+              <a:xfrm>
+                <a:off x="6400800" y="4724400"/>
+                <a:ext cx="0" cy="838200"/>
+              </a:xfrm>
+              <a:prstGeom prst="straightConnector1">
+                <a:avLst/>
+              </a:prstGeom>
+              <a:ln w="19050">
+                <a:solidFill>
+                  <a:srgbClr val="FF0000"/>
+                </a:solidFill>
+                <a:tailEnd type="arrow"/>
+              </a:ln>
+            </p:spPr>
+            <p:style>
+              <a:lnRef idx="1">
+                <a:schemeClr val="accent1"/>
+              </a:lnRef>
+              <a:fillRef idx="0">
+                <a:schemeClr val="accent1"/>
+              </a:fillRef>
+              <a:effectRef idx="0">
+                <a:schemeClr val="accent1"/>
+              </a:effectRef>
+              <a:fontRef idx="minor">
+                <a:schemeClr val="tx1"/>
+              </a:fontRef>
+            </p:style>
+          </p:cxnSp>
+          <p:cxnSp>
+            <p:nvCxnSpPr>
+              <p:cNvPr id="19" name="Straight Arrow Connector 18"/>
+              <p:cNvCxnSpPr/>
+              <p:nvPr/>
+            </p:nvCxnSpPr>
+            <p:spPr>
+              <a:xfrm>
+                <a:off x="6781800" y="4724400"/>
+                <a:ext cx="0" cy="762000"/>
+              </a:xfrm>
+              <a:prstGeom prst="straightConnector1">
+                <a:avLst/>
+              </a:prstGeom>
+              <a:ln w="19050">
+                <a:solidFill>
+                  <a:srgbClr val="FF0000"/>
+                </a:solidFill>
+                <a:tailEnd type="arrow"/>
+              </a:ln>
+            </p:spPr>
+            <p:style>
+              <a:lnRef idx="1">
+                <a:schemeClr val="accent1"/>
+              </a:lnRef>
+              <a:fillRef idx="0">
+                <a:schemeClr val="accent1"/>
+              </a:fillRef>
+              <a:effectRef idx="0">
+                <a:schemeClr val="accent1"/>
+              </a:effectRef>
+              <a:fontRef idx="minor">
+                <a:schemeClr val="tx1"/>
+              </a:fontRef>
+            </p:style>
+          </p:cxnSp>
+          <p:sp>
+            <p:nvSpPr>
+              <p:cNvPr id="20" name="TextBox 19"/>
+              <p:cNvSpPr txBox="1"/>
+              <p:nvPr/>
+            </p:nvSpPr>
+            <p:spPr>
+              <a:xfrm>
+                <a:off x="5528648" y="4320730"/>
+                <a:ext cx="2118627" cy="475741"/>
+              </a:xfrm>
+              <a:prstGeom prst="rect">
+                <a:avLst/>
+              </a:prstGeom>
+              <a:noFill/>
+            </p:spPr>
+            <p:txBody>
+              <a:bodyPr wrap="none" rtlCol="0">
+                <a:spAutoFit/>
+              </a:bodyPr>
+              <a:lstStyle/>
+              <a:p>
+                <a:r>
+                  <a:rPr lang="en-US" sz="1200" dirty="0" smtClean="0"/>
+                  <a:t>3.25, 3.57, 3.99</a:t>
+                </a:r>
+                <a:endParaRPr lang="en-US" sz="1200" dirty="0"/>
+              </a:p>
+            </p:txBody>
+          </p:sp>
+        </p:grpSp>
+        <p:grpSp>
+          <p:nvGrpSpPr>
+            <p:cNvPr id="26" name="Group 25"/>
+            <p:cNvGrpSpPr/>
+            <p:nvPr/>
+          </p:nvGrpSpPr>
+          <p:grpSpPr>
+            <a:xfrm>
+              <a:off x="533400" y="3853934"/>
+              <a:ext cx="2829791" cy="475740"/>
+              <a:chOff x="533400" y="3853934"/>
+              <a:chExt cx="2829791" cy="475740"/>
+            </a:xfrm>
+          </p:grpSpPr>
+          <p:cxnSp>
+            <p:nvCxnSpPr>
+              <p:cNvPr id="23" name="Straight Arrow Connector 22"/>
+              <p:cNvCxnSpPr>
+                <a:stCxn id="24" idx="3"/>
+              </p:cNvCxnSpPr>
+              <p:nvPr/>
+            </p:nvCxnSpPr>
+            <p:spPr>
+              <a:xfrm flipV="1">
+                <a:off x="1448864" y="4038601"/>
+                <a:ext cx="1914327" cy="53203"/>
+              </a:xfrm>
+              <a:prstGeom prst="straightConnector1">
+                <a:avLst/>
+              </a:prstGeom>
+              <a:ln w="38100">
+                <a:solidFill>
+                  <a:srgbClr val="00B0F0"/>
+                </a:solidFill>
+                <a:tailEnd type="arrow"/>
+              </a:ln>
+            </p:spPr>
+            <p:style>
+              <a:lnRef idx="1">
+                <a:schemeClr val="accent1"/>
+              </a:lnRef>
+              <a:fillRef idx="0">
+                <a:schemeClr val="accent1"/>
+              </a:fillRef>
+              <a:effectRef idx="0">
+                <a:schemeClr val="accent1"/>
+              </a:effectRef>
+              <a:fontRef idx="minor">
+                <a:schemeClr val="tx1"/>
+              </a:fontRef>
+            </p:style>
+          </p:cxnSp>
+          <p:sp>
+            <p:nvSpPr>
+              <p:cNvPr id="24" name="TextBox 23"/>
+              <p:cNvSpPr txBox="1"/>
+              <p:nvPr/>
+            </p:nvSpPr>
+            <p:spPr>
+              <a:xfrm>
+                <a:off x="533400" y="3853934"/>
+                <a:ext cx="915464" cy="475740"/>
+              </a:xfrm>
+              <a:prstGeom prst="rect">
+                <a:avLst/>
+              </a:prstGeom>
+              <a:noFill/>
+            </p:spPr>
+            <p:txBody>
+              <a:bodyPr wrap="none" rtlCol="0">
+                <a:spAutoFit/>
+              </a:bodyPr>
+              <a:lstStyle/>
+              <a:p>
+                <a:r>
+                  <a:rPr lang="en-US" sz="1200" dirty="0" smtClean="0"/>
+                  <a:t>1788</a:t>
+                </a:r>
+                <a:endParaRPr lang="en-US" sz="1200" dirty="0"/>
+              </a:p>
+            </p:txBody>
+          </p:sp>
+        </p:grpSp>
+      </p:grpSp>
+      <p:grpSp>
+        <p:nvGrpSpPr>
+          <p:cNvPr id="22" name="Group 21"/>
+          <p:cNvGrpSpPr/>
+          <p:nvPr/>
+        </p:nvGrpSpPr>
+        <p:grpSpPr>
+          <a:xfrm>
+            <a:off x="4816548" y="1631103"/>
+            <a:ext cx="4227404" cy="3914914"/>
+            <a:chOff x="1361209" y="81190"/>
+            <a:chExt cx="6710596" cy="6700610"/>
+          </a:xfrm>
+        </p:grpSpPr>
+        <p:grpSp>
+          <p:nvGrpSpPr>
+            <p:cNvPr id="25" name="Group 24"/>
+            <p:cNvGrpSpPr/>
+            <p:nvPr/>
+          </p:nvGrpSpPr>
+          <p:grpSpPr>
+            <a:xfrm>
+              <a:off x="1361209" y="81190"/>
+              <a:ext cx="6710596" cy="6700610"/>
+              <a:chOff x="1361209" y="81190"/>
+              <a:chExt cx="6710596" cy="6700610"/>
+            </a:xfrm>
+          </p:grpSpPr>
+          <p:pic>
+            <p:nvPicPr>
+              <p:cNvPr id="32" name="Picture 31"/>
+              <p:cNvPicPr>
+                <a:picLocks noChangeAspect="1"/>
+              </p:cNvPicPr>
+              <p:nvPr/>
+            </p:nvPicPr>
+            <p:blipFill>
+              <a:blip r:embed="rId4">
+                <a:extLst>
+                  <a:ext uri="{28A0092B-C50C-407E-A947-70E740481C1C}">
+                    <a14:useLocalDpi xmlns:a14="http://schemas.microsoft.com/office/drawing/2010/main" val="0"/>
+                  </a:ext>
+                </a:extLst>
+              </a:blip>
+              <a:stretch>
+                <a:fillRect/>
+              </a:stretch>
+            </p:blipFill>
+            <p:spPr>
+              <a:xfrm>
+                <a:off x="1361209" y="81190"/>
+                <a:ext cx="6710596" cy="6700610"/>
+              </a:xfrm>
+              <a:prstGeom prst="rect">
+                <a:avLst/>
+              </a:prstGeom>
+            </p:spPr>
+          </p:pic>
+          <p:pic>
+            <p:nvPicPr>
+              <p:cNvPr id="33" name="Picture 2"/>
+              <p:cNvPicPr>
+                <a:picLocks noChangeAspect="1" noChangeArrowheads="1"/>
+              </p:cNvPicPr>
+              <p:nvPr/>
+            </p:nvPicPr>
+            <p:blipFill>
+              <a:blip r:embed="rId5">
+                <a:extLst>
+                  <a:ext uri="{28A0092B-C50C-407E-A947-70E740481C1C}">
+                    <a14:useLocalDpi xmlns:a14="http://schemas.microsoft.com/office/drawing/2010/main" val="0"/>
+                  </a:ext>
+                </a:extLst>
+              </a:blip>
+              <a:srcRect/>
+              <a:stretch>
+                <a:fillRect/>
+              </a:stretch>
+            </p:blipFill>
+            <p:spPr bwMode="auto">
+              <a:xfrm>
+                <a:off x="5673437" y="869373"/>
+                <a:ext cx="1981200" cy="1409700"/>
+              </a:xfrm>
+              <a:prstGeom prst="rect">
+                <a:avLst/>
+              </a:prstGeom>
+              <a:noFill/>
+              <a:ln>
+                <a:noFill/>
+              </a:ln>
+              <a:extLst>
+                <a:ext uri="{909E8E84-426E-40dd-AFC4-6F175D3DCCD1}">
+                  <a14:hiddenFill xmlns:a14="http://schemas.microsoft.com/office/drawing/2010/main">
+                    <a:solidFill>
+                      <a:schemeClr val="accent1"/>
+                    </a:solidFill>
+                  </a14:hiddenFill>
+                </a:ext>
+                <a:ext uri="{91240B29-F687-4f45-9708-019B960494DF}">
+                  <a14:hiddenLine xmlns:a14="http://schemas.microsoft.com/office/drawing/2010/main" w="9525">
+                    <a:solidFill>
+                      <a:schemeClr val="tx1"/>
+                    </a:solidFill>
+                    <a:miter lim="800000"/>
+                    <a:headEnd/>
+                    <a:tailEnd/>
+                  </a14:hiddenLine>
+                </a:ext>
+              </a:extLst>
+            </p:spPr>
+          </p:pic>
+        </p:grpSp>
+        <p:grpSp>
+          <p:nvGrpSpPr>
+            <p:cNvPr id="27" name="Group 26"/>
+            <p:cNvGrpSpPr/>
+            <p:nvPr/>
+          </p:nvGrpSpPr>
+          <p:grpSpPr>
+            <a:xfrm>
+              <a:off x="5476010" y="3678596"/>
+              <a:ext cx="1415276" cy="1049814"/>
+              <a:chOff x="4267200" y="3217386"/>
+              <a:chExt cx="1415276" cy="1049814"/>
+            </a:xfrm>
+          </p:grpSpPr>
+          <p:cxnSp>
+            <p:nvCxnSpPr>
+              <p:cNvPr id="30" name="Straight Arrow Connector 29"/>
+              <p:cNvCxnSpPr/>
+              <p:nvPr/>
+            </p:nvCxnSpPr>
+            <p:spPr>
+              <a:xfrm flipH="1">
+                <a:off x="4267200" y="3581400"/>
+                <a:ext cx="609600" cy="685800"/>
+              </a:xfrm>
+              <a:prstGeom prst="straightConnector1">
+                <a:avLst/>
+              </a:prstGeom>
+              <a:ln w="19050">
+                <a:solidFill>
+                  <a:srgbClr val="FF0000"/>
+                </a:solidFill>
+                <a:tailEnd type="arrow"/>
+              </a:ln>
+            </p:spPr>
+            <p:style>
+              <a:lnRef idx="1">
+                <a:schemeClr val="accent1"/>
+              </a:lnRef>
+              <a:fillRef idx="0">
+                <a:schemeClr val="accent1"/>
+              </a:fillRef>
+              <a:effectRef idx="0">
+                <a:schemeClr val="accent1"/>
+              </a:effectRef>
+              <a:fontRef idx="minor">
+                <a:schemeClr val="tx1"/>
+              </a:fontRef>
+            </p:style>
+          </p:cxnSp>
+          <p:sp>
+            <p:nvSpPr>
+              <p:cNvPr id="31" name="TextBox 30"/>
+              <p:cNvSpPr txBox="1"/>
+              <p:nvPr/>
+            </p:nvSpPr>
+            <p:spPr>
+              <a:xfrm>
+                <a:off x="4811709" y="3217386"/>
+                <a:ext cx="870767" cy="579455"/>
+              </a:xfrm>
+              <a:prstGeom prst="rect">
+                <a:avLst/>
+              </a:prstGeom>
+              <a:noFill/>
+            </p:spPr>
+            <p:txBody>
+              <a:bodyPr wrap="none" rtlCol="0">
+                <a:spAutoFit/>
+              </a:bodyPr>
+              <a:lstStyle/>
+              <a:p>
+                <a:r>
+                  <a:rPr lang="en-US" sz="1600" dirty="0" smtClean="0"/>
+                  <a:t>3.33</a:t>
+                </a:r>
+                <a:endParaRPr lang="en-US" sz="1600" dirty="0"/>
+              </a:p>
+            </p:txBody>
+          </p:sp>
+        </p:grpSp>
+        <p:cxnSp>
+          <p:nvCxnSpPr>
+            <p:cNvPr id="28" name="Straight Arrow Connector 27"/>
+            <p:cNvCxnSpPr/>
+            <p:nvPr/>
+          </p:nvCxnSpPr>
+          <p:spPr>
+            <a:xfrm flipH="1" flipV="1">
+              <a:off x="3581400" y="1066800"/>
+              <a:ext cx="914400" cy="507423"/>
+            </a:xfrm>
+            <a:prstGeom prst="straightConnector1">
+              <a:avLst/>
+            </a:prstGeom>
+            <a:ln w="19050">
+              <a:solidFill>
+                <a:srgbClr val="FF0000"/>
+              </a:solidFill>
+              <a:tailEnd type="arrow"/>
+            </a:ln>
+          </p:spPr>
+          <p:style>
+            <a:lnRef idx="1">
+              <a:schemeClr val="accent1"/>
+            </a:lnRef>
+            <a:fillRef idx="0">
+              <a:schemeClr val="accent1"/>
+            </a:fillRef>
+            <a:effectRef idx="0">
+              <a:schemeClr val="accent1"/>
+            </a:effectRef>
+            <a:fontRef idx="minor">
+              <a:schemeClr val="tx1"/>
+            </a:fontRef>
+          </p:style>
+        </p:cxnSp>
+        <p:sp>
+          <p:nvSpPr>
+            <p:cNvPr id="29" name="TextBox 28"/>
+            <p:cNvSpPr txBox="1"/>
+            <p:nvPr/>
+          </p:nvSpPr>
+          <p:spPr>
+            <a:xfrm>
+              <a:off x="4419791" y="1360937"/>
+              <a:ext cx="870767" cy="579455"/>
+            </a:xfrm>
+            <a:prstGeom prst="rect">
+              <a:avLst/>
+            </a:prstGeom>
+            <a:noFill/>
+          </p:spPr>
+          <p:txBody>
+            <a:bodyPr wrap="none" rtlCol="0">
+              <a:spAutoFit/>
+            </a:bodyPr>
+            <a:lstStyle/>
+            <a:p>
+              <a:r>
+                <a:rPr lang="en-US" sz="1600" dirty="0" smtClean="0"/>
+                <a:t>2.00</a:t>
+              </a:r>
+              <a:endParaRPr lang="en-US" sz="1600" dirty="0"/>
+            </a:p>
+          </p:txBody>
+        </p:sp>
+      </p:grpSp>
+    </p:spTree>
+    <p:extLst>
+      <p:ext uri="{BB962C8B-B14F-4D97-AF65-F5344CB8AC3E}">
+        <p14:creationId xmlns:p14="http://schemas.microsoft.com/office/powerpoint/2010/main" val="2572402482"/>
+      </p:ext>
+    </p:extLst>
+  </p:cSld>
+  <p:clrMapOvr>
+    <a:masterClrMapping/>
+  </p:clrMapOvr>
+  <p:timing>
+    <p:tnLst>
+      <p:par>
+        <p:cTn xmlns:p14="http://schemas.microsoft.com/office/powerpoint/2010/main" id="1" dur="indefinite" restart="never" nodeType="tmRoot"/>
+      </p:par>
+    </p:tnLst>
+  </p:timing>
+</p:sld>
+</file>
+
+<file path=ppt/slides/slide2.xml><?xml version="1.0" encoding="utf-8"?>
+<p:sld xmlns:a="http://schemas.openxmlformats.org/drawingml/2006/main" xmlns:r="http://schemas.openxmlformats.org/officeDocument/2006/relationships" xmlns:p="http://schemas.openxmlformats.org/presentationml/2006/main">
+  <p:cSld>
+    <p:spTree>
+      <p:nvGrpSpPr>
+        <p:cNvPr id="1" name=""/>
+        <p:cNvGrpSpPr/>
+        <p:nvPr/>
+      </p:nvGrpSpPr>
+      <p:grpSpPr>
+        <a:xfrm>
+          <a:off x="0" y="0"/>
+          <a:ext cx="0" cy="0"/>
+          <a:chOff x="0" y="0"/>
+          <a:chExt cx="0" cy="0"/>
+        </a:xfrm>
+      </p:grpSpPr>
+      <p:sp>
+        <p:nvSpPr>
+          <p:cNvPr id="2" name="Title 1"/>
+          <p:cNvSpPr>
+            <a:spLocks noGrp="1"/>
+          </p:cNvSpPr>
+          <p:nvPr>
+            <p:ph type="title"/>
+          </p:nvPr>
+        </p:nvSpPr>
+        <p:spPr/>
+        <p:txBody>
+          <a:bodyPr/>
+          <a:lstStyle/>
+          <a:p>
+            <a:r>
+              <a:rPr lang="en-US" dirty="0" smtClean="0"/>
+              <a:t>Outline</a:t>
+            </a:r>
+            <a:endParaRPr lang="en-US" dirty="0"/>
+          </a:p>
+        </p:txBody>
+      </p:sp>
+      <p:sp>
+        <p:nvSpPr>
+          <p:cNvPr id="3" name="Content Placeholder 2"/>
+          <p:cNvSpPr>
+            <a:spLocks noGrp="1"/>
+          </p:cNvSpPr>
+          <p:nvPr>
+            <p:ph idx="1"/>
+          </p:nvPr>
+        </p:nvSpPr>
+        <p:spPr/>
+        <p:txBody>
+          <a:bodyPr>
+            <a:normAutofit lnSpcReduction="10000"/>
+          </a:bodyPr>
+          <a:lstStyle/>
+          <a:p>
+            <a:r>
+              <a:rPr lang="en-US" dirty="0" smtClean="0"/>
+              <a:t>Nucleus DNA staining for early detection</a:t>
+            </a:r>
+          </a:p>
+          <a:p>
+            <a:r>
+              <a:rPr lang="en-US" dirty="0" smtClean="0"/>
+              <a:t>Understand the data distribution nature</a:t>
+            </a:r>
+          </a:p>
+          <a:p>
+            <a:r>
+              <a:rPr lang="en-US" b="1" dirty="0" smtClean="0"/>
+              <a:t>Ex</a:t>
+            </a:r>
+            <a:r>
+              <a:rPr lang="en-US" dirty="0" smtClean="0"/>
+              <a:t>pert </a:t>
+            </a:r>
+            <a:r>
+              <a:rPr lang="en-US" b="1" dirty="0"/>
+              <a:t>G</a:t>
+            </a:r>
+            <a:r>
+              <a:rPr lang="en-US" dirty="0"/>
+              <a:t>uided Data </a:t>
+            </a:r>
+            <a:r>
+              <a:rPr lang="en-US" b="1" dirty="0"/>
+              <a:t>C</a:t>
+            </a:r>
+            <a:r>
+              <a:rPr lang="en-US" dirty="0"/>
+              <a:t>leaning and </a:t>
+            </a:r>
+            <a:r>
+              <a:rPr lang="en-US" b="1" dirty="0"/>
+              <a:t>R</a:t>
+            </a:r>
+            <a:r>
+              <a:rPr lang="en-US" dirty="0"/>
+              <a:t>econstructio</a:t>
+            </a:r>
+            <a:r>
+              <a:rPr lang="en-US" b="1" dirty="0"/>
+              <a:t>n </a:t>
+            </a:r>
+            <a:r>
+              <a:rPr lang="en-US" dirty="0"/>
+              <a:t>(</a:t>
+            </a:r>
+            <a:r>
+              <a:rPr lang="en-US" b="1" dirty="0" err="1"/>
+              <a:t>ExGCRn</a:t>
+            </a:r>
+            <a:r>
+              <a:rPr lang="en-US" dirty="0"/>
+              <a:t>) </a:t>
+            </a:r>
+            <a:endParaRPr lang="en-US" dirty="0" smtClean="0"/>
+          </a:p>
+          <a:p>
+            <a:r>
+              <a:rPr lang="en-US" dirty="0" smtClean="0"/>
+              <a:t>Stretching the prediction modeling</a:t>
+            </a:r>
+          </a:p>
+          <a:p>
+            <a:r>
+              <a:rPr lang="en-US" dirty="0" smtClean="0"/>
+              <a:t>Integrating extra domain information</a:t>
+            </a:r>
+          </a:p>
+          <a:p>
+            <a:r>
+              <a:rPr lang="en-US" dirty="0" smtClean="0"/>
+              <a:t>Empower the patient</a:t>
+            </a:r>
+          </a:p>
+          <a:p>
+            <a:r>
+              <a:rPr lang="en-US" dirty="0" smtClean="0"/>
+              <a:t>Moving toward the standardization</a:t>
+            </a:r>
+            <a:endParaRPr lang="en-US" dirty="0"/>
+          </a:p>
+        </p:txBody>
+      </p:sp>
+    </p:spTree>
+    <p:extLst>
+      <p:ext uri="{BB962C8B-B14F-4D97-AF65-F5344CB8AC3E}">
+        <p14:creationId xmlns:p14="http://schemas.microsoft.com/office/powerpoint/2010/main" val="586842750"/>
+      </p:ext>
+    </p:extLst>
+  </p:cSld>
+  <p:clrMapOvr>
+    <a:masterClrMapping/>
+  </p:clrMapOvr>
+  <p:timing>
+    <p:tnLst>
+      <p:par>
+        <p:cTn xmlns:p14="http://schemas.microsoft.com/office/powerpoint/2010/main" id="1" dur="indefinite" restart="never" nodeType="tmRoot"/>
+      </p:par>
+    </p:tnLst>
+  </p:timing>
+</p:sld>
+</file>
+
+<file path=ppt/slides/slide20.xml><?xml version="1.0" encoding="utf-8"?>
+<p:sld xmlns:a="http://schemas.openxmlformats.org/drawingml/2006/main" xmlns:r="http://schemas.openxmlformats.org/officeDocument/2006/relationships" xmlns:p="http://schemas.openxmlformats.org/presentationml/2006/main">
+  <p:cSld>
+    <p:spTree>
+      <p:nvGrpSpPr>
+        <p:cNvPr id="1" name=""/>
+        <p:cNvGrpSpPr/>
+        <p:nvPr/>
+      </p:nvGrpSpPr>
+      <p:grpSpPr>
+        <a:xfrm>
+          <a:off x="0" y="0"/>
+          <a:ext cx="0" cy="0"/>
+          <a:chOff x="0" y="0"/>
+          <a:chExt cx="0" cy="0"/>
+        </a:xfrm>
+      </p:grpSpPr>
+      <p:sp>
+        <p:nvSpPr>
+          <p:cNvPr id="2" name="Title 1"/>
+          <p:cNvSpPr>
+            <a:spLocks noGrp="1"/>
+          </p:cNvSpPr>
+          <p:nvPr>
+            <p:ph type="title"/>
+          </p:nvPr>
+        </p:nvSpPr>
+        <p:spPr/>
+        <p:txBody>
+          <a:bodyPr/>
+          <a:lstStyle/>
+          <a:p>
+            <a:r>
+              <a:rPr lang="en-US" dirty="0" smtClean="0"/>
+              <a:t>Predicting the clinical outcome</a:t>
+            </a:r>
+            <a:endParaRPr lang="en-US" dirty="0"/>
+          </a:p>
+        </p:txBody>
+      </p:sp>
+      <p:sp>
+        <p:nvSpPr>
+          <p:cNvPr id="3" name="Content Placeholder 2"/>
+          <p:cNvSpPr>
+            <a:spLocks noGrp="1"/>
+          </p:cNvSpPr>
+          <p:nvPr>
+            <p:ph idx="1"/>
+          </p:nvPr>
+        </p:nvSpPr>
+        <p:spPr/>
+        <p:txBody>
+          <a:bodyPr/>
+          <a:lstStyle/>
+          <a:p>
+            <a:r>
+              <a:rPr lang="en-US" dirty="0" smtClean="0"/>
+              <a:t>Newly formulated dataset (</a:t>
+            </a:r>
+            <a:r>
+              <a:rPr lang="en-US" b="1" dirty="0" err="1" smtClean="0"/>
+              <a:t>ExGCRn</a:t>
+            </a:r>
+            <a:r>
+              <a:rPr lang="en-US" b="1" dirty="0" smtClean="0"/>
+              <a:t>)</a:t>
+            </a:r>
+          </a:p>
+          <a:p>
+            <a:r>
+              <a:rPr lang="en-US" dirty="0" smtClean="0"/>
+              <a:t>Stretched statistical models</a:t>
+            </a:r>
+          </a:p>
+          <a:p>
+            <a:pPr lvl="1"/>
+            <a:r>
+              <a:rPr lang="en-US" dirty="0" smtClean="0"/>
+              <a:t>Tested out models with various prediction power</a:t>
+            </a:r>
+          </a:p>
+          <a:p>
+            <a:pPr lvl="1"/>
+            <a:r>
+              <a:rPr lang="en-US" dirty="0" smtClean="0"/>
+              <a:t>Optimized the parameter setting</a:t>
+            </a:r>
+          </a:p>
+          <a:p>
+            <a:pPr lvl="1"/>
+            <a:r>
+              <a:rPr lang="en-US" dirty="0" smtClean="0"/>
+              <a:t>Evaluated model performance</a:t>
+            </a:r>
+          </a:p>
+          <a:p>
+            <a:r>
+              <a:rPr lang="en-US" dirty="0" smtClean="0"/>
+              <a:t>Prediction results</a:t>
+            </a:r>
+          </a:p>
+          <a:p>
+            <a:r>
+              <a:rPr lang="en-US" dirty="0" smtClean="0"/>
+              <a:t>Clinical outcome and further implementation</a:t>
+            </a:r>
+          </a:p>
+          <a:p>
+            <a:r>
+              <a:rPr lang="en-US" dirty="0" smtClean="0"/>
+              <a:t>R -- Caret package used</a:t>
+            </a:r>
+            <a:endParaRPr lang="en-US" dirty="0"/>
+          </a:p>
+        </p:txBody>
+      </p:sp>
+    </p:spTree>
+    <p:extLst>
+      <p:ext uri="{BB962C8B-B14F-4D97-AF65-F5344CB8AC3E}">
+        <p14:creationId xmlns:p14="http://schemas.microsoft.com/office/powerpoint/2010/main" val="109716143"/>
+      </p:ext>
+    </p:extLst>
+  </p:cSld>
+  <p:clrMapOvr>
+    <a:masterClrMapping/>
+  </p:clrMapOvr>
+  <p:timing>
+    <p:tnLst>
+      <p:par>
+        <p:cTn xmlns:p14="http://schemas.microsoft.com/office/powerpoint/2010/main" id="1" dur="indefinite" restart="never" nodeType="tmRoot"/>
+      </p:par>
+    </p:tnLst>
+  </p:timing>
+</p:sld>
+</file>
+
+<file path=ppt/slides/slide21.xml><?xml version="1.0" encoding="utf-8"?>
+<p:sld xmlns:a="http://schemas.openxmlformats.org/drawingml/2006/main" xmlns:r="http://schemas.openxmlformats.org/officeDocument/2006/relationships" xmlns:p="http://schemas.openxmlformats.org/presentationml/2006/main">
+  <p:cSld>
+    <p:spTree>
+      <p:nvGrpSpPr>
+        <p:cNvPr id="1" name=""/>
+        <p:cNvGrpSpPr/>
+        <p:nvPr/>
+      </p:nvGrpSpPr>
+      <p:grpSpPr>
+        <a:xfrm>
+          <a:off x="0" y="0"/>
+          <a:ext cx="0" cy="0"/>
+          <a:chOff x="0" y="0"/>
+          <a:chExt cx="0" cy="0"/>
+        </a:xfrm>
+      </p:grpSpPr>
+      <p:sp>
+        <p:nvSpPr>
+          <p:cNvPr id="2" name="Title 1"/>
+          <p:cNvSpPr>
+            <a:spLocks noGrp="1"/>
+          </p:cNvSpPr>
+          <p:nvPr>
+            <p:ph type="title"/>
+          </p:nvPr>
+        </p:nvSpPr>
+        <p:spPr/>
+        <p:txBody>
+          <a:bodyPr/>
+          <a:lstStyle/>
+          <a:p>
+            <a:endParaRPr lang="en-US"/>
+          </a:p>
+        </p:txBody>
+      </p:sp>
+      <p:sp>
+        <p:nvSpPr>
+          <p:cNvPr id="3" name="Content Placeholder 2"/>
+          <p:cNvSpPr>
+            <a:spLocks noGrp="1"/>
+          </p:cNvSpPr>
+          <p:nvPr>
+            <p:ph idx="1"/>
+          </p:nvPr>
+        </p:nvSpPr>
+        <p:spPr/>
+        <p:txBody>
+          <a:bodyPr/>
+          <a:lstStyle/>
+          <a:p>
+            <a:r>
+              <a:rPr lang="en-US" dirty="0" smtClean="0"/>
+              <a:t>Get a few model explaining</a:t>
+            </a:r>
+            <a:endParaRPr lang="en-US" dirty="0"/>
+          </a:p>
+        </p:txBody>
+      </p:sp>
+    </p:spTree>
+    <p:extLst>
+      <p:ext uri="{BB962C8B-B14F-4D97-AF65-F5344CB8AC3E}">
+        <p14:creationId xmlns:p14="http://schemas.microsoft.com/office/powerpoint/2010/main" val="3062026447"/>
+      </p:ext>
+    </p:extLst>
+  </p:cSld>
+  <p:clrMapOvr>
+    <a:masterClrMapping/>
+  </p:clrMapOvr>
+</p:sld>
+</file>
+
+<file path=ppt/slides/slide22.xml><?xml version="1.0" encoding="utf-8"?>
+<p:sld xmlns:a="http://schemas.openxmlformats.org/drawingml/2006/main" xmlns:r="http://schemas.openxmlformats.org/officeDocument/2006/relationships" xmlns:p="http://schemas.openxmlformats.org/presentationml/2006/main">
+  <p:cSld>
+    <p:spTree>
+      <p:nvGrpSpPr>
+        <p:cNvPr id="1" name=""/>
+        <p:cNvGrpSpPr/>
+        <p:nvPr/>
+      </p:nvGrpSpPr>
+      <p:grpSpPr>
+        <a:xfrm>
+          <a:off x="0" y="0"/>
+          <a:ext cx="0" cy="0"/>
+          <a:chOff x="0" y="0"/>
+          <a:chExt cx="0" cy="0"/>
+        </a:xfrm>
+      </p:grpSpPr>
+      <p:sp>
+        <p:nvSpPr>
+          <p:cNvPr id="2" name="Title 1"/>
+          <p:cNvSpPr>
+            <a:spLocks noGrp="1"/>
+          </p:cNvSpPr>
+          <p:nvPr>
+            <p:ph type="title"/>
+          </p:nvPr>
+        </p:nvSpPr>
+        <p:spPr/>
+        <p:txBody>
+          <a:bodyPr/>
+          <a:lstStyle/>
+          <a:p>
+            <a:r>
+              <a:rPr lang="en-US" dirty="0" smtClean="0"/>
+              <a:t>SVM – maximize the margin</a:t>
+            </a:r>
+            <a:endParaRPr lang="en-US" dirty="0"/>
+          </a:p>
+        </p:txBody>
+      </p:sp>
+      <p:pic>
+        <p:nvPicPr>
+          <p:cNvPr id="3" name="Picture 2"/>
+          <p:cNvPicPr>
+            <a:picLocks noChangeAspect="1"/>
+          </p:cNvPicPr>
+          <p:nvPr/>
+        </p:nvPicPr>
+        <p:blipFill>
+          <a:blip r:embed="rId2"/>
+          <a:stretch>
+            <a:fillRect/>
+          </a:stretch>
+        </p:blipFill>
+        <p:spPr>
+          <a:xfrm>
+            <a:off x="0" y="1905000"/>
+            <a:ext cx="3810000" cy="3733800"/>
+          </a:xfrm>
+          <a:prstGeom prst="rect">
+            <a:avLst/>
+          </a:prstGeom>
+        </p:spPr>
+      </p:pic>
+      <p:pic>
+        <p:nvPicPr>
+          <p:cNvPr id="4" name="Picture 3"/>
+          <p:cNvPicPr>
+            <a:picLocks noChangeAspect="1"/>
+          </p:cNvPicPr>
+          <p:nvPr/>
+        </p:nvPicPr>
+        <p:blipFill>
+          <a:blip r:embed="rId3"/>
+          <a:stretch>
+            <a:fillRect/>
+          </a:stretch>
+        </p:blipFill>
+        <p:spPr>
+          <a:xfrm>
+            <a:off x="4876800" y="1916870"/>
+            <a:ext cx="3810000" cy="3759200"/>
+          </a:xfrm>
+          <a:prstGeom prst="rect">
+            <a:avLst/>
+          </a:prstGeom>
+        </p:spPr>
+      </p:pic>
+    </p:spTree>
+    <p:extLst>
+      <p:ext uri="{BB962C8B-B14F-4D97-AF65-F5344CB8AC3E}">
+        <p14:creationId xmlns:p14="http://schemas.microsoft.com/office/powerpoint/2010/main" val="2266924076"/>
+      </p:ext>
+    </p:extLst>
+  </p:cSld>
+  <p:clrMapOvr>
+    <a:masterClrMapping/>
+  </p:clrMapOvr>
+</p:sld>
+</file>
+
+<file path=ppt/slides/slide23.xml><?xml version="1.0" encoding="utf-8"?>
+<p:sld xmlns:a="http://schemas.openxmlformats.org/drawingml/2006/main" xmlns:r="http://schemas.openxmlformats.org/officeDocument/2006/relationships" xmlns:p="http://schemas.openxmlformats.org/presentationml/2006/main">
+  <p:cSld>
+    <p:spTree>
+      <p:nvGrpSpPr>
+        <p:cNvPr id="1" name=""/>
+        <p:cNvGrpSpPr/>
+        <p:nvPr/>
+      </p:nvGrpSpPr>
+      <p:grpSpPr>
+        <a:xfrm>
+          <a:off x="0" y="0"/>
+          <a:ext cx="0" cy="0"/>
+          <a:chOff x="0" y="0"/>
+          <a:chExt cx="0" cy="0"/>
+        </a:xfrm>
+      </p:grpSpPr>
+      <p:sp>
+        <p:nvSpPr>
+          <p:cNvPr id="2" name="Title 1"/>
+          <p:cNvSpPr>
+            <a:spLocks noGrp="1"/>
+          </p:cNvSpPr>
+          <p:nvPr>
+            <p:ph type="title"/>
+          </p:nvPr>
+        </p:nvSpPr>
+        <p:spPr/>
+        <p:txBody>
+          <a:bodyPr/>
+          <a:lstStyle/>
+          <a:p>
+            <a:endParaRPr lang="en-US"/>
+          </a:p>
+        </p:txBody>
+      </p:sp>
+      <p:sp>
+        <p:nvSpPr>
+          <p:cNvPr id="3" name="Content Placeholder 2"/>
+          <p:cNvSpPr>
+            <a:spLocks noGrp="1"/>
+          </p:cNvSpPr>
+          <p:nvPr>
+            <p:ph idx="1"/>
+          </p:nvPr>
+        </p:nvSpPr>
+        <p:spPr/>
+        <p:txBody>
+          <a:bodyPr/>
+          <a:lstStyle/>
+          <a:p>
+            <a:r>
+              <a:rPr lang="en-US" dirty="0" smtClean="0"/>
+              <a:t>Roc curves..</a:t>
+            </a:r>
+            <a:endParaRPr lang="en-US" dirty="0"/>
+          </a:p>
+        </p:txBody>
+      </p:sp>
+    </p:spTree>
+    <p:extLst>
+      <p:ext uri="{BB962C8B-B14F-4D97-AF65-F5344CB8AC3E}">
+        <p14:creationId xmlns:p14="http://schemas.microsoft.com/office/powerpoint/2010/main" val="1048994373"/>
+      </p:ext>
+    </p:extLst>
+  </p:cSld>
+  <p:clrMapOvr>
+    <a:masterClrMapping/>
+  </p:clrMapOvr>
+</p:sld>
+</file>
+
+<file path=ppt/slides/slide24.xml><?xml version="1.0" encoding="utf-8"?>
+<p:sld xmlns:a="http://schemas.openxmlformats.org/drawingml/2006/main" xmlns:r="http://schemas.openxmlformats.org/officeDocument/2006/relationships" xmlns:p="http://schemas.openxmlformats.org/presentationml/2006/main">
+  <p:cSld>
+    <p:spTree>
+      <p:nvGrpSpPr>
+        <p:cNvPr id="1" name=""/>
+        <p:cNvGrpSpPr/>
+        <p:nvPr/>
+      </p:nvGrpSpPr>
+      <p:grpSpPr>
+        <a:xfrm>
+          <a:off x="0" y="0"/>
+          <a:ext cx="0" cy="0"/>
+          <a:chOff x="0" y="0"/>
+          <a:chExt cx="0" cy="0"/>
+        </a:xfrm>
+      </p:grpSpPr>
+      <p:pic>
+        <p:nvPicPr>
+          <p:cNvPr id="2" name="Picture 1"/>
+          <p:cNvPicPr>
+            <a:picLocks noChangeAspect="1"/>
+          </p:cNvPicPr>
+          <p:nvPr/>
+        </p:nvPicPr>
+        <p:blipFill>
+          <a:blip r:embed="rId2">
+            <a:extLst>
+              <a:ext uri="{28A0092B-C50C-407E-A947-70E740481C1C}">
+                <a14:useLocalDpi xmlns:a14="http://schemas.microsoft.com/office/drawing/2010/main" val="0"/>
+              </a:ext>
+            </a:extLst>
+          </a:blip>
+          <a:stretch>
+            <a:fillRect/>
+          </a:stretch>
+        </p:blipFill>
+        <p:spPr>
+          <a:xfrm>
+            <a:off x="1371600" y="233362"/>
+            <a:ext cx="6400800" cy="6391275"/>
+          </a:xfrm>
+          <a:prstGeom prst="rect">
+            <a:avLst/>
+          </a:prstGeom>
+        </p:spPr>
+      </p:pic>
+      <p:grpSp>
+        <p:nvGrpSpPr>
+          <p:cNvPr id="3" name="Group 2"/>
+          <p:cNvGrpSpPr/>
+          <p:nvPr/>
+        </p:nvGrpSpPr>
+        <p:grpSpPr>
+          <a:xfrm>
+            <a:off x="5462155" y="4281054"/>
+            <a:ext cx="1632178" cy="1205346"/>
+            <a:chOff x="5645726" y="4357254"/>
+            <a:chExt cx="1632178" cy="1205346"/>
+          </a:xfrm>
+        </p:grpSpPr>
+        <p:cxnSp>
+          <p:nvCxnSpPr>
+            <p:cNvPr id="4" name="Straight Arrow Connector 3"/>
+            <p:cNvCxnSpPr/>
+            <p:nvPr/>
+          </p:nvCxnSpPr>
+          <p:spPr>
+            <a:xfrm flipH="1">
+              <a:off x="5943600" y="4724400"/>
+              <a:ext cx="76200" cy="762000"/>
+            </a:xfrm>
+            <a:prstGeom prst="straightConnector1">
+              <a:avLst/>
+            </a:prstGeom>
+            <a:ln w="19050">
+              <a:solidFill>
+                <a:srgbClr val="FF0000"/>
+              </a:solidFill>
+              <a:tailEnd type="arrow"/>
+            </a:ln>
+          </p:spPr>
+          <p:style>
+            <a:lnRef idx="1">
+              <a:schemeClr val="accent1"/>
+            </a:lnRef>
+            <a:fillRef idx="0">
+              <a:schemeClr val="accent1"/>
+            </a:fillRef>
+            <a:effectRef idx="0">
+              <a:schemeClr val="accent1"/>
+            </a:effectRef>
+            <a:fontRef idx="minor">
+              <a:schemeClr val="tx1"/>
+            </a:fontRef>
+          </p:style>
+        </p:cxnSp>
+        <p:cxnSp>
+          <p:nvCxnSpPr>
+            <p:cNvPr id="5" name="Straight Arrow Connector 4"/>
+            <p:cNvCxnSpPr/>
+            <p:nvPr/>
+          </p:nvCxnSpPr>
+          <p:spPr>
+            <a:xfrm>
+              <a:off x="6400800" y="4724400"/>
+              <a:ext cx="0" cy="838200"/>
+            </a:xfrm>
+            <a:prstGeom prst="straightConnector1">
+              <a:avLst/>
+            </a:prstGeom>
+            <a:ln w="19050">
+              <a:solidFill>
+                <a:srgbClr val="FF0000"/>
+              </a:solidFill>
+              <a:tailEnd type="arrow"/>
+            </a:ln>
+          </p:spPr>
+          <p:style>
+            <a:lnRef idx="1">
+              <a:schemeClr val="accent1"/>
+            </a:lnRef>
+            <a:fillRef idx="0">
+              <a:schemeClr val="accent1"/>
+            </a:fillRef>
+            <a:effectRef idx="0">
+              <a:schemeClr val="accent1"/>
+            </a:effectRef>
+            <a:fontRef idx="minor">
+              <a:schemeClr val="tx1"/>
+            </a:fontRef>
+          </p:style>
+        </p:cxnSp>
+        <p:cxnSp>
+          <p:nvCxnSpPr>
+            <p:cNvPr id="6" name="Straight Arrow Connector 5"/>
+            <p:cNvCxnSpPr/>
+            <p:nvPr/>
+          </p:nvCxnSpPr>
+          <p:spPr>
+            <a:xfrm>
+              <a:off x="6965371" y="4724400"/>
+              <a:ext cx="0" cy="762000"/>
+            </a:xfrm>
+            <a:prstGeom prst="straightConnector1">
+              <a:avLst/>
+            </a:prstGeom>
+            <a:ln w="19050">
+              <a:solidFill>
+                <a:srgbClr val="FF0000"/>
+              </a:solidFill>
+              <a:tailEnd type="arrow"/>
+            </a:ln>
+          </p:spPr>
+          <p:style>
+            <a:lnRef idx="1">
+              <a:schemeClr val="accent1"/>
+            </a:lnRef>
+            <a:fillRef idx="0">
+              <a:schemeClr val="accent1"/>
+            </a:fillRef>
+            <a:effectRef idx="0">
+              <a:schemeClr val="accent1"/>
+            </a:effectRef>
+            <a:fontRef idx="minor">
+              <a:schemeClr val="tx1"/>
+            </a:fontRef>
+          </p:style>
+        </p:cxnSp>
+        <p:sp>
+          <p:nvSpPr>
+            <p:cNvPr id="7" name="TextBox 6"/>
+            <p:cNvSpPr txBox="1"/>
+            <p:nvPr/>
+          </p:nvSpPr>
+          <p:spPr>
+            <a:xfrm>
+              <a:off x="5645726" y="4357254"/>
+              <a:ext cx="1632178" cy="369332"/>
+            </a:xfrm>
+            <a:prstGeom prst="rect">
+              <a:avLst/>
+            </a:prstGeom>
+            <a:noFill/>
+          </p:spPr>
+          <p:txBody>
+            <a:bodyPr wrap="none" rtlCol="0">
+              <a:spAutoFit/>
+            </a:bodyPr>
+            <a:lstStyle/>
+            <a:p>
+              <a:r>
+                <a:rPr lang="en-US" dirty="0" smtClean="0"/>
+                <a:t>3.25, 3.57, 3.99</a:t>
+              </a:r>
+              <a:endParaRPr lang="en-US" dirty="0"/>
+            </a:p>
+          </p:txBody>
+        </p:sp>
+      </p:grpSp>
+      <p:grpSp>
+        <p:nvGrpSpPr>
+          <p:cNvPr id="11" name="Group 10"/>
+          <p:cNvGrpSpPr/>
+          <p:nvPr/>
+        </p:nvGrpSpPr>
+        <p:grpSpPr>
+          <a:xfrm>
+            <a:off x="228600" y="2289463"/>
+            <a:ext cx="2428009" cy="1814946"/>
+            <a:chOff x="228600" y="2289463"/>
+            <a:chExt cx="2428009" cy="1814946"/>
+          </a:xfrm>
+        </p:grpSpPr>
+        <p:cxnSp>
+          <p:nvCxnSpPr>
+            <p:cNvPr id="9" name="Straight Arrow Connector 8"/>
+            <p:cNvCxnSpPr/>
+            <p:nvPr/>
+          </p:nvCxnSpPr>
+          <p:spPr>
+            <a:xfrm>
+              <a:off x="1208809" y="2656609"/>
+              <a:ext cx="1447800" cy="1447800"/>
+            </a:xfrm>
+            <a:prstGeom prst="straightConnector1">
+              <a:avLst/>
+            </a:prstGeom>
+            <a:ln w="19050">
+              <a:solidFill>
+                <a:srgbClr val="FF0000"/>
+              </a:solidFill>
+              <a:tailEnd type="arrow"/>
+            </a:ln>
+          </p:spPr>
+          <p:style>
+            <a:lnRef idx="1">
+              <a:schemeClr val="accent1"/>
+            </a:lnRef>
+            <a:fillRef idx="0">
+              <a:schemeClr val="accent1"/>
+            </a:fillRef>
+            <a:effectRef idx="0">
+              <a:schemeClr val="accent1"/>
+            </a:effectRef>
+            <a:fontRef idx="minor">
+              <a:schemeClr val="tx1"/>
+            </a:fontRef>
+          </p:style>
+        </p:cxnSp>
+        <p:sp>
+          <p:nvSpPr>
+            <p:cNvPr id="10" name="TextBox 9"/>
+            <p:cNvSpPr txBox="1"/>
+            <p:nvPr/>
+          </p:nvSpPr>
+          <p:spPr>
+            <a:xfrm>
+              <a:off x="228600" y="2289463"/>
+              <a:ext cx="1258999" cy="369332"/>
+            </a:xfrm>
+            <a:prstGeom prst="rect">
+              <a:avLst/>
+            </a:prstGeom>
+            <a:noFill/>
+          </p:spPr>
+          <p:txBody>
+            <a:bodyPr wrap="none" rtlCol="0">
+              <a:spAutoFit/>
+            </a:bodyPr>
+            <a:lstStyle/>
+            <a:p>
+              <a:r>
+                <a:rPr lang="en-US" dirty="0" smtClean="0"/>
+                <a:t>The artifact</a:t>
+              </a:r>
+              <a:endParaRPr lang="en-US" dirty="0"/>
+            </a:p>
+          </p:txBody>
+        </p:sp>
+      </p:grpSp>
+    </p:spTree>
+    <p:extLst>
+      <p:ext uri="{BB962C8B-B14F-4D97-AF65-F5344CB8AC3E}">
+        <p14:creationId xmlns:p14="http://schemas.microsoft.com/office/powerpoint/2010/main" val="927589515"/>
+      </p:ext>
+    </p:extLst>
+  </p:cSld>
+  <p:clrMapOvr>
+    <a:masterClrMapping/>
+  </p:clrMapOvr>
+  <p:timing>
+    <p:tnLst>
+      <p:par>
+        <p:cTn xmlns:p14="http://schemas.microsoft.com/office/powerpoint/2010/main" id="1" dur="indefinite" restart="never" nodeType="tmRoot">
+          <p:childTnLst>
+            <p:seq concurrent="1" nextAc="seek">
+              <p:cTn id="2" dur="indefinite" nodeType="mainSeq">
+                <p:childTnLst>
+                  <p:par>
+                    <p:cTn id="3" fill="hold">
+                      <p:stCondLst>
+                        <p:cond delay="indefinite"/>
+                      </p:stCondLst>
+                      <p:childTnLst>
+                        <p:par>
+                          <p:cTn id="4" fill="hold">
+                            <p:stCondLst>
+                              <p:cond delay="0"/>
+                            </p:stCondLst>
+                            <p:childTnLst>
+                              <p:par>
+                                <p:cTn id="5" presetID="1" presetClass="entr" presetSubtype="0" fill="hold" nodeType="clickEffect">
+                                  <p:stCondLst>
+                                    <p:cond delay="0"/>
+                                  </p:stCondLst>
+                                  <p:childTnLst>
+                                    <p:set>
+                                      <p:cBhvr>
+                                        <p:cTn id="6" dur="1" fill="hold">
+                                          <p:stCondLst>
+                                            <p:cond delay="0"/>
+                                          </p:stCondLst>
+                                        </p:cTn>
+                                        <p:tgtEl>
+                                          <p:spTgt spid="11"/>
+                                        </p:tgtEl>
+                                        <p:attrNameLst>
+                                          <p:attrName>style.visibility</p:attrName>
+                                        </p:attrNameLst>
+                                      </p:cBhvr>
+                                      <p:to>
+                                        <p:strVal val="visible"/>
+                                      </p:to>
+                                    </p:set>
+                                  </p:childTnLst>
+                                </p:cTn>
+                              </p:par>
+                            </p:childTnLst>
+                          </p:cTn>
+                        </p:par>
+                      </p:childTnLst>
+                    </p:cTn>
+                  </p:par>
+                  <p:par>
+                    <p:cTn id="7" fill="hold">
+                      <p:stCondLst>
+                        <p:cond delay="indefinite"/>
+                      </p:stCondLst>
+                      <p:childTnLst>
+                        <p:par>
+                          <p:cTn id="8" fill="hold">
+                            <p:stCondLst>
+                              <p:cond delay="0"/>
+                            </p:stCondLst>
+                            <p:childTnLst>
+                              <p:par>
+                                <p:cTn id="9" presetID="1" presetClass="entr" presetSubtype="0" fill="hold" nodeType="clickEffect">
+                                  <p:stCondLst>
+                                    <p:cond delay="0"/>
+                                  </p:stCondLst>
+                                  <p:childTnLst>
+                                    <p:set>
+                                      <p:cBhvr>
+                                        <p:cTn id="10" dur="1" fill="hold">
+                                          <p:stCondLst>
+                                            <p:cond delay="0"/>
+                                          </p:stCondLst>
+                                        </p:cTn>
+                                        <p:tgtEl>
+                                          <p:spTgt spid="3"/>
+                                        </p:tgtEl>
+                                        <p:attrNameLst>
+                                          <p:attrName>style.visibility</p:attrName>
+                                        </p:attrNameLst>
+                                      </p:cBhvr>
+                                      <p:to>
+                                        <p:strVal val="visible"/>
+                                      </p:to>
+                                    </p:set>
+                                  </p:childTnLst>
+                                </p:cTn>
+                              </p:par>
+                            </p:childTnLst>
+                          </p:cTn>
+                        </p:par>
+                      </p:childTnLst>
+                    </p:cTn>
+                  </p:par>
+                </p:childTnLst>
+              </p:cTn>
+              <p:prevCondLst>
+                <p:cond evt="onPrev" delay="0">
+                  <p:tgtEl>
+                    <p:sldTgt/>
+                  </p:tgtEl>
+                </p:cond>
+              </p:prevCondLst>
+              <p:nextCondLst>
+                <p:cond evt="onNext" delay="0">
+                  <p:tgtEl>
+                    <p:sldTgt/>
+                  </p:tgtEl>
+                </p:cond>
+              </p:nextCondLst>
+            </p:seq>
+          </p:childTnLst>
+        </p:cTn>
+      </p:par>
+    </p:tnLst>
+  </p:timing>
+</p:sld>
+</file>
+
+<file path=ppt/slides/slide25.xml><?xml version="1.0" encoding="utf-8"?>
+<p:sld xmlns:a="http://schemas.openxmlformats.org/drawingml/2006/main" xmlns:r="http://schemas.openxmlformats.org/officeDocument/2006/relationships" xmlns:p="http://schemas.openxmlformats.org/presentationml/2006/main">
+  <p:cSld>
+    <p:spTree>
+      <p:nvGrpSpPr>
+        <p:cNvPr id="1" name=""/>
+        <p:cNvGrpSpPr/>
+        <p:nvPr/>
+      </p:nvGrpSpPr>
+      <p:grpSpPr>
+        <a:xfrm>
+          <a:off x="0" y="0"/>
+          <a:ext cx="0" cy="0"/>
+          <a:chOff x="0" y="0"/>
+          <a:chExt cx="0" cy="0"/>
+        </a:xfrm>
+      </p:grpSpPr>
+      <p:grpSp>
+        <p:nvGrpSpPr>
+          <p:cNvPr id="4" name="Group 3"/>
+          <p:cNvGrpSpPr/>
+          <p:nvPr/>
+        </p:nvGrpSpPr>
+        <p:grpSpPr>
+          <a:xfrm>
+            <a:off x="1361209" y="81190"/>
+            <a:ext cx="6710596" cy="6700610"/>
+            <a:chOff x="1361209" y="81190"/>
+            <a:chExt cx="6710596" cy="6700610"/>
+          </a:xfrm>
+        </p:grpSpPr>
+        <p:pic>
+          <p:nvPicPr>
+            <p:cNvPr id="2" name="Picture 1"/>
+            <p:cNvPicPr>
+              <a:picLocks noChangeAspect="1"/>
+            </p:cNvPicPr>
+            <p:nvPr/>
+          </p:nvPicPr>
+          <p:blipFill>
+            <a:blip r:embed="rId2">
+              <a:extLst>
+                <a:ext uri="{28A0092B-C50C-407E-A947-70E740481C1C}">
+                  <a14:useLocalDpi xmlns:a14="http://schemas.microsoft.com/office/drawing/2010/main" val="0"/>
+                </a:ext>
+              </a:extLst>
+            </a:blip>
+            <a:stretch>
+              <a:fillRect/>
+            </a:stretch>
+          </p:blipFill>
+          <p:spPr>
+            <a:xfrm>
+              <a:off x="1361209" y="81190"/>
+              <a:ext cx="6710596" cy="6700610"/>
+            </a:xfrm>
+            <a:prstGeom prst="rect">
+              <a:avLst/>
+            </a:prstGeom>
+          </p:spPr>
+        </p:pic>
+        <p:pic>
+          <p:nvPicPr>
+            <p:cNvPr id="8194" name="Picture 2"/>
+            <p:cNvPicPr>
+              <a:picLocks noChangeAspect="1" noChangeArrowheads="1"/>
+            </p:cNvPicPr>
+            <p:nvPr/>
+          </p:nvPicPr>
+          <p:blipFill>
+            <a:blip r:embed="rId3">
+              <a:extLst>
+                <a:ext uri="{28A0092B-C50C-407E-A947-70E740481C1C}">
+                  <a14:useLocalDpi xmlns:a14="http://schemas.microsoft.com/office/drawing/2010/main" val="0"/>
+                </a:ext>
+              </a:extLst>
+            </a:blip>
+            <a:srcRect/>
+            <a:stretch>
+              <a:fillRect/>
+            </a:stretch>
+          </p:blipFill>
+          <p:spPr bwMode="auto">
+            <a:xfrm>
+              <a:off x="5673437" y="869373"/>
+              <a:ext cx="1981200" cy="1409700"/>
+            </a:xfrm>
+            <a:prstGeom prst="rect">
+              <a:avLst/>
+            </a:prstGeom>
+            <a:noFill/>
+            <a:ln>
+              <a:noFill/>
+            </a:ln>
+            <a:extLst>
+              <a:ext uri="{909E8E84-426E-40dd-AFC4-6F175D3DCCD1}">
+                <a14:hiddenFill xmlns:a14="http://schemas.microsoft.com/office/drawing/2010/main">
+                  <a:solidFill>
+                    <a:schemeClr val="accent1"/>
+                  </a:solidFill>
+                </a14:hiddenFill>
+              </a:ext>
+              <a:ext uri="{91240B29-F687-4f45-9708-019B960494DF}">
+                <a14:hiddenLine xmlns:a14="http://schemas.microsoft.com/office/drawing/2010/main" w="9525">
+                  <a:solidFill>
+                    <a:schemeClr val="tx1"/>
+                  </a:solidFill>
+                  <a:miter lim="800000"/>
+                  <a:headEnd/>
+                  <a:tailEnd/>
+                </a14:hiddenLine>
+              </a:ext>
+            </a:extLst>
+          </p:spPr>
+        </p:pic>
+      </p:grpSp>
+      <p:grpSp>
+        <p:nvGrpSpPr>
+          <p:cNvPr id="6" name="Group 5"/>
+          <p:cNvGrpSpPr/>
+          <p:nvPr/>
+        </p:nvGrpSpPr>
+        <p:grpSpPr>
+          <a:xfrm>
+            <a:off x="5476010" y="3805989"/>
+            <a:ext cx="1121062" cy="922421"/>
+            <a:chOff x="4267200" y="3344779"/>
+            <a:chExt cx="1121062" cy="922421"/>
+          </a:xfrm>
+        </p:grpSpPr>
+        <p:cxnSp>
+          <p:nvCxnSpPr>
+            <p:cNvPr id="7" name="Straight Arrow Connector 6"/>
+            <p:cNvCxnSpPr/>
+            <p:nvPr/>
+          </p:nvCxnSpPr>
+          <p:spPr>
+            <a:xfrm flipH="1">
+              <a:off x="4267200" y="3581400"/>
+              <a:ext cx="609600" cy="685800"/>
+            </a:xfrm>
+            <a:prstGeom prst="straightConnector1">
+              <a:avLst/>
+            </a:prstGeom>
+            <a:ln w="19050">
+              <a:solidFill>
+                <a:srgbClr val="FF0000"/>
+              </a:solidFill>
+              <a:tailEnd type="arrow"/>
+            </a:ln>
+          </p:spPr>
+          <p:style>
+            <a:lnRef idx="1">
+              <a:schemeClr val="accent1"/>
+            </a:lnRef>
+            <a:fillRef idx="0">
+              <a:schemeClr val="accent1"/>
+            </a:fillRef>
+            <a:effectRef idx="0">
+              <a:schemeClr val="accent1"/>
+            </a:effectRef>
+            <a:fontRef idx="minor">
+              <a:schemeClr val="tx1"/>
+            </a:fontRef>
+          </p:style>
+        </p:cxnSp>
+        <p:sp>
+          <p:nvSpPr>
+            <p:cNvPr id="8" name="TextBox 7"/>
+            <p:cNvSpPr txBox="1"/>
+            <p:nvPr/>
+          </p:nvSpPr>
+          <p:spPr>
+            <a:xfrm>
+              <a:off x="4794830" y="3344779"/>
+              <a:ext cx="593432" cy="369332"/>
+            </a:xfrm>
+            <a:prstGeom prst="rect">
+              <a:avLst/>
+            </a:prstGeom>
+            <a:noFill/>
+          </p:spPr>
+          <p:txBody>
+            <a:bodyPr wrap="none" rtlCol="0">
+              <a:spAutoFit/>
+            </a:bodyPr>
+            <a:lstStyle/>
+            <a:p>
+              <a:r>
+                <a:rPr lang="en-US" dirty="0" smtClean="0"/>
+                <a:t>3.33</a:t>
+              </a:r>
+              <a:endParaRPr lang="en-US" dirty="0"/>
+            </a:p>
+          </p:txBody>
+        </p:sp>
+      </p:grpSp>
+      <p:cxnSp>
+        <p:nvCxnSpPr>
+          <p:cNvPr id="9" name="Straight Arrow Connector 8"/>
+          <p:cNvCxnSpPr/>
+          <p:nvPr/>
+        </p:nvCxnSpPr>
+        <p:spPr>
+          <a:xfrm flipH="1" flipV="1">
+            <a:off x="3581400" y="1066800"/>
+            <a:ext cx="914400" cy="507423"/>
+          </a:xfrm>
+          <a:prstGeom prst="straightConnector1">
+            <a:avLst/>
+          </a:prstGeom>
+          <a:ln w="19050">
+            <a:solidFill>
+              <a:srgbClr val="FF0000"/>
+            </a:solidFill>
+            <a:tailEnd type="arrow"/>
+          </a:ln>
+        </p:spPr>
+        <p:style>
+          <a:lnRef idx="1">
+            <a:schemeClr val="accent1"/>
+          </a:lnRef>
+          <a:fillRef idx="0">
+            <a:schemeClr val="accent1"/>
+          </a:fillRef>
+          <a:effectRef idx="0">
+            <a:schemeClr val="accent1"/>
+          </a:effectRef>
+          <a:fontRef idx="minor">
+            <a:schemeClr val="tx1"/>
+          </a:fontRef>
+        </p:style>
+      </p:cxnSp>
+      <p:sp>
+        <p:nvSpPr>
+          <p:cNvPr id="11" name="TextBox 10"/>
+          <p:cNvSpPr txBox="1"/>
+          <p:nvPr/>
+        </p:nvSpPr>
+        <p:spPr>
+          <a:xfrm>
+            <a:off x="4419791" y="1579326"/>
+            <a:ext cx="593432" cy="369332"/>
+          </a:xfrm>
+          <a:prstGeom prst="rect">
+            <a:avLst/>
+          </a:prstGeom>
+          <a:noFill/>
+        </p:spPr>
+        <p:txBody>
+          <a:bodyPr wrap="none" rtlCol="0">
+            <a:spAutoFit/>
+          </a:bodyPr>
+          <a:lstStyle/>
+          <a:p>
+            <a:r>
+              <a:rPr lang="en-US" dirty="0" smtClean="0"/>
+              <a:t>2.00</a:t>
+            </a:r>
+            <a:endParaRPr lang="en-US" dirty="0"/>
+          </a:p>
+        </p:txBody>
+      </p:sp>
+    </p:spTree>
+    <p:extLst>
+      <p:ext uri="{BB962C8B-B14F-4D97-AF65-F5344CB8AC3E}">
+        <p14:creationId xmlns:p14="http://schemas.microsoft.com/office/powerpoint/2010/main" val="3049213518"/>
+      </p:ext>
+    </p:extLst>
+  </p:cSld>
+  <p:clrMapOvr>
+    <a:masterClrMapping/>
+  </p:clrMapOvr>
+  <p:timing>
+    <p:tnLst>
+      <p:par>
+        <p:cTn xmlns:p14="http://schemas.microsoft.com/office/powerpoint/2010/main" id="1" dur="indefinite" restart="never" nodeType="tmRoot">
+          <p:childTnLst>
+            <p:seq concurrent="1" nextAc="seek">
+              <p:cTn id="2" dur="indefinite" nodeType="mainSeq">
+                <p:childTnLst>
+                  <p:par>
+                    <p:cTn id="3" fill="hold">
+                      <p:stCondLst>
+                        <p:cond delay="indefinite"/>
+                      </p:stCondLst>
+                      <p:childTnLst>
+                        <p:par>
+                          <p:cTn id="4" fill="hold">
+                            <p:stCondLst>
+                              <p:cond delay="0"/>
+                            </p:stCondLst>
+                            <p:childTnLst>
+                              <p:par>
+                                <p:cTn id="5" presetID="1" presetClass="entr" presetSubtype="0" fill="hold" nodeType="clickEffect">
+                                  <p:stCondLst>
+                                    <p:cond delay="0"/>
+                                  </p:stCondLst>
+                                  <p:childTnLst>
+                                    <p:set>
+                                      <p:cBhvr>
+                                        <p:cTn id="6" dur="1" fill="hold">
+                                          <p:stCondLst>
+                                            <p:cond delay="0"/>
+                                          </p:stCondLst>
+                                        </p:cTn>
+                                        <p:tgtEl>
+                                          <p:spTgt spid="6"/>
+                                        </p:tgtEl>
+                                        <p:attrNameLst>
+                                          <p:attrName>style.visibility</p:attrName>
+                                        </p:attrNameLst>
+                                      </p:cBhvr>
+                                      <p:to>
+                                        <p:strVal val="visible"/>
+                                      </p:to>
+                                    </p:set>
+                                  </p:childTnLst>
+                                </p:cTn>
+                              </p:par>
+                            </p:childTnLst>
+                          </p:cTn>
+                        </p:par>
+                      </p:childTnLst>
+                    </p:cTn>
+                  </p:par>
+                </p:childTnLst>
+              </p:cTn>
+              <p:prevCondLst>
+                <p:cond evt="onPrev" delay="0">
+                  <p:tgtEl>
+                    <p:sldTgt/>
+                  </p:tgtEl>
+                </p:cond>
+              </p:prevCondLst>
+              <p:nextCondLst>
+                <p:cond evt="onNext" delay="0">
+                  <p:tgtEl>
+                    <p:sldTgt/>
+                  </p:tgtEl>
+                </p:cond>
+              </p:nextCondLst>
+            </p:seq>
+          </p:childTnLst>
+        </p:cTn>
+      </p:par>
+    </p:tnLst>
+  </p:timing>
+</p:sld>
+</file>
+
+<file path=ppt/slides/slide26.xml><?xml version="1.0" encoding="utf-8"?>
 <p:sld xmlns:a="http://schemas.openxmlformats.org/drawingml/2006/main" xmlns:r="http://schemas.openxmlformats.org/officeDocument/2006/relationships" xmlns:p="http://schemas.openxmlformats.org/presentationml/2006/main">
   <p:cSld>
     <p:spTree>
@@ -5847,7 +8250,7 @@
   <p:timing>
     <p:tnLst>
       <p:par>
-        <p:cTn id="1" dur="indefinite" restart="never" nodeType="tmRoot">
+        <p:cTn xmlns:p14="http://schemas.microsoft.com/office/powerpoint/2010/main" id="1" dur="indefinite" restart="never" nodeType="tmRoot">
           <p:childTnLst>
             <p:seq concurrent="1" nextAc="seek">
               <p:cTn id="2" dur="indefinite" nodeType="mainSeq">
@@ -6057,1320 +8460,7 @@
 </p:sld>
 </file>
 
-<file path=ppt/slides/slide19.xml><?xml version="1.0" encoding="utf-8"?>
-<p:sld xmlns:a="http://schemas.openxmlformats.org/drawingml/2006/main" xmlns:r="http://schemas.openxmlformats.org/officeDocument/2006/relationships" xmlns:p="http://schemas.openxmlformats.org/presentationml/2006/main">
-  <p:cSld>
-    <p:spTree>
-      <p:nvGrpSpPr>
-        <p:cNvPr id="1" name=""/>
-        <p:cNvGrpSpPr/>
-        <p:nvPr/>
-      </p:nvGrpSpPr>
-      <p:grpSpPr>
-        <a:xfrm>
-          <a:off x="0" y="0"/>
-          <a:ext cx="0" cy="0"/>
-          <a:chOff x="0" y="0"/>
-          <a:chExt cx="0" cy="0"/>
-        </a:xfrm>
-      </p:grpSpPr>
-      <p:pic>
-        <p:nvPicPr>
-          <p:cNvPr id="3" name="Picture 2"/>
-          <p:cNvPicPr>
-            <a:picLocks noChangeAspect="1"/>
-          </p:cNvPicPr>
-          <p:nvPr/>
-        </p:nvPicPr>
-        <p:blipFill>
-          <a:blip r:embed="rId2">
-            <a:extLst>
-              <a:ext uri="{28A0092B-C50C-407E-A947-70E740481C1C}">
-                <a14:useLocalDpi xmlns:a14="http://schemas.microsoft.com/office/drawing/2010/main" val="0"/>
-              </a:ext>
-            </a:extLst>
-          </a:blip>
-          <a:stretch>
-            <a:fillRect/>
-          </a:stretch>
-        </p:blipFill>
-        <p:spPr>
-          <a:xfrm>
-            <a:off x="0" y="1468582"/>
-            <a:ext cx="4571640" cy="4564837"/>
-          </a:xfrm>
-          <a:prstGeom prst="rect">
-            <a:avLst/>
-          </a:prstGeom>
-        </p:spPr>
-      </p:pic>
-      <p:sp>
-        <p:nvSpPr>
-          <p:cNvPr id="4" name="Title 3"/>
-          <p:cNvSpPr>
-            <a:spLocks noGrp="1"/>
-          </p:cNvSpPr>
-          <p:nvPr>
-            <p:ph type="title"/>
-          </p:nvPr>
-        </p:nvSpPr>
-        <p:spPr/>
-        <p:txBody>
-          <a:bodyPr/>
-          <a:lstStyle/>
-          <a:p>
-            <a:r>
-              <a:rPr lang="en-US" dirty="0" smtClean="0"/>
-              <a:t>The left-most population</a:t>
-            </a:r>
-            <a:endParaRPr lang="en-US" dirty="0"/>
-          </a:p>
-        </p:txBody>
-      </p:sp>
-      <p:grpSp>
-        <p:nvGrpSpPr>
-          <p:cNvPr id="6" name="Group 5"/>
-          <p:cNvGrpSpPr/>
-          <p:nvPr/>
-        </p:nvGrpSpPr>
-        <p:grpSpPr>
-          <a:xfrm>
-            <a:off x="3688773" y="1482440"/>
-            <a:ext cx="5441013" cy="4564837"/>
-            <a:chOff x="3688773" y="1482440"/>
-            <a:chExt cx="5441013" cy="4564837"/>
-          </a:xfrm>
-        </p:grpSpPr>
-        <p:pic>
-          <p:nvPicPr>
-            <p:cNvPr id="2" name="Picture 1"/>
-            <p:cNvPicPr>
-              <a:picLocks noChangeAspect="1"/>
-            </p:cNvPicPr>
-            <p:nvPr/>
-          </p:nvPicPr>
-          <p:blipFill>
-            <a:blip r:embed="rId3">
-              <a:extLst>
-                <a:ext uri="{28A0092B-C50C-407E-A947-70E740481C1C}">
-                  <a14:useLocalDpi xmlns:a14="http://schemas.microsoft.com/office/drawing/2010/main" val="0"/>
-                </a:ext>
-              </a:extLst>
-            </a:blip>
-            <a:stretch>
-              <a:fillRect/>
-            </a:stretch>
-          </p:blipFill>
-          <p:spPr>
-            <a:xfrm>
-              <a:off x="4558146" y="1482440"/>
-              <a:ext cx="4571640" cy="4564837"/>
-            </a:xfrm>
-            <a:prstGeom prst="rect">
-              <a:avLst/>
-            </a:prstGeom>
-          </p:spPr>
-        </p:pic>
-        <p:sp>
-          <p:nvSpPr>
-            <p:cNvPr id="5" name="Right Arrow 4"/>
-            <p:cNvSpPr/>
-            <p:nvPr/>
-          </p:nvSpPr>
-          <p:spPr>
-            <a:xfrm>
-              <a:off x="3688773" y="3408218"/>
-              <a:ext cx="900546" cy="609600"/>
-            </a:xfrm>
-            <a:prstGeom prst="rightArrow">
-              <a:avLst/>
-            </a:prstGeom>
-            <a:solidFill>
-              <a:srgbClr val="FFFF00"/>
-            </a:solidFill>
-          </p:spPr>
-          <p:style>
-            <a:lnRef idx="2">
-              <a:schemeClr val="accent1">
-                <a:shade val="50000"/>
-              </a:schemeClr>
-            </a:lnRef>
-            <a:fillRef idx="1">
-              <a:schemeClr val="accent1"/>
-            </a:fillRef>
-            <a:effectRef idx="0">
-              <a:schemeClr val="accent1"/>
-            </a:effectRef>
-            <a:fontRef idx="minor">
-              <a:schemeClr val="lt1"/>
-            </a:fontRef>
-          </p:style>
-          <p:txBody>
-            <a:bodyPr rtlCol="0" anchor="ctr"/>
-            <a:lstStyle/>
-            <a:p>
-              <a:pPr algn="ctr"/>
-              <a:endParaRPr lang="en-US"/>
-            </a:p>
-          </p:txBody>
-        </p:sp>
-      </p:grpSp>
-    </p:spTree>
-    <p:extLst>
-      <p:ext uri="{BB962C8B-B14F-4D97-AF65-F5344CB8AC3E}">
-        <p14:creationId xmlns:p14="http://schemas.microsoft.com/office/powerpoint/2010/main" val="1717014452"/>
-      </p:ext>
-    </p:extLst>
-  </p:cSld>
-  <p:clrMapOvr>
-    <a:masterClrMapping/>
-  </p:clrMapOvr>
-  <p:timing>
-    <p:tnLst>
-      <p:par>
-        <p:cTn id="1" dur="indefinite" restart="never" nodeType="tmRoot">
-          <p:childTnLst>
-            <p:seq concurrent="1" nextAc="seek">
-              <p:cTn id="2" dur="indefinite" nodeType="mainSeq">
-                <p:childTnLst>
-                  <p:par>
-                    <p:cTn id="3" fill="hold">
-                      <p:stCondLst>
-                        <p:cond delay="indefinite"/>
-                      </p:stCondLst>
-                      <p:childTnLst>
-                        <p:par>
-                          <p:cTn id="4" fill="hold">
-                            <p:stCondLst>
-                              <p:cond delay="0"/>
-                            </p:stCondLst>
-                            <p:childTnLst>
-                              <p:par>
-                                <p:cTn id="5" presetID="1" presetClass="entr" presetSubtype="0" fill="hold" nodeType="clickEffect">
-                                  <p:stCondLst>
-                                    <p:cond delay="0"/>
-                                  </p:stCondLst>
-                                  <p:childTnLst>
-                                    <p:set>
-                                      <p:cBhvr>
-                                        <p:cTn id="6" dur="1" fill="hold">
-                                          <p:stCondLst>
-                                            <p:cond delay="0"/>
-                                          </p:stCondLst>
-                                        </p:cTn>
-                                        <p:tgtEl>
-                                          <p:spTgt spid="6"/>
-                                        </p:tgtEl>
-                                        <p:attrNameLst>
-                                          <p:attrName>style.visibility</p:attrName>
-                                        </p:attrNameLst>
-                                      </p:cBhvr>
-                                      <p:to>
-                                        <p:strVal val="visible"/>
-                                      </p:to>
-                                    </p:set>
-                                  </p:childTnLst>
-                                </p:cTn>
-                              </p:par>
-                            </p:childTnLst>
-                          </p:cTn>
-                        </p:par>
-                      </p:childTnLst>
-                    </p:cTn>
-                  </p:par>
-                </p:childTnLst>
-              </p:cTn>
-              <p:prevCondLst>
-                <p:cond evt="onPrev" delay="0">
-                  <p:tgtEl>
-                    <p:sldTgt/>
-                  </p:tgtEl>
-                </p:cond>
-              </p:prevCondLst>
-              <p:nextCondLst>
-                <p:cond evt="onNext" delay="0">
-                  <p:tgtEl>
-                    <p:sldTgt/>
-                  </p:tgtEl>
-                </p:cond>
-              </p:nextCondLst>
-            </p:seq>
-          </p:childTnLst>
-        </p:cTn>
-      </p:par>
-    </p:tnLst>
-  </p:timing>
-</p:sld>
-</file>
-
-<file path=ppt/slides/slide2.xml><?xml version="1.0" encoding="utf-8"?>
-<p:sld xmlns:a="http://schemas.openxmlformats.org/drawingml/2006/main" xmlns:r="http://schemas.openxmlformats.org/officeDocument/2006/relationships" xmlns:p="http://schemas.openxmlformats.org/presentationml/2006/main">
-  <p:cSld>
-    <p:spTree>
-      <p:nvGrpSpPr>
-        <p:cNvPr id="1" name=""/>
-        <p:cNvGrpSpPr/>
-        <p:nvPr/>
-      </p:nvGrpSpPr>
-      <p:grpSpPr>
-        <a:xfrm>
-          <a:off x="0" y="0"/>
-          <a:ext cx="0" cy="0"/>
-          <a:chOff x="0" y="0"/>
-          <a:chExt cx="0" cy="0"/>
-        </a:xfrm>
-      </p:grpSpPr>
-      <p:sp>
-        <p:nvSpPr>
-          <p:cNvPr id="2" name="Title 1"/>
-          <p:cNvSpPr>
-            <a:spLocks noGrp="1"/>
-          </p:cNvSpPr>
-          <p:nvPr>
-            <p:ph type="title"/>
-          </p:nvPr>
-        </p:nvSpPr>
-        <p:spPr/>
-        <p:txBody>
-          <a:bodyPr/>
-          <a:lstStyle/>
-          <a:p>
-            <a:r>
-              <a:rPr lang="en-US" dirty="0" smtClean="0"/>
-              <a:t>Outline</a:t>
-            </a:r>
-            <a:endParaRPr lang="en-US" dirty="0"/>
-          </a:p>
-        </p:txBody>
-      </p:sp>
-      <p:sp>
-        <p:nvSpPr>
-          <p:cNvPr id="3" name="Content Placeholder 2"/>
-          <p:cNvSpPr>
-            <a:spLocks noGrp="1"/>
-          </p:cNvSpPr>
-          <p:nvPr>
-            <p:ph idx="1"/>
-          </p:nvPr>
-        </p:nvSpPr>
-        <p:spPr/>
-        <p:txBody>
-          <a:bodyPr>
-            <a:normAutofit lnSpcReduction="10000"/>
-          </a:bodyPr>
-          <a:lstStyle/>
-          <a:p>
-            <a:r>
-              <a:rPr lang="en-US" dirty="0" smtClean="0"/>
-              <a:t>Nucleus DNA staining for early detection</a:t>
-            </a:r>
-          </a:p>
-          <a:p>
-            <a:r>
-              <a:rPr lang="en-US" dirty="0" smtClean="0"/>
-              <a:t>Understand the data distribution nature</a:t>
-            </a:r>
-          </a:p>
-          <a:p>
-            <a:r>
-              <a:rPr lang="en-US" b="1" dirty="0" smtClean="0"/>
-              <a:t>Ex</a:t>
-            </a:r>
-            <a:r>
-              <a:rPr lang="en-US" dirty="0" smtClean="0"/>
-              <a:t>pert </a:t>
-            </a:r>
-            <a:r>
-              <a:rPr lang="en-US" b="1" dirty="0"/>
-              <a:t>G</a:t>
-            </a:r>
-            <a:r>
-              <a:rPr lang="en-US" dirty="0"/>
-              <a:t>uided Data </a:t>
-            </a:r>
-            <a:r>
-              <a:rPr lang="en-US" b="1" dirty="0"/>
-              <a:t>C</a:t>
-            </a:r>
-            <a:r>
-              <a:rPr lang="en-US" dirty="0"/>
-              <a:t>leaning and </a:t>
-            </a:r>
-            <a:r>
-              <a:rPr lang="en-US" b="1" dirty="0"/>
-              <a:t>R</a:t>
-            </a:r>
-            <a:r>
-              <a:rPr lang="en-US" dirty="0"/>
-              <a:t>econstructio</a:t>
-            </a:r>
-            <a:r>
-              <a:rPr lang="en-US" b="1" dirty="0"/>
-              <a:t>n </a:t>
-            </a:r>
-            <a:r>
-              <a:rPr lang="en-US" dirty="0"/>
-              <a:t>(</a:t>
-            </a:r>
-            <a:r>
-              <a:rPr lang="en-US" b="1" dirty="0" err="1"/>
-              <a:t>ExGCRn</a:t>
-            </a:r>
-            <a:r>
-              <a:rPr lang="en-US" dirty="0"/>
-              <a:t>) </a:t>
-            </a:r>
-            <a:endParaRPr lang="en-US" dirty="0" smtClean="0"/>
-          </a:p>
-          <a:p>
-            <a:r>
-              <a:rPr lang="en-US" dirty="0" smtClean="0"/>
-              <a:t>Stretching the prediction modeling</a:t>
-            </a:r>
-          </a:p>
-          <a:p>
-            <a:r>
-              <a:rPr lang="en-US" dirty="0" smtClean="0"/>
-              <a:t>Integrating extra domain information</a:t>
-            </a:r>
-          </a:p>
-          <a:p>
-            <a:r>
-              <a:rPr lang="en-US" dirty="0" smtClean="0"/>
-              <a:t>Empower the patient</a:t>
-            </a:r>
-          </a:p>
-          <a:p>
-            <a:r>
-              <a:rPr lang="en-US" dirty="0" smtClean="0"/>
-              <a:t>Moving toward the standardization</a:t>
-            </a:r>
-            <a:endParaRPr lang="en-US" dirty="0"/>
-          </a:p>
-        </p:txBody>
-      </p:sp>
-    </p:spTree>
-    <p:extLst>
-      <p:ext uri="{BB962C8B-B14F-4D97-AF65-F5344CB8AC3E}">
-        <p14:creationId xmlns:p14="http://schemas.microsoft.com/office/powerpoint/2010/main" val="586842750"/>
-      </p:ext>
-    </p:extLst>
-  </p:cSld>
-  <p:clrMapOvr>
-    <a:masterClrMapping/>
-  </p:clrMapOvr>
-  <p:timing>
-    <p:tnLst>
-      <p:par>
-        <p:cTn id="1" dur="indefinite" restart="never" nodeType="tmRoot"/>
-      </p:par>
-    </p:tnLst>
-  </p:timing>
-</p:sld>
-</file>
-
-<file path=ppt/slides/slide20.xml><?xml version="1.0" encoding="utf-8"?>
-<p:sld xmlns:a="http://schemas.openxmlformats.org/drawingml/2006/main" xmlns:r="http://schemas.openxmlformats.org/officeDocument/2006/relationships" xmlns:p="http://schemas.openxmlformats.org/presentationml/2006/main">
-  <p:cSld>
-    <p:spTree>
-      <p:nvGrpSpPr>
-        <p:cNvPr id="1" name=""/>
-        <p:cNvGrpSpPr/>
-        <p:nvPr/>
-      </p:nvGrpSpPr>
-      <p:grpSpPr>
-        <a:xfrm>
-          <a:off x="0" y="0"/>
-          <a:ext cx="0" cy="0"/>
-          <a:chOff x="0" y="0"/>
-          <a:chExt cx="0" cy="0"/>
-        </a:xfrm>
-      </p:grpSpPr>
-      <p:pic>
-        <p:nvPicPr>
-          <p:cNvPr id="2" name="Picture 1"/>
-          <p:cNvPicPr>
-            <a:picLocks noChangeAspect="1"/>
-          </p:cNvPicPr>
-          <p:nvPr/>
-        </p:nvPicPr>
-        <p:blipFill>
-          <a:blip r:embed="rId2">
-            <a:extLst>
-              <a:ext uri="{28A0092B-C50C-407E-A947-70E740481C1C}">
-                <a14:useLocalDpi xmlns:a14="http://schemas.microsoft.com/office/drawing/2010/main" val="0"/>
-              </a:ext>
-            </a:extLst>
-          </a:blip>
-          <a:stretch>
-            <a:fillRect/>
-          </a:stretch>
-        </p:blipFill>
-        <p:spPr>
-          <a:xfrm>
-            <a:off x="1371600" y="233362"/>
-            <a:ext cx="6400800" cy="6391275"/>
-          </a:xfrm>
-          <a:prstGeom prst="rect">
-            <a:avLst/>
-          </a:prstGeom>
-        </p:spPr>
-      </p:pic>
-      <p:grpSp>
-        <p:nvGrpSpPr>
-          <p:cNvPr id="3" name="Group 2"/>
-          <p:cNvGrpSpPr/>
-          <p:nvPr/>
-        </p:nvGrpSpPr>
-        <p:grpSpPr>
-          <a:xfrm>
-            <a:off x="5462155" y="4281054"/>
-            <a:ext cx="1632178" cy="1205346"/>
-            <a:chOff x="5645726" y="4357254"/>
-            <a:chExt cx="1632178" cy="1205346"/>
-          </a:xfrm>
-        </p:grpSpPr>
-        <p:cxnSp>
-          <p:nvCxnSpPr>
-            <p:cNvPr id="4" name="Straight Arrow Connector 3"/>
-            <p:cNvCxnSpPr/>
-            <p:nvPr/>
-          </p:nvCxnSpPr>
-          <p:spPr>
-            <a:xfrm flipH="1">
-              <a:off x="5943600" y="4724400"/>
-              <a:ext cx="76200" cy="762000"/>
-            </a:xfrm>
-            <a:prstGeom prst="straightConnector1">
-              <a:avLst/>
-            </a:prstGeom>
-            <a:ln w="19050">
-              <a:solidFill>
-                <a:srgbClr val="FF0000"/>
-              </a:solidFill>
-              <a:tailEnd type="arrow"/>
-            </a:ln>
-          </p:spPr>
-          <p:style>
-            <a:lnRef idx="1">
-              <a:schemeClr val="accent1"/>
-            </a:lnRef>
-            <a:fillRef idx="0">
-              <a:schemeClr val="accent1"/>
-            </a:fillRef>
-            <a:effectRef idx="0">
-              <a:schemeClr val="accent1"/>
-            </a:effectRef>
-            <a:fontRef idx="minor">
-              <a:schemeClr val="tx1"/>
-            </a:fontRef>
-          </p:style>
-        </p:cxnSp>
-        <p:cxnSp>
-          <p:nvCxnSpPr>
-            <p:cNvPr id="5" name="Straight Arrow Connector 4"/>
-            <p:cNvCxnSpPr/>
-            <p:nvPr/>
-          </p:nvCxnSpPr>
-          <p:spPr>
-            <a:xfrm>
-              <a:off x="6400800" y="4724400"/>
-              <a:ext cx="0" cy="838200"/>
-            </a:xfrm>
-            <a:prstGeom prst="straightConnector1">
-              <a:avLst/>
-            </a:prstGeom>
-            <a:ln w="19050">
-              <a:solidFill>
-                <a:srgbClr val="FF0000"/>
-              </a:solidFill>
-              <a:tailEnd type="arrow"/>
-            </a:ln>
-          </p:spPr>
-          <p:style>
-            <a:lnRef idx="1">
-              <a:schemeClr val="accent1"/>
-            </a:lnRef>
-            <a:fillRef idx="0">
-              <a:schemeClr val="accent1"/>
-            </a:fillRef>
-            <a:effectRef idx="0">
-              <a:schemeClr val="accent1"/>
-            </a:effectRef>
-            <a:fontRef idx="minor">
-              <a:schemeClr val="tx1"/>
-            </a:fontRef>
-          </p:style>
-        </p:cxnSp>
-        <p:cxnSp>
-          <p:nvCxnSpPr>
-            <p:cNvPr id="6" name="Straight Arrow Connector 5"/>
-            <p:cNvCxnSpPr/>
-            <p:nvPr/>
-          </p:nvCxnSpPr>
-          <p:spPr>
-            <a:xfrm>
-              <a:off x="6965371" y="4724400"/>
-              <a:ext cx="0" cy="762000"/>
-            </a:xfrm>
-            <a:prstGeom prst="straightConnector1">
-              <a:avLst/>
-            </a:prstGeom>
-            <a:ln w="19050">
-              <a:solidFill>
-                <a:srgbClr val="FF0000"/>
-              </a:solidFill>
-              <a:tailEnd type="arrow"/>
-            </a:ln>
-          </p:spPr>
-          <p:style>
-            <a:lnRef idx="1">
-              <a:schemeClr val="accent1"/>
-            </a:lnRef>
-            <a:fillRef idx="0">
-              <a:schemeClr val="accent1"/>
-            </a:fillRef>
-            <a:effectRef idx="0">
-              <a:schemeClr val="accent1"/>
-            </a:effectRef>
-            <a:fontRef idx="minor">
-              <a:schemeClr val="tx1"/>
-            </a:fontRef>
-          </p:style>
-        </p:cxnSp>
-        <p:sp>
-          <p:nvSpPr>
-            <p:cNvPr id="7" name="TextBox 6"/>
-            <p:cNvSpPr txBox="1"/>
-            <p:nvPr/>
-          </p:nvSpPr>
-          <p:spPr>
-            <a:xfrm>
-              <a:off x="5645726" y="4357254"/>
-              <a:ext cx="1632178" cy="369332"/>
-            </a:xfrm>
-            <a:prstGeom prst="rect">
-              <a:avLst/>
-            </a:prstGeom>
-            <a:noFill/>
-          </p:spPr>
-          <p:txBody>
-            <a:bodyPr wrap="none" rtlCol="0">
-              <a:spAutoFit/>
-            </a:bodyPr>
-            <a:lstStyle/>
-            <a:p>
-              <a:r>
-                <a:rPr lang="en-US" dirty="0" smtClean="0"/>
-                <a:t>3.25, 3.57, 3.99</a:t>
-              </a:r>
-              <a:endParaRPr lang="en-US" dirty="0"/>
-            </a:p>
-          </p:txBody>
-        </p:sp>
-      </p:grpSp>
-      <p:grpSp>
-        <p:nvGrpSpPr>
-          <p:cNvPr id="11" name="Group 10"/>
-          <p:cNvGrpSpPr/>
-          <p:nvPr/>
-        </p:nvGrpSpPr>
-        <p:grpSpPr>
-          <a:xfrm>
-            <a:off x="228600" y="2289463"/>
-            <a:ext cx="2428009" cy="1814946"/>
-            <a:chOff x="228600" y="2289463"/>
-            <a:chExt cx="2428009" cy="1814946"/>
-          </a:xfrm>
-        </p:grpSpPr>
-        <p:cxnSp>
-          <p:nvCxnSpPr>
-            <p:cNvPr id="9" name="Straight Arrow Connector 8"/>
-            <p:cNvCxnSpPr/>
-            <p:nvPr/>
-          </p:nvCxnSpPr>
-          <p:spPr>
-            <a:xfrm>
-              <a:off x="1208809" y="2656609"/>
-              <a:ext cx="1447800" cy="1447800"/>
-            </a:xfrm>
-            <a:prstGeom prst="straightConnector1">
-              <a:avLst/>
-            </a:prstGeom>
-            <a:ln w="19050">
-              <a:solidFill>
-                <a:srgbClr val="FF0000"/>
-              </a:solidFill>
-              <a:tailEnd type="arrow"/>
-            </a:ln>
-          </p:spPr>
-          <p:style>
-            <a:lnRef idx="1">
-              <a:schemeClr val="accent1"/>
-            </a:lnRef>
-            <a:fillRef idx="0">
-              <a:schemeClr val="accent1"/>
-            </a:fillRef>
-            <a:effectRef idx="0">
-              <a:schemeClr val="accent1"/>
-            </a:effectRef>
-            <a:fontRef idx="minor">
-              <a:schemeClr val="tx1"/>
-            </a:fontRef>
-          </p:style>
-        </p:cxnSp>
-        <p:sp>
-          <p:nvSpPr>
-            <p:cNvPr id="10" name="TextBox 9"/>
-            <p:cNvSpPr txBox="1"/>
-            <p:nvPr/>
-          </p:nvSpPr>
-          <p:spPr>
-            <a:xfrm>
-              <a:off x="228600" y="2289463"/>
-              <a:ext cx="1258999" cy="369332"/>
-            </a:xfrm>
-            <a:prstGeom prst="rect">
-              <a:avLst/>
-            </a:prstGeom>
-            <a:noFill/>
-          </p:spPr>
-          <p:txBody>
-            <a:bodyPr wrap="none" rtlCol="0">
-              <a:spAutoFit/>
-            </a:bodyPr>
-            <a:lstStyle/>
-            <a:p>
-              <a:r>
-                <a:rPr lang="en-US" dirty="0" smtClean="0"/>
-                <a:t>The artifact</a:t>
-              </a:r>
-              <a:endParaRPr lang="en-US" dirty="0"/>
-            </a:p>
-          </p:txBody>
-        </p:sp>
-      </p:grpSp>
-    </p:spTree>
-    <p:extLst>
-      <p:ext uri="{BB962C8B-B14F-4D97-AF65-F5344CB8AC3E}">
-        <p14:creationId xmlns:p14="http://schemas.microsoft.com/office/powerpoint/2010/main" val="927589515"/>
-      </p:ext>
-    </p:extLst>
-  </p:cSld>
-  <p:clrMapOvr>
-    <a:masterClrMapping/>
-  </p:clrMapOvr>
-  <p:timing>
-    <p:tnLst>
-      <p:par>
-        <p:cTn id="1" dur="indefinite" restart="never" nodeType="tmRoot">
-          <p:childTnLst>
-            <p:seq concurrent="1" nextAc="seek">
-              <p:cTn id="2" dur="indefinite" nodeType="mainSeq">
-                <p:childTnLst>
-                  <p:par>
-                    <p:cTn id="3" fill="hold">
-                      <p:stCondLst>
-                        <p:cond delay="indefinite"/>
-                      </p:stCondLst>
-                      <p:childTnLst>
-                        <p:par>
-                          <p:cTn id="4" fill="hold">
-                            <p:stCondLst>
-                              <p:cond delay="0"/>
-                            </p:stCondLst>
-                            <p:childTnLst>
-                              <p:par>
-                                <p:cTn id="5" presetID="1" presetClass="entr" presetSubtype="0" fill="hold" nodeType="clickEffect">
-                                  <p:stCondLst>
-                                    <p:cond delay="0"/>
-                                  </p:stCondLst>
-                                  <p:childTnLst>
-                                    <p:set>
-                                      <p:cBhvr>
-                                        <p:cTn id="6" dur="1" fill="hold">
-                                          <p:stCondLst>
-                                            <p:cond delay="0"/>
-                                          </p:stCondLst>
-                                        </p:cTn>
-                                        <p:tgtEl>
-                                          <p:spTgt spid="11"/>
-                                        </p:tgtEl>
-                                        <p:attrNameLst>
-                                          <p:attrName>style.visibility</p:attrName>
-                                        </p:attrNameLst>
-                                      </p:cBhvr>
-                                      <p:to>
-                                        <p:strVal val="visible"/>
-                                      </p:to>
-                                    </p:set>
-                                  </p:childTnLst>
-                                </p:cTn>
-                              </p:par>
-                            </p:childTnLst>
-                          </p:cTn>
-                        </p:par>
-                      </p:childTnLst>
-                    </p:cTn>
-                  </p:par>
-                  <p:par>
-                    <p:cTn id="7" fill="hold">
-                      <p:stCondLst>
-                        <p:cond delay="indefinite"/>
-                      </p:stCondLst>
-                      <p:childTnLst>
-                        <p:par>
-                          <p:cTn id="8" fill="hold">
-                            <p:stCondLst>
-                              <p:cond delay="0"/>
-                            </p:stCondLst>
-                            <p:childTnLst>
-                              <p:par>
-                                <p:cTn id="9" presetID="1" presetClass="entr" presetSubtype="0" fill="hold" nodeType="clickEffect">
-                                  <p:stCondLst>
-                                    <p:cond delay="0"/>
-                                  </p:stCondLst>
-                                  <p:childTnLst>
-                                    <p:set>
-                                      <p:cBhvr>
-                                        <p:cTn id="10" dur="1" fill="hold">
-                                          <p:stCondLst>
-                                            <p:cond delay="0"/>
-                                          </p:stCondLst>
-                                        </p:cTn>
-                                        <p:tgtEl>
-                                          <p:spTgt spid="3"/>
-                                        </p:tgtEl>
-                                        <p:attrNameLst>
-                                          <p:attrName>style.visibility</p:attrName>
-                                        </p:attrNameLst>
-                                      </p:cBhvr>
-                                      <p:to>
-                                        <p:strVal val="visible"/>
-                                      </p:to>
-                                    </p:set>
-                                  </p:childTnLst>
-                                </p:cTn>
-                              </p:par>
-                            </p:childTnLst>
-                          </p:cTn>
-                        </p:par>
-                      </p:childTnLst>
-                    </p:cTn>
-                  </p:par>
-                </p:childTnLst>
-              </p:cTn>
-              <p:prevCondLst>
-                <p:cond evt="onPrev" delay="0">
-                  <p:tgtEl>
-                    <p:sldTgt/>
-                  </p:tgtEl>
-                </p:cond>
-              </p:prevCondLst>
-              <p:nextCondLst>
-                <p:cond evt="onNext" delay="0">
-                  <p:tgtEl>
-                    <p:sldTgt/>
-                  </p:tgtEl>
-                </p:cond>
-              </p:nextCondLst>
-            </p:seq>
-          </p:childTnLst>
-        </p:cTn>
-      </p:par>
-    </p:tnLst>
-  </p:timing>
-</p:sld>
-</file>
-
-<file path=ppt/slides/slide21.xml><?xml version="1.0" encoding="utf-8"?>
-<p:sld xmlns:a="http://schemas.openxmlformats.org/drawingml/2006/main" xmlns:r="http://schemas.openxmlformats.org/officeDocument/2006/relationships" xmlns:p="http://schemas.openxmlformats.org/presentationml/2006/main">
-  <p:cSld>
-    <p:spTree>
-      <p:nvGrpSpPr>
-        <p:cNvPr id="1" name=""/>
-        <p:cNvGrpSpPr/>
-        <p:nvPr/>
-      </p:nvGrpSpPr>
-      <p:grpSpPr>
-        <a:xfrm>
-          <a:off x="0" y="0"/>
-          <a:ext cx="0" cy="0"/>
-          <a:chOff x="0" y="0"/>
-          <a:chExt cx="0" cy="0"/>
-        </a:xfrm>
-      </p:grpSpPr>
-      <p:grpSp>
-        <p:nvGrpSpPr>
-          <p:cNvPr id="4" name="Group 3"/>
-          <p:cNvGrpSpPr/>
-          <p:nvPr/>
-        </p:nvGrpSpPr>
-        <p:grpSpPr>
-          <a:xfrm>
-            <a:off x="1361209" y="81190"/>
-            <a:ext cx="6710596" cy="6700610"/>
-            <a:chOff x="1361209" y="81190"/>
-            <a:chExt cx="6710596" cy="6700610"/>
-          </a:xfrm>
-        </p:grpSpPr>
-        <p:pic>
-          <p:nvPicPr>
-            <p:cNvPr id="2" name="Picture 1"/>
-            <p:cNvPicPr>
-              <a:picLocks noChangeAspect="1"/>
-            </p:cNvPicPr>
-            <p:nvPr/>
-          </p:nvPicPr>
-          <p:blipFill>
-            <a:blip r:embed="rId2">
-              <a:extLst>
-                <a:ext uri="{28A0092B-C50C-407E-A947-70E740481C1C}">
-                  <a14:useLocalDpi xmlns:a14="http://schemas.microsoft.com/office/drawing/2010/main" val="0"/>
-                </a:ext>
-              </a:extLst>
-            </a:blip>
-            <a:stretch>
-              <a:fillRect/>
-            </a:stretch>
-          </p:blipFill>
-          <p:spPr>
-            <a:xfrm>
-              <a:off x="1361209" y="81190"/>
-              <a:ext cx="6710596" cy="6700610"/>
-            </a:xfrm>
-            <a:prstGeom prst="rect">
-              <a:avLst/>
-            </a:prstGeom>
-          </p:spPr>
-        </p:pic>
-        <p:pic>
-          <p:nvPicPr>
-            <p:cNvPr id="8194" name="Picture 2"/>
-            <p:cNvPicPr>
-              <a:picLocks noChangeAspect="1" noChangeArrowheads="1"/>
-            </p:cNvPicPr>
-            <p:nvPr/>
-          </p:nvPicPr>
-          <p:blipFill>
-            <a:blip r:embed="rId3">
-              <a:extLst>
-                <a:ext uri="{28A0092B-C50C-407E-A947-70E740481C1C}">
-                  <a14:useLocalDpi xmlns:a14="http://schemas.microsoft.com/office/drawing/2010/main" val="0"/>
-                </a:ext>
-              </a:extLst>
-            </a:blip>
-            <a:srcRect/>
-            <a:stretch>
-              <a:fillRect/>
-            </a:stretch>
-          </p:blipFill>
-          <p:spPr bwMode="auto">
-            <a:xfrm>
-              <a:off x="5673437" y="869373"/>
-              <a:ext cx="1981200" cy="1409700"/>
-            </a:xfrm>
-            <a:prstGeom prst="rect">
-              <a:avLst/>
-            </a:prstGeom>
-            <a:noFill/>
-            <a:ln>
-              <a:noFill/>
-            </a:ln>
-            <a:extLst>
-              <a:ext uri="{909E8E84-426E-40DD-AFC4-6F175D3DCCD1}">
-                <a14:hiddenFill xmlns:a14="http://schemas.microsoft.com/office/drawing/2010/main">
-                  <a:solidFill>
-                    <a:schemeClr val="accent1"/>
-                  </a:solidFill>
-                </a14:hiddenFill>
-              </a:ext>
-              <a:ext uri="{91240B29-F687-4F45-9708-019B960494DF}">
-                <a14:hiddenLine xmlns:a14="http://schemas.microsoft.com/office/drawing/2010/main" w="9525">
-                  <a:solidFill>
-                    <a:schemeClr val="tx1"/>
-                  </a:solidFill>
-                  <a:miter lim="800000"/>
-                  <a:headEnd/>
-                  <a:tailEnd/>
-                </a14:hiddenLine>
-              </a:ext>
-            </a:extLst>
-          </p:spPr>
-        </p:pic>
-      </p:grpSp>
-      <p:grpSp>
-        <p:nvGrpSpPr>
-          <p:cNvPr id="6" name="Group 5"/>
-          <p:cNvGrpSpPr/>
-          <p:nvPr/>
-        </p:nvGrpSpPr>
-        <p:grpSpPr>
-          <a:xfrm>
-            <a:off x="5476010" y="3805989"/>
-            <a:ext cx="1121062" cy="922421"/>
-            <a:chOff x="4267200" y="3344779"/>
-            <a:chExt cx="1121062" cy="922421"/>
-          </a:xfrm>
-        </p:grpSpPr>
-        <p:cxnSp>
-          <p:nvCxnSpPr>
-            <p:cNvPr id="7" name="Straight Arrow Connector 6"/>
-            <p:cNvCxnSpPr/>
-            <p:nvPr/>
-          </p:nvCxnSpPr>
-          <p:spPr>
-            <a:xfrm flipH="1">
-              <a:off x="4267200" y="3581400"/>
-              <a:ext cx="609600" cy="685800"/>
-            </a:xfrm>
-            <a:prstGeom prst="straightConnector1">
-              <a:avLst/>
-            </a:prstGeom>
-            <a:ln w="19050">
-              <a:solidFill>
-                <a:srgbClr val="FF0000"/>
-              </a:solidFill>
-              <a:tailEnd type="arrow"/>
-            </a:ln>
-          </p:spPr>
-          <p:style>
-            <a:lnRef idx="1">
-              <a:schemeClr val="accent1"/>
-            </a:lnRef>
-            <a:fillRef idx="0">
-              <a:schemeClr val="accent1"/>
-            </a:fillRef>
-            <a:effectRef idx="0">
-              <a:schemeClr val="accent1"/>
-            </a:effectRef>
-            <a:fontRef idx="minor">
-              <a:schemeClr val="tx1"/>
-            </a:fontRef>
-          </p:style>
-        </p:cxnSp>
-        <p:sp>
-          <p:nvSpPr>
-            <p:cNvPr id="8" name="TextBox 7"/>
-            <p:cNvSpPr txBox="1"/>
-            <p:nvPr/>
-          </p:nvSpPr>
-          <p:spPr>
-            <a:xfrm>
-              <a:off x="4794830" y="3344779"/>
-              <a:ext cx="593432" cy="369332"/>
-            </a:xfrm>
-            <a:prstGeom prst="rect">
-              <a:avLst/>
-            </a:prstGeom>
-            <a:noFill/>
-          </p:spPr>
-          <p:txBody>
-            <a:bodyPr wrap="none" rtlCol="0">
-              <a:spAutoFit/>
-            </a:bodyPr>
-            <a:lstStyle/>
-            <a:p>
-              <a:r>
-                <a:rPr lang="en-US" dirty="0" smtClean="0"/>
-                <a:t>3.33</a:t>
-              </a:r>
-              <a:endParaRPr lang="en-US" dirty="0"/>
-            </a:p>
-          </p:txBody>
-        </p:sp>
-      </p:grpSp>
-      <p:cxnSp>
-        <p:nvCxnSpPr>
-          <p:cNvPr id="9" name="Straight Arrow Connector 8"/>
-          <p:cNvCxnSpPr/>
-          <p:nvPr/>
-        </p:nvCxnSpPr>
-        <p:spPr>
-          <a:xfrm flipH="1" flipV="1">
-            <a:off x="3581400" y="1066800"/>
-            <a:ext cx="914400" cy="507423"/>
-          </a:xfrm>
-          <a:prstGeom prst="straightConnector1">
-            <a:avLst/>
-          </a:prstGeom>
-          <a:ln w="19050">
-            <a:solidFill>
-              <a:srgbClr val="FF0000"/>
-            </a:solidFill>
-            <a:tailEnd type="arrow"/>
-          </a:ln>
-        </p:spPr>
-        <p:style>
-          <a:lnRef idx="1">
-            <a:schemeClr val="accent1"/>
-          </a:lnRef>
-          <a:fillRef idx="0">
-            <a:schemeClr val="accent1"/>
-          </a:fillRef>
-          <a:effectRef idx="0">
-            <a:schemeClr val="accent1"/>
-          </a:effectRef>
-          <a:fontRef idx="minor">
-            <a:schemeClr val="tx1"/>
-          </a:fontRef>
-        </p:style>
-      </p:cxnSp>
-      <p:sp>
-        <p:nvSpPr>
-          <p:cNvPr id="11" name="TextBox 10"/>
-          <p:cNvSpPr txBox="1"/>
-          <p:nvPr/>
-        </p:nvSpPr>
-        <p:spPr>
-          <a:xfrm>
-            <a:off x="4419791" y="1579326"/>
-            <a:ext cx="593432" cy="369332"/>
-          </a:xfrm>
-          <a:prstGeom prst="rect">
-            <a:avLst/>
-          </a:prstGeom>
-          <a:noFill/>
-        </p:spPr>
-        <p:txBody>
-          <a:bodyPr wrap="none" rtlCol="0">
-            <a:spAutoFit/>
-          </a:bodyPr>
-          <a:lstStyle/>
-          <a:p>
-            <a:r>
-              <a:rPr lang="en-US" dirty="0" smtClean="0"/>
-              <a:t>2.00</a:t>
-            </a:r>
-            <a:endParaRPr lang="en-US" dirty="0"/>
-          </a:p>
-        </p:txBody>
-      </p:sp>
-    </p:spTree>
-    <p:extLst>
-      <p:ext uri="{BB962C8B-B14F-4D97-AF65-F5344CB8AC3E}">
-        <p14:creationId xmlns:p14="http://schemas.microsoft.com/office/powerpoint/2010/main" val="3049213518"/>
-      </p:ext>
-    </p:extLst>
-  </p:cSld>
-  <p:clrMapOvr>
-    <a:masterClrMapping/>
-  </p:clrMapOvr>
-  <p:timing>
-    <p:tnLst>
-      <p:par>
-        <p:cTn id="1" dur="indefinite" restart="never" nodeType="tmRoot">
-          <p:childTnLst>
-            <p:seq concurrent="1" nextAc="seek">
-              <p:cTn id="2" dur="indefinite" nodeType="mainSeq">
-                <p:childTnLst>
-                  <p:par>
-                    <p:cTn id="3" fill="hold">
-                      <p:stCondLst>
-                        <p:cond delay="indefinite"/>
-                      </p:stCondLst>
-                      <p:childTnLst>
-                        <p:par>
-                          <p:cTn id="4" fill="hold">
-                            <p:stCondLst>
-                              <p:cond delay="0"/>
-                            </p:stCondLst>
-                            <p:childTnLst>
-                              <p:par>
-                                <p:cTn id="5" presetID="1" presetClass="entr" presetSubtype="0" fill="hold" nodeType="clickEffect">
-                                  <p:stCondLst>
-                                    <p:cond delay="0"/>
-                                  </p:stCondLst>
-                                  <p:childTnLst>
-                                    <p:set>
-                                      <p:cBhvr>
-                                        <p:cTn id="6" dur="1" fill="hold">
-                                          <p:stCondLst>
-                                            <p:cond delay="0"/>
-                                          </p:stCondLst>
-                                        </p:cTn>
-                                        <p:tgtEl>
-                                          <p:spTgt spid="6"/>
-                                        </p:tgtEl>
-                                        <p:attrNameLst>
-                                          <p:attrName>style.visibility</p:attrName>
-                                        </p:attrNameLst>
-                                      </p:cBhvr>
-                                      <p:to>
-                                        <p:strVal val="visible"/>
-                                      </p:to>
-                                    </p:set>
-                                  </p:childTnLst>
-                                </p:cTn>
-                              </p:par>
-                            </p:childTnLst>
-                          </p:cTn>
-                        </p:par>
-                      </p:childTnLst>
-                    </p:cTn>
-                  </p:par>
-                </p:childTnLst>
-              </p:cTn>
-              <p:prevCondLst>
-                <p:cond evt="onPrev" delay="0">
-                  <p:tgtEl>
-                    <p:sldTgt/>
-                  </p:tgtEl>
-                </p:cond>
-              </p:prevCondLst>
-              <p:nextCondLst>
-                <p:cond evt="onNext" delay="0">
-                  <p:tgtEl>
-                    <p:sldTgt/>
-                  </p:tgtEl>
-                </p:cond>
-              </p:nextCondLst>
-            </p:seq>
-          </p:childTnLst>
-        </p:cTn>
-      </p:par>
-    </p:tnLst>
-  </p:timing>
-</p:sld>
-</file>
-
-<file path=ppt/slides/slide22.xml><?xml version="1.0" encoding="utf-8"?>
-<p:sld xmlns:a="http://schemas.openxmlformats.org/drawingml/2006/main" xmlns:r="http://schemas.openxmlformats.org/officeDocument/2006/relationships" xmlns:p="http://schemas.openxmlformats.org/presentationml/2006/main">
-  <p:cSld>
-    <p:spTree>
-      <p:nvGrpSpPr>
-        <p:cNvPr id="1" name=""/>
-        <p:cNvGrpSpPr/>
-        <p:nvPr/>
-      </p:nvGrpSpPr>
-      <p:grpSpPr>
-        <a:xfrm>
-          <a:off x="0" y="0"/>
-          <a:ext cx="0" cy="0"/>
-          <a:chOff x="0" y="0"/>
-          <a:chExt cx="0" cy="0"/>
-        </a:xfrm>
-      </p:grpSpPr>
-      <p:sp>
-        <p:nvSpPr>
-          <p:cNvPr id="2" name="Title 1"/>
-          <p:cNvSpPr>
-            <a:spLocks noGrp="1"/>
-          </p:cNvSpPr>
-          <p:nvPr>
-            <p:ph type="title"/>
-          </p:nvPr>
-        </p:nvSpPr>
-        <p:spPr/>
-        <p:txBody>
-          <a:bodyPr/>
-          <a:lstStyle/>
-          <a:p>
-            <a:r>
-              <a:rPr lang="en-US" dirty="0" smtClean="0"/>
-              <a:t>Predicting the clinical outcome</a:t>
-            </a:r>
-            <a:endParaRPr lang="en-US" dirty="0"/>
-          </a:p>
-        </p:txBody>
-      </p:sp>
-      <p:sp>
-        <p:nvSpPr>
-          <p:cNvPr id="3" name="Content Placeholder 2"/>
-          <p:cNvSpPr>
-            <a:spLocks noGrp="1"/>
-          </p:cNvSpPr>
-          <p:nvPr>
-            <p:ph idx="1"/>
-          </p:nvPr>
-        </p:nvSpPr>
-        <p:spPr/>
-        <p:txBody>
-          <a:bodyPr/>
-          <a:lstStyle/>
-          <a:p>
-            <a:r>
-              <a:rPr lang="en-US" dirty="0" smtClean="0"/>
-              <a:t>Newly formulated dataset (</a:t>
-            </a:r>
-            <a:r>
-              <a:rPr lang="en-US" b="1" dirty="0" err="1" smtClean="0"/>
-              <a:t>ExGCRn</a:t>
-            </a:r>
-            <a:r>
-              <a:rPr lang="en-US" b="1" dirty="0" smtClean="0"/>
-              <a:t>)</a:t>
-            </a:r>
-          </a:p>
-          <a:p>
-            <a:r>
-              <a:rPr lang="en-US" dirty="0" smtClean="0"/>
-              <a:t>Stretched statistical models</a:t>
-            </a:r>
-          </a:p>
-          <a:p>
-            <a:pPr lvl="1"/>
-            <a:r>
-              <a:rPr lang="en-US" dirty="0" smtClean="0"/>
-              <a:t>Tested out models with various prediction power</a:t>
-            </a:r>
-          </a:p>
-          <a:p>
-            <a:pPr lvl="1"/>
-            <a:r>
-              <a:rPr lang="en-US" dirty="0" smtClean="0"/>
-              <a:t>Optimized the parameter setting</a:t>
-            </a:r>
-          </a:p>
-          <a:p>
-            <a:pPr lvl="1"/>
-            <a:r>
-              <a:rPr lang="en-US" dirty="0" smtClean="0"/>
-              <a:t>Evaluated model performance</a:t>
-            </a:r>
-          </a:p>
-          <a:p>
-            <a:r>
-              <a:rPr lang="en-US" dirty="0" smtClean="0"/>
-              <a:t>Prediction results</a:t>
-            </a:r>
-          </a:p>
-          <a:p>
-            <a:r>
-              <a:rPr lang="en-US" dirty="0" smtClean="0"/>
-              <a:t>Clinical outcome and further implementation</a:t>
-            </a:r>
-          </a:p>
-          <a:p>
-            <a:r>
-              <a:rPr lang="en-US" dirty="0" smtClean="0"/>
-              <a:t>R -- Caret package used</a:t>
-            </a:r>
-            <a:endParaRPr lang="en-US" dirty="0"/>
-          </a:p>
-        </p:txBody>
-      </p:sp>
-    </p:spTree>
-    <p:extLst>
-      <p:ext uri="{BB962C8B-B14F-4D97-AF65-F5344CB8AC3E}">
-        <p14:creationId xmlns:p14="http://schemas.microsoft.com/office/powerpoint/2010/main" val="109716143"/>
-      </p:ext>
-    </p:extLst>
-  </p:cSld>
-  <p:clrMapOvr>
-    <a:masterClrMapping/>
-  </p:clrMapOvr>
-  <p:timing>
-    <p:tnLst>
-      <p:par>
-        <p:cTn id="1" dur="indefinite" restart="never" nodeType="tmRoot"/>
-      </p:par>
-    </p:tnLst>
-  </p:timing>
-</p:sld>
-</file>
-
-<file path=ppt/slides/slide23.xml><?xml version="1.0" encoding="utf-8"?>
+<file path=ppt/slides/slide27.xml><?xml version="1.0" encoding="utf-8"?>
 <p:sld xmlns:a="http://schemas.openxmlformats.org/drawingml/2006/main" xmlns:r="http://schemas.openxmlformats.org/officeDocument/2006/relationships" xmlns:p="http://schemas.openxmlformats.org/presentationml/2006/main">
   <p:cSld>
     <p:spTree>
@@ -7442,14 +8532,14 @@
   <p:timing>
     <p:tnLst>
       <p:par>
-        <p:cTn id="1" dur="indefinite" restart="never" nodeType="tmRoot"/>
+        <p:cTn xmlns:p14="http://schemas.microsoft.com/office/powerpoint/2010/main" id="1" dur="indefinite" restart="never" nodeType="tmRoot"/>
       </p:par>
     </p:tnLst>
   </p:timing>
 </p:sld>
 </file>
 
-<file path=ppt/slides/slide24.xml><?xml version="1.0" encoding="utf-8"?>
+<file path=ppt/slides/slide28.xml><?xml version="1.0" encoding="utf-8"?>
 <p:sld xmlns:a="http://schemas.openxmlformats.org/drawingml/2006/main" xmlns:r="http://schemas.openxmlformats.org/officeDocument/2006/relationships" xmlns:p="http://schemas.openxmlformats.org/presentationml/2006/main">
   <p:cSld>
     <p:spTree>
@@ -7530,14 +8620,14 @@
             <a:noFill/>
           </a:ln>
           <a:extLst>
-            <a:ext uri="{909E8E84-426E-40DD-AFC4-6F175D3DCCD1}">
+            <a:ext uri="{909E8E84-426E-40dd-AFC4-6F175D3DCCD1}">
               <a14:hiddenFill xmlns:a14="http://schemas.microsoft.com/office/drawing/2010/main">
                 <a:solidFill>
                   <a:schemeClr val="accent1"/>
                 </a:solidFill>
               </a14:hiddenFill>
             </a:ext>
-            <a:ext uri="{91240B29-F687-4F45-9708-019B960494DF}">
+            <a:ext uri="{91240B29-F687-4f45-9708-019B960494DF}">
               <a14:hiddenLine xmlns:a14="http://schemas.microsoft.com/office/drawing/2010/main" w="9525">
                 <a:solidFill>
                   <a:schemeClr val="tx1"/>
@@ -7563,14 +8653,14 @@
   <p:timing>
     <p:tnLst>
       <p:par>
-        <p:cTn id="1" dur="indefinite" restart="never" nodeType="tmRoot"/>
+        <p:cTn xmlns:p14="http://schemas.microsoft.com/office/powerpoint/2010/main" id="1" dur="indefinite" restart="never" nodeType="tmRoot"/>
       </p:par>
     </p:tnLst>
   </p:timing>
 </p:sld>
 </file>
 
-<file path=ppt/slides/slide25.xml><?xml version="1.0" encoding="utf-8"?>
+<file path=ppt/slides/slide29.xml><?xml version="1.0" encoding="utf-8"?>
 <p:sld xmlns:a="http://schemas.openxmlformats.org/drawingml/2006/main" xmlns:r="http://schemas.openxmlformats.org/officeDocument/2006/relationships" xmlns:p="http://schemas.openxmlformats.org/presentationml/2006/main">
   <p:cSld>
     <p:spTree>
@@ -7673,14 +8763,210 @@
   <p:timing>
     <p:tnLst>
       <p:par>
-        <p:cTn id="1" dur="indefinite" restart="never" nodeType="tmRoot"/>
+        <p:cTn xmlns:p14="http://schemas.microsoft.com/office/powerpoint/2010/main" id="1" dur="indefinite" restart="never" nodeType="tmRoot"/>
       </p:par>
     </p:tnLst>
   </p:timing>
 </p:sld>
 </file>
 
-<file path=ppt/slides/slide26.xml><?xml version="1.0" encoding="utf-8"?>
+<file path=ppt/slides/slide3.xml><?xml version="1.0" encoding="utf-8"?>
+<p:sld xmlns:a="http://schemas.openxmlformats.org/drawingml/2006/main" xmlns:r="http://schemas.openxmlformats.org/officeDocument/2006/relationships" xmlns:p="http://schemas.openxmlformats.org/presentationml/2006/main">
+  <p:cSld>
+    <p:spTree>
+      <p:nvGrpSpPr>
+        <p:cNvPr id="1" name=""/>
+        <p:cNvGrpSpPr/>
+        <p:nvPr/>
+      </p:nvGrpSpPr>
+      <p:grpSpPr>
+        <a:xfrm>
+          <a:off x="0" y="0"/>
+          <a:ext cx="0" cy="0"/>
+          <a:chOff x="0" y="0"/>
+          <a:chExt cx="0" cy="0"/>
+        </a:xfrm>
+      </p:grpSpPr>
+      <p:pic>
+        <p:nvPicPr>
+          <p:cNvPr id="1026" name="Picture 2"/>
+          <p:cNvPicPr>
+            <a:picLocks noChangeAspect="1" noChangeArrowheads="1"/>
+          </p:cNvPicPr>
+          <p:nvPr/>
+        </p:nvPicPr>
+        <p:blipFill>
+          <a:blip r:embed="rId2">
+            <a:extLst>
+              <a:ext uri="{28A0092B-C50C-407E-A947-70E740481C1C}">
+                <a14:useLocalDpi xmlns:a14="http://schemas.microsoft.com/office/drawing/2010/main" val="0"/>
+              </a:ext>
+            </a:extLst>
+          </a:blip>
+          <a:srcRect/>
+          <a:stretch>
+            <a:fillRect/>
+          </a:stretch>
+        </p:blipFill>
+        <p:spPr bwMode="auto">
+          <a:xfrm>
+            <a:off x="1000125" y="723900"/>
+            <a:ext cx="7143750" cy="5410200"/>
+          </a:xfrm>
+          <a:prstGeom prst="rect">
+            <a:avLst/>
+          </a:prstGeom>
+          <a:noFill/>
+          <a:ln>
+            <a:noFill/>
+          </a:ln>
+          <a:extLst>
+            <a:ext uri="{909E8E84-426E-40dd-AFC4-6F175D3DCCD1}">
+              <a14:hiddenFill xmlns:a14="http://schemas.microsoft.com/office/drawing/2010/main">
+                <a:solidFill>
+                  <a:schemeClr val="accent1"/>
+                </a:solidFill>
+              </a14:hiddenFill>
+            </a:ext>
+            <a:ext uri="{91240B29-F687-4f45-9708-019B960494DF}">
+              <a14:hiddenLine xmlns:a14="http://schemas.microsoft.com/office/drawing/2010/main" w="9525">
+                <a:solidFill>
+                  <a:schemeClr val="tx1"/>
+                </a:solidFill>
+                <a:miter lim="800000"/>
+                <a:headEnd/>
+                <a:tailEnd/>
+              </a14:hiddenLine>
+            </a:ext>
+          </a:extLst>
+        </p:spPr>
+      </p:pic>
+      <p:sp>
+        <p:nvSpPr>
+          <p:cNvPr id="2" name="TextBox 1"/>
+          <p:cNvSpPr txBox="1"/>
+          <p:nvPr/>
+        </p:nvSpPr>
+        <p:spPr>
+          <a:xfrm>
+            <a:off x="262294" y="77569"/>
+            <a:ext cx="8619411" cy="646331"/>
+          </a:xfrm>
+          <a:prstGeom prst="rect">
+            <a:avLst/>
+          </a:prstGeom>
+          <a:noFill/>
+        </p:spPr>
+        <p:txBody>
+          <a:bodyPr wrap="none" rtlCol="0">
+            <a:spAutoFit/>
+          </a:bodyPr>
+          <a:lstStyle/>
+          <a:p>
+            <a:r>
+              <a:rPr lang="en-US" b="1" dirty="0"/>
+              <a:t>Photomicrograph of moderately well differentiated OSCC showing large tumor nucleus </a:t>
+            </a:r>
+            <a:endParaRPr lang="en-US" b="1" dirty="0" smtClean="0"/>
+          </a:p>
+          <a:p>
+            <a:r>
+              <a:rPr lang="en-US" b="1" dirty="0" smtClean="0"/>
+              <a:t>with </a:t>
+            </a:r>
+            <a:r>
+              <a:rPr lang="en-US" b="1" dirty="0"/>
+              <a:t>multiple prominent nucleoli (blue arrow) and abnormal mitotic figure (black arrow)</a:t>
+            </a:r>
+            <a:endParaRPr lang="en-US" dirty="0"/>
+          </a:p>
+        </p:txBody>
+      </p:sp>
+      <p:sp>
+        <p:nvSpPr>
+          <p:cNvPr id="3" name="TextBox 2"/>
+          <p:cNvSpPr txBox="1"/>
+          <p:nvPr/>
+        </p:nvSpPr>
+        <p:spPr>
+          <a:xfrm>
+            <a:off x="796611" y="6138606"/>
+            <a:ext cx="7547194" cy="646331"/>
+          </a:xfrm>
+          <a:prstGeom prst="rect">
+            <a:avLst/>
+          </a:prstGeom>
+          <a:noFill/>
+        </p:spPr>
+        <p:txBody>
+          <a:bodyPr wrap="none" rtlCol="0">
+            <a:spAutoFit/>
+          </a:bodyPr>
+          <a:lstStyle/>
+          <a:p>
+            <a:r>
+              <a:rPr lang="en-US" dirty="0" smtClean="0"/>
+              <a:t>DB </a:t>
+            </a:r>
+            <a:r>
+              <a:rPr lang="en-US" dirty="0" err="1" smtClean="0"/>
+              <a:t>Nandini</a:t>
+            </a:r>
+            <a:r>
+              <a:rPr lang="en-US" dirty="0" smtClean="0"/>
+              <a:t> and RV </a:t>
+            </a:r>
+            <a:r>
+              <a:rPr lang="en-US" dirty="0" err="1" smtClean="0"/>
+              <a:t>Subramanyam</a:t>
+            </a:r>
+            <a:r>
+              <a:rPr lang="en-US" dirty="0"/>
+              <a:t>, 2011, Nuclear features in oral </a:t>
+            </a:r>
+            <a:r>
+              <a:rPr lang="en-US" dirty="0" smtClean="0"/>
+              <a:t>squamous</a:t>
+            </a:r>
+          </a:p>
+          <a:p>
+            <a:r>
+              <a:rPr lang="en-US" dirty="0" smtClean="0"/>
+              <a:t> </a:t>
+            </a:r>
+            <a:r>
+              <a:rPr lang="en-US" dirty="0"/>
+              <a:t>cell carcinoma: A computer-assisted microscopic </a:t>
+            </a:r>
+            <a:r>
+              <a:rPr lang="en-US" dirty="0" smtClean="0"/>
+              <a:t>study, V.15:2, 177-181,JOMFP</a:t>
+            </a:r>
+            <a:endParaRPr lang="en-US" dirty="0"/>
+          </a:p>
+        </p:txBody>
+      </p:sp>
+    </p:spTree>
+    <p:extLst>
+      <p:ext uri="{BB962C8B-B14F-4D97-AF65-F5344CB8AC3E}">
+        <p14:creationId xmlns:p14="http://schemas.microsoft.com/office/powerpoint/2010/main" val="3153764974"/>
+      </p:ext>
+    </p:extLst>
+  </p:cSld>
+  <p:clrMapOvr>
+    <a:masterClrMapping/>
+  </p:clrMapOvr>
+  <p:timing>
+    <p:tnLst>
+      <p:par>
+        <p:cTn xmlns:p14="http://schemas.microsoft.com/office/powerpoint/2010/main" id="1" dur="indefinite" restart="never" nodeType="tmRoot"/>
+      </p:par>
+    </p:tnLst>
+  </p:timing>
+</p:sld>
+</file>
+
+<file path=ppt/slides/slide30.xml><?xml version="1.0" encoding="utf-8"?>
 <p:sld xmlns:a="http://schemas.openxmlformats.org/drawingml/2006/main" xmlns:r="http://schemas.openxmlformats.org/officeDocument/2006/relationships" xmlns:p="http://schemas.openxmlformats.org/presentationml/2006/main">
   <p:cSld>
     <p:spTree>
@@ -7774,14 +9060,14 @@
   <p:timing>
     <p:tnLst>
       <p:par>
-        <p:cTn id="1" dur="indefinite" restart="never" nodeType="tmRoot"/>
+        <p:cTn xmlns:p14="http://schemas.microsoft.com/office/powerpoint/2010/main" id="1" dur="indefinite" restart="never" nodeType="tmRoot"/>
       </p:par>
     </p:tnLst>
   </p:timing>
 </p:sld>
 </file>
 
-<file path=ppt/slides/slide27.xml><?xml version="1.0" encoding="utf-8"?>
+<file path=ppt/slides/slide31.xml><?xml version="1.0" encoding="utf-8"?>
 <p:sld xmlns:a="http://schemas.openxmlformats.org/drawingml/2006/main" xmlns:r="http://schemas.openxmlformats.org/officeDocument/2006/relationships" xmlns:p="http://schemas.openxmlformats.org/presentationml/2006/main">
   <p:cSld>
     <p:spTree>
@@ -7861,14 +9147,14 @@
   <p:timing>
     <p:tnLst>
       <p:par>
-        <p:cTn id="1" dur="indefinite" restart="never" nodeType="tmRoot"/>
+        <p:cTn xmlns:p14="http://schemas.microsoft.com/office/powerpoint/2010/main" id="1" dur="indefinite" restart="never" nodeType="tmRoot"/>
       </p:par>
     </p:tnLst>
   </p:timing>
 </p:sld>
 </file>
 
-<file path=ppt/slides/slide28.xml><?xml version="1.0" encoding="utf-8"?>
+<file path=ppt/slides/slide32.xml><?xml version="1.0" encoding="utf-8"?>
 <p:sld xmlns:a="http://schemas.openxmlformats.org/drawingml/2006/main" xmlns:r="http://schemas.openxmlformats.org/officeDocument/2006/relationships" xmlns:p="http://schemas.openxmlformats.org/presentationml/2006/main">
   <p:cSld>
     <p:spTree>
@@ -7984,14 +9270,14 @@
   <p:timing>
     <p:tnLst>
       <p:par>
-        <p:cTn id="1" dur="indefinite" restart="never" nodeType="tmRoot"/>
+        <p:cTn xmlns:p14="http://schemas.microsoft.com/office/powerpoint/2010/main" id="1" dur="indefinite" restart="never" nodeType="tmRoot"/>
       </p:par>
     </p:tnLst>
   </p:timing>
 </p:sld>
 </file>
 
-<file path=ppt/slides/slide29.xml><?xml version="1.0" encoding="utf-8"?>
+<file path=ppt/slides/slide33.xml><?xml version="1.0" encoding="utf-8"?>
 <p:sld xmlns:a="http://schemas.openxmlformats.org/drawingml/2006/main" xmlns:r="http://schemas.openxmlformats.org/officeDocument/2006/relationships" xmlns:p="http://schemas.openxmlformats.org/presentationml/2006/main">
   <p:cSld>
     <p:spTree>
@@ -8111,7 +9397,7 @@
             </a:prstGeom>
             <a:noFill/>
             <a:extLst>
-              <a:ext uri="{909E8E84-426E-40DD-AFC4-6F175D3DCCD1}">
+              <a:ext uri="{909E8E84-426E-40dd-AFC4-6F175D3DCCD1}">
                 <a14:hiddenFill xmlns:a14="http://schemas.microsoft.com/office/drawing/2010/main">
                   <a:solidFill>
                     <a:srgbClr val="FFFFFF"/>
@@ -8294,7 +9580,7 @@
             </a:prstGeom>
             <a:noFill/>
             <a:extLst>
-              <a:ext uri="{909E8E84-426E-40DD-AFC4-6F175D3DCCD1}">
+              <a:ext uri="{909E8E84-426E-40dd-AFC4-6F175D3DCCD1}">
                 <a14:hiddenFill xmlns:a14="http://schemas.microsoft.com/office/drawing/2010/main">
                   <a:solidFill>
                     <a:srgbClr val="FFFFFF"/>
@@ -8335,7 +9621,7 @@
             </a:prstGeom>
             <a:noFill/>
             <a:extLst>
-              <a:ext uri="{909E8E84-426E-40DD-AFC4-6F175D3DCCD1}">
+              <a:ext uri="{909E8E84-426E-40dd-AFC4-6F175D3DCCD1}">
                 <a14:hiddenFill xmlns:a14="http://schemas.microsoft.com/office/drawing/2010/main">
                   <a:solidFill>
                     <a:srgbClr val="FFFFFF"/>
@@ -8423,14 +9709,14 @@
                 <a:noFill/>
               </a:ln>
               <a:extLst>
-                <a:ext uri="{909E8E84-426E-40DD-AFC4-6F175D3DCCD1}">
+                <a:ext uri="{909E8E84-426E-40dd-AFC4-6F175D3DCCD1}">
                   <a14:hiddenFill xmlns:a14="http://schemas.microsoft.com/office/drawing/2010/main">
                     <a:solidFill>
                       <a:schemeClr val="accent1"/>
                     </a:solidFill>
                   </a14:hiddenFill>
                 </a:ext>
-                <a:ext uri="{91240B29-F687-4F45-9708-019B960494DF}">
+                <a:ext uri="{91240B29-F687-4f45-9708-019B960494DF}">
                   <a14:hiddenLine xmlns:a14="http://schemas.microsoft.com/office/drawing/2010/main" w="9525">
                     <a:solidFill>
                       <a:schemeClr val="tx1"/>
@@ -8550,203 +9836,7 @@
 </p:sld>
 </file>
 
-<file path=ppt/slides/slide3.xml><?xml version="1.0" encoding="utf-8"?>
-<p:sld xmlns:a="http://schemas.openxmlformats.org/drawingml/2006/main" xmlns:r="http://schemas.openxmlformats.org/officeDocument/2006/relationships" xmlns:p="http://schemas.openxmlformats.org/presentationml/2006/main">
-  <p:cSld>
-    <p:spTree>
-      <p:nvGrpSpPr>
-        <p:cNvPr id="1" name=""/>
-        <p:cNvGrpSpPr/>
-        <p:nvPr/>
-      </p:nvGrpSpPr>
-      <p:grpSpPr>
-        <a:xfrm>
-          <a:off x="0" y="0"/>
-          <a:ext cx="0" cy="0"/>
-          <a:chOff x="0" y="0"/>
-          <a:chExt cx="0" cy="0"/>
-        </a:xfrm>
-      </p:grpSpPr>
-      <p:pic>
-        <p:nvPicPr>
-          <p:cNvPr id="1026" name="Picture 2"/>
-          <p:cNvPicPr>
-            <a:picLocks noChangeAspect="1" noChangeArrowheads="1"/>
-          </p:cNvPicPr>
-          <p:nvPr/>
-        </p:nvPicPr>
-        <p:blipFill>
-          <a:blip r:embed="rId2">
-            <a:extLst>
-              <a:ext uri="{28A0092B-C50C-407E-A947-70E740481C1C}">
-                <a14:useLocalDpi xmlns:a14="http://schemas.microsoft.com/office/drawing/2010/main" val="0"/>
-              </a:ext>
-            </a:extLst>
-          </a:blip>
-          <a:srcRect/>
-          <a:stretch>
-            <a:fillRect/>
-          </a:stretch>
-        </p:blipFill>
-        <p:spPr bwMode="auto">
-          <a:xfrm>
-            <a:off x="1000125" y="723900"/>
-            <a:ext cx="7143750" cy="5410200"/>
-          </a:xfrm>
-          <a:prstGeom prst="rect">
-            <a:avLst/>
-          </a:prstGeom>
-          <a:noFill/>
-          <a:ln>
-            <a:noFill/>
-          </a:ln>
-          <a:extLst>
-            <a:ext uri="{909E8E84-426E-40DD-AFC4-6F175D3DCCD1}">
-              <a14:hiddenFill xmlns:a14="http://schemas.microsoft.com/office/drawing/2010/main">
-                <a:solidFill>
-                  <a:schemeClr val="accent1"/>
-                </a:solidFill>
-              </a14:hiddenFill>
-            </a:ext>
-            <a:ext uri="{91240B29-F687-4F45-9708-019B960494DF}">
-              <a14:hiddenLine xmlns:a14="http://schemas.microsoft.com/office/drawing/2010/main" w="9525">
-                <a:solidFill>
-                  <a:schemeClr val="tx1"/>
-                </a:solidFill>
-                <a:miter lim="800000"/>
-                <a:headEnd/>
-                <a:tailEnd/>
-              </a14:hiddenLine>
-            </a:ext>
-          </a:extLst>
-        </p:spPr>
-      </p:pic>
-      <p:sp>
-        <p:nvSpPr>
-          <p:cNvPr id="2" name="TextBox 1"/>
-          <p:cNvSpPr txBox="1"/>
-          <p:nvPr/>
-        </p:nvSpPr>
-        <p:spPr>
-          <a:xfrm>
-            <a:off x="262294" y="77569"/>
-            <a:ext cx="8619411" cy="646331"/>
-          </a:xfrm>
-          <a:prstGeom prst="rect">
-            <a:avLst/>
-          </a:prstGeom>
-          <a:noFill/>
-        </p:spPr>
-        <p:txBody>
-          <a:bodyPr wrap="none" rtlCol="0">
-            <a:spAutoFit/>
-          </a:bodyPr>
-          <a:lstStyle/>
-          <a:p>
-            <a:r>
-              <a:rPr lang="en-US" b="1" dirty="0"/>
-              <a:t>Photomicrograph of moderately well differentiated OSCC showing large tumor nucleus </a:t>
-            </a:r>
-            <a:endParaRPr lang="en-US" b="1" dirty="0" smtClean="0"/>
-          </a:p>
-          <a:p>
-            <a:r>
-              <a:rPr lang="en-US" b="1" dirty="0" smtClean="0"/>
-              <a:t>with </a:t>
-            </a:r>
-            <a:r>
-              <a:rPr lang="en-US" b="1" dirty="0"/>
-              <a:t>multiple prominent nucleoli (blue arrow) and abnormal mitotic figure (black arrow)</a:t>
-            </a:r>
-            <a:endParaRPr lang="en-US" dirty="0"/>
-          </a:p>
-        </p:txBody>
-      </p:sp>
-      <p:sp>
-        <p:nvSpPr>
-          <p:cNvPr id="3" name="TextBox 2"/>
-          <p:cNvSpPr txBox="1"/>
-          <p:nvPr/>
-        </p:nvSpPr>
-        <p:spPr>
-          <a:xfrm>
-            <a:off x="796611" y="6138606"/>
-            <a:ext cx="7547194" cy="646331"/>
-          </a:xfrm>
-          <a:prstGeom prst="rect">
-            <a:avLst/>
-          </a:prstGeom>
-          <a:noFill/>
-        </p:spPr>
-        <p:txBody>
-          <a:bodyPr wrap="none" rtlCol="0">
-            <a:spAutoFit/>
-          </a:bodyPr>
-          <a:lstStyle/>
-          <a:p>
-            <a:r>
-              <a:rPr lang="en-US" dirty="0" smtClean="0"/>
-              <a:t>DB </a:t>
-            </a:r>
-            <a:r>
-              <a:rPr lang="en-US" dirty="0" err="1" smtClean="0"/>
-              <a:t>Nandini</a:t>
-            </a:r>
-            <a:r>
-              <a:rPr lang="en-US" dirty="0" smtClean="0"/>
-              <a:t> and RV </a:t>
-            </a:r>
-            <a:r>
-              <a:rPr lang="en-US" dirty="0" err="1" smtClean="0"/>
-              <a:t>Subramanyam</a:t>
-            </a:r>
-            <a:r>
-              <a:rPr lang="en-US" dirty="0"/>
-              <a:t>, 2011, Nuclear features in oral </a:t>
-            </a:r>
-            <a:r>
-              <a:rPr lang="en-US" dirty="0" smtClean="0"/>
-              <a:t>squamous</a:t>
-            </a:r>
-          </a:p>
-          <a:p>
-            <a:r>
-              <a:rPr lang="en-US" dirty="0" smtClean="0"/>
-              <a:t> </a:t>
-            </a:r>
-            <a:r>
-              <a:rPr lang="en-US" dirty="0"/>
-              <a:t>cell carcinoma: A computer-assisted microscopic </a:t>
-            </a:r>
-            <a:r>
-              <a:rPr lang="en-US" dirty="0" smtClean="0"/>
-              <a:t>study, V.15:2, 177-181,JOMFP</a:t>
-            </a:r>
-            <a:endParaRPr lang="en-US" dirty="0"/>
-          </a:p>
-        </p:txBody>
-      </p:sp>
-    </p:spTree>
-    <p:extLst>
-      <p:ext uri="{BB962C8B-B14F-4D97-AF65-F5344CB8AC3E}">
-        <p14:creationId xmlns:p14="http://schemas.microsoft.com/office/powerpoint/2010/main" val="3153764974"/>
-      </p:ext>
-    </p:extLst>
-  </p:cSld>
-  <p:clrMapOvr>
-    <a:masterClrMapping/>
-  </p:clrMapOvr>
-  <p:timing>
-    <p:tnLst>
-      <p:par>
-        <p:cTn id="1" dur="indefinite" restart="never" nodeType="tmRoot"/>
-      </p:par>
-    </p:tnLst>
-  </p:timing>
-</p:sld>
-</file>
-
-<file path=ppt/slides/slide30.xml><?xml version="1.0" encoding="utf-8"?>
+<file path=ppt/slides/slide34.xml><?xml version="1.0" encoding="utf-8"?>
 <p:sld xmlns:a="http://schemas.openxmlformats.org/drawingml/2006/main" xmlns:r="http://schemas.openxmlformats.org/officeDocument/2006/relationships" xmlns:p="http://schemas.openxmlformats.org/presentationml/2006/main">
   <p:cSld>
     <p:spTree>
@@ -8841,14 +9931,14 @@
               <a:noFill/>
             </a:ln>
             <a:extLst>
-              <a:ext uri="{909E8E84-426E-40DD-AFC4-6F175D3DCCD1}">
+              <a:ext uri="{909E8E84-426E-40dd-AFC4-6F175D3DCCD1}">
                 <a14:hiddenFill xmlns:a14="http://schemas.microsoft.com/office/drawing/2010/main">
                   <a:solidFill>
                     <a:schemeClr val="accent1"/>
                   </a:solidFill>
                 </a14:hiddenFill>
               </a:ext>
-              <a:ext uri="{91240B29-F687-4F45-9708-019B960494DF}">
+              <a:ext uri="{91240B29-F687-4f45-9708-019B960494DF}">
                 <a14:hiddenLine xmlns:a14="http://schemas.microsoft.com/office/drawing/2010/main" w="9525">
                   <a:solidFill>
                     <a:schemeClr val="tx1"/>
@@ -8875,14 +9965,14 @@
   <p:timing>
     <p:tnLst>
       <p:par>
-        <p:cTn id="1" dur="indefinite" restart="never" nodeType="tmRoot"/>
+        <p:cTn xmlns:p14="http://schemas.microsoft.com/office/powerpoint/2010/main" id="1" dur="indefinite" restart="never" nodeType="tmRoot"/>
       </p:par>
     </p:tnLst>
   </p:timing>
 </p:sld>
 </file>
 
-<file path=ppt/slides/slide31.xml><?xml version="1.0" encoding="utf-8"?>
+<file path=ppt/slides/slide35.xml><?xml version="1.0" encoding="utf-8"?>
 <p:sld xmlns:a="http://schemas.openxmlformats.org/drawingml/2006/main" xmlns:r="http://schemas.openxmlformats.org/officeDocument/2006/relationships" xmlns:p="http://schemas.openxmlformats.org/presentationml/2006/main">
   <p:cSld>
     <p:spTree>
@@ -8958,14 +10048,14 @@
             <a:noFill/>
           </a:ln>
           <a:extLst>
-            <a:ext uri="{909E8E84-426E-40DD-AFC4-6F175D3DCCD1}">
+            <a:ext uri="{909E8E84-426E-40dd-AFC4-6F175D3DCCD1}">
               <a14:hiddenFill xmlns:a14="http://schemas.microsoft.com/office/drawing/2010/main">
                 <a:solidFill>
                   <a:schemeClr val="accent1"/>
                 </a:solidFill>
               </a14:hiddenFill>
             </a:ext>
-            <a:ext uri="{91240B29-F687-4F45-9708-019B960494DF}">
+            <a:ext uri="{91240B29-F687-4f45-9708-019B960494DF}">
               <a14:hiddenLine xmlns:a14="http://schemas.microsoft.com/office/drawing/2010/main" w="9525">
                 <a:solidFill>
                   <a:schemeClr val="tx1"/>
@@ -9033,14 +10123,14 @@
   <p:timing>
     <p:tnLst>
       <p:par>
-        <p:cTn id="1" dur="indefinite" restart="never" nodeType="tmRoot"/>
+        <p:cTn xmlns:p14="http://schemas.microsoft.com/office/powerpoint/2010/main" id="1" dur="indefinite" restart="never" nodeType="tmRoot"/>
       </p:par>
     </p:tnLst>
   </p:timing>
 </p:sld>
 </file>
 
-<file path=ppt/slides/slide32.xml><?xml version="1.0" encoding="utf-8"?>
+<file path=ppt/slides/slide36.xml><?xml version="1.0" encoding="utf-8"?>
 <p:sld xmlns:a="http://schemas.openxmlformats.org/drawingml/2006/main" xmlns:r="http://schemas.openxmlformats.org/officeDocument/2006/relationships" xmlns:p="http://schemas.openxmlformats.org/presentationml/2006/main">
   <p:cSld>
     <p:spTree>
@@ -9114,14 +10204,14 @@
             <a:noFill/>
           </a:ln>
           <a:extLst>
-            <a:ext uri="{909E8E84-426E-40DD-AFC4-6F175D3DCCD1}">
+            <a:ext uri="{909E8E84-426E-40dd-AFC4-6F175D3DCCD1}">
               <a14:hiddenFill xmlns:a14="http://schemas.microsoft.com/office/drawing/2010/main">
                 <a:solidFill>
                   <a:schemeClr val="accent1"/>
                 </a:solidFill>
               </a14:hiddenFill>
             </a:ext>
-            <a:ext uri="{91240B29-F687-4F45-9708-019B960494DF}">
+            <a:ext uri="{91240B29-F687-4f45-9708-019B960494DF}">
               <a14:hiddenLine xmlns:a14="http://schemas.microsoft.com/office/drawing/2010/main" w="9525">
                 <a:solidFill>
                   <a:schemeClr val="tx1"/>
@@ -9168,14 +10258,14 @@
             <a:noFill/>
           </a:ln>
           <a:extLst>
-            <a:ext uri="{909E8E84-426E-40DD-AFC4-6F175D3DCCD1}">
+            <a:ext uri="{909E8E84-426E-40dd-AFC4-6F175D3DCCD1}">
               <a14:hiddenFill xmlns:a14="http://schemas.microsoft.com/office/drawing/2010/main">
                 <a:solidFill>
                   <a:schemeClr val="accent1"/>
                 </a:solidFill>
               </a14:hiddenFill>
             </a:ext>
-            <a:ext uri="{91240B29-F687-4F45-9708-019B960494DF}">
+            <a:ext uri="{91240B29-F687-4f45-9708-019B960494DF}">
               <a14:hiddenLine xmlns:a14="http://schemas.microsoft.com/office/drawing/2010/main" w="9525">
                 <a:solidFill>
                   <a:schemeClr val="tx1"/>
@@ -9201,14 +10291,14 @@
   <p:timing>
     <p:tnLst>
       <p:par>
-        <p:cTn id="1" dur="indefinite" restart="never" nodeType="tmRoot"/>
+        <p:cTn xmlns:p14="http://schemas.microsoft.com/office/powerpoint/2010/main" id="1" dur="indefinite" restart="never" nodeType="tmRoot"/>
       </p:par>
     </p:tnLst>
   </p:timing>
 </p:sld>
 </file>
 
-<file path=ppt/slides/slide33.xml><?xml version="1.0" encoding="utf-8"?>
+<file path=ppt/slides/slide37.xml><?xml version="1.0" encoding="utf-8"?>
 <p:sld xmlns:a="http://schemas.openxmlformats.org/drawingml/2006/main" xmlns:r="http://schemas.openxmlformats.org/officeDocument/2006/relationships" xmlns:p="http://schemas.openxmlformats.org/presentationml/2006/main">
   <p:cSld>
     <p:spTree>
@@ -13279,14 +14369,14 @@
   <p:timing>
     <p:tnLst>
       <p:par>
-        <p:cTn id="1" dur="indefinite" restart="never" nodeType="tmRoot"/>
+        <p:cTn xmlns:p14="http://schemas.microsoft.com/office/powerpoint/2010/main" id="1" dur="indefinite" restart="never" nodeType="tmRoot"/>
       </p:par>
     </p:tnLst>
   </p:timing>
 </p:sld>
 </file>
 
-<file path=ppt/slides/slide34.xml><?xml version="1.0" encoding="utf-8"?>
+<file path=ppt/slides/slide38.xml><?xml version="1.0" encoding="utf-8"?>
 <p:sld xmlns:a="http://schemas.openxmlformats.org/drawingml/2006/main" xmlns:r="http://schemas.openxmlformats.org/officeDocument/2006/relationships" xmlns:p="http://schemas.openxmlformats.org/presentationml/2006/main">
   <p:cSld>
     <p:spTree>
@@ -13346,14 +14436,14 @@
   <p:timing>
     <p:tnLst>
       <p:par>
-        <p:cTn id="1" dur="indefinite" restart="never" nodeType="tmRoot"/>
+        <p:cTn xmlns:p14="http://schemas.microsoft.com/office/powerpoint/2010/main" id="1" dur="indefinite" restart="never" nodeType="tmRoot"/>
       </p:par>
     </p:tnLst>
   </p:timing>
 </p:sld>
 </file>
 
-<file path=ppt/slides/slide35.xml><?xml version="1.0" encoding="utf-8"?>
+<file path=ppt/slides/slide39.xml><?xml version="1.0" encoding="utf-8"?>
 <p:sld xmlns:a="http://schemas.openxmlformats.org/drawingml/2006/main" xmlns:r="http://schemas.openxmlformats.org/officeDocument/2006/relationships" xmlns:p="http://schemas.openxmlformats.org/presentationml/2006/main">
   <p:cSld>
     <p:spTree>
@@ -13493,14 +14583,14 @@
             <a:noFill/>
           </a:ln>
           <a:extLst>
-            <a:ext uri="{909E8E84-426E-40DD-AFC4-6F175D3DCCD1}">
+            <a:ext uri="{909E8E84-426E-40dd-AFC4-6F175D3DCCD1}">
               <a14:hiddenFill xmlns:a14="http://schemas.microsoft.com/office/drawing/2010/main">
                 <a:solidFill>
                   <a:schemeClr val="accent1"/>
                 </a:solidFill>
               </a14:hiddenFill>
             </a:ext>
-            <a:ext uri="{91240B29-F687-4F45-9708-019B960494DF}">
+            <a:ext uri="{91240B29-F687-4f45-9708-019B960494DF}">
               <a14:hiddenLine xmlns:a14="http://schemas.microsoft.com/office/drawing/2010/main" w="9525">
                 <a:solidFill>
                   <a:schemeClr val="tx1"/>
@@ -13526,7 +14616,7 @@
   <p:timing>
     <p:tnLst>
       <p:par>
-        <p:cTn id="1" dur="indefinite" restart="never" nodeType="tmRoot">
+        <p:cTn xmlns:p14="http://schemas.microsoft.com/office/powerpoint/2010/main" id="1" dur="indefinite" restart="never" nodeType="tmRoot">
           <p:childTnLst>
             <p:seq concurrent="1" nextAc="seek">
               <p:cTn id="2" dur="indefinite" nodeType="mainSeq">
@@ -13862,7 +14952,266 @@
 </p:sld>
 </file>
 
-<file path=ppt/slides/slide36.xml><?xml version="1.0" encoding="utf-8"?>
+<file path=ppt/slides/slide4.xml><?xml version="1.0" encoding="utf-8"?>
+<p:sld xmlns:a="http://schemas.openxmlformats.org/drawingml/2006/main" xmlns:r="http://schemas.openxmlformats.org/officeDocument/2006/relationships" xmlns:p="http://schemas.openxmlformats.org/presentationml/2006/main">
+  <p:cSld>
+    <p:spTree>
+      <p:nvGrpSpPr>
+        <p:cNvPr id="1" name=""/>
+        <p:cNvGrpSpPr/>
+        <p:nvPr/>
+      </p:nvGrpSpPr>
+      <p:grpSpPr>
+        <a:xfrm>
+          <a:off x="0" y="0"/>
+          <a:ext cx="0" cy="0"/>
+          <a:chOff x="0" y="0"/>
+          <a:chExt cx="0" cy="0"/>
+        </a:xfrm>
+      </p:grpSpPr>
+      <p:pic>
+        <p:nvPicPr>
+          <p:cNvPr id="1026" name="Picture 2"/>
+          <p:cNvPicPr>
+            <a:picLocks noChangeAspect="1" noChangeArrowheads="1"/>
+          </p:cNvPicPr>
+          <p:nvPr/>
+        </p:nvPicPr>
+        <p:blipFill>
+          <a:blip r:embed="rId3">
+            <a:extLst>
+              <a:ext uri="{28A0092B-C50C-407E-A947-70E740481C1C}">
+                <a14:useLocalDpi xmlns:a14="http://schemas.microsoft.com/office/drawing/2010/main" val="0"/>
+              </a:ext>
+            </a:extLst>
+          </a:blip>
+          <a:srcRect/>
+          <a:stretch>
+            <a:fillRect/>
+          </a:stretch>
+        </p:blipFill>
+        <p:spPr bwMode="auto">
+          <a:xfrm>
+            <a:off x="542259" y="188017"/>
+            <a:ext cx="3561908" cy="2907938"/>
+          </a:xfrm>
+          <a:prstGeom prst="rect">
+            <a:avLst/>
+          </a:prstGeom>
+          <a:noFill/>
+          <a:ln>
+            <a:noFill/>
+          </a:ln>
+          <a:extLst>
+            <a:ext uri="{909E8E84-426E-40dd-AFC4-6F175D3DCCD1}">
+              <a14:hiddenFill xmlns:a14="http://schemas.microsoft.com/office/drawing/2010/main">
+                <a:solidFill>
+                  <a:schemeClr val="accent1"/>
+                </a:solidFill>
+              </a14:hiddenFill>
+            </a:ext>
+            <a:ext uri="{91240B29-F687-4f45-9708-019B960494DF}">
+              <a14:hiddenLine xmlns:a14="http://schemas.microsoft.com/office/drawing/2010/main" w="9525">
+                <a:solidFill>
+                  <a:schemeClr val="tx1"/>
+                </a:solidFill>
+                <a:miter lim="800000"/>
+                <a:headEnd/>
+                <a:tailEnd/>
+              </a14:hiddenLine>
+            </a:ext>
+          </a:extLst>
+        </p:spPr>
+      </p:pic>
+      <p:pic>
+        <p:nvPicPr>
+          <p:cNvPr id="7" name="Picture 2"/>
+          <p:cNvPicPr>
+            <a:picLocks noChangeAspect="1" noChangeArrowheads="1"/>
+          </p:cNvPicPr>
+          <p:nvPr/>
+        </p:nvPicPr>
+        <p:blipFill>
+          <a:blip r:embed="rId4">
+            <a:extLst>
+              <a:ext uri="{28A0092B-C50C-407E-A947-70E740481C1C}">
+                <a14:useLocalDpi xmlns:a14="http://schemas.microsoft.com/office/drawing/2010/main" val="0"/>
+              </a:ext>
+            </a:extLst>
+          </a:blip>
+          <a:srcRect/>
+          <a:stretch>
+            <a:fillRect/>
+          </a:stretch>
+        </p:blipFill>
+        <p:spPr bwMode="auto">
+          <a:xfrm>
+            <a:off x="247992" y="3514039"/>
+            <a:ext cx="3848926" cy="2939924"/>
+          </a:xfrm>
+          <a:prstGeom prst="rect">
+            <a:avLst/>
+          </a:prstGeom>
+          <a:noFill/>
+          <a:ln>
+            <a:noFill/>
+          </a:ln>
+          <a:extLst>
+            <a:ext uri="{909E8E84-426E-40dd-AFC4-6F175D3DCCD1}">
+              <a14:hiddenFill xmlns:a14="http://schemas.microsoft.com/office/drawing/2010/main">
+                <a:solidFill>
+                  <a:schemeClr val="accent1"/>
+                </a:solidFill>
+              </a14:hiddenFill>
+            </a:ext>
+            <a:ext uri="{91240B29-F687-4f45-9708-019B960494DF}">
+              <a14:hiddenLine xmlns:a14="http://schemas.microsoft.com/office/drawing/2010/main" w="9525">
+                <a:solidFill>
+                  <a:schemeClr val="tx1"/>
+                </a:solidFill>
+                <a:miter lim="800000"/>
+                <a:headEnd/>
+                <a:tailEnd/>
+              </a14:hiddenLine>
+            </a:ext>
+          </a:extLst>
+        </p:spPr>
+      </p:pic>
+      <p:pic>
+        <p:nvPicPr>
+          <p:cNvPr id="8" name="Picture 3"/>
+          <p:cNvPicPr>
+            <a:picLocks noChangeAspect="1" noChangeArrowheads="1"/>
+          </p:cNvPicPr>
+          <p:nvPr/>
+        </p:nvPicPr>
+        <p:blipFill>
+          <a:blip r:embed="rId5">
+            <a:extLst>
+              <a:ext uri="{28A0092B-C50C-407E-A947-70E740481C1C}">
+                <a14:useLocalDpi xmlns:a14="http://schemas.microsoft.com/office/drawing/2010/main" val="0"/>
+              </a:ext>
+            </a:extLst>
+          </a:blip>
+          <a:srcRect/>
+          <a:stretch>
+            <a:fillRect/>
+          </a:stretch>
+        </p:blipFill>
+        <p:spPr bwMode="auto">
+          <a:xfrm>
+            <a:off x="4688955" y="92320"/>
+            <a:ext cx="4013604" cy="3165062"/>
+          </a:xfrm>
+          <a:prstGeom prst="rect">
+            <a:avLst/>
+          </a:prstGeom>
+          <a:noFill/>
+          <a:ln>
+            <a:noFill/>
+          </a:ln>
+          <a:extLst>
+            <a:ext uri="{909E8E84-426E-40dd-AFC4-6F175D3DCCD1}">
+              <a14:hiddenFill xmlns:a14="http://schemas.microsoft.com/office/drawing/2010/main">
+                <a:solidFill>
+                  <a:schemeClr val="accent1"/>
+                </a:solidFill>
+              </a14:hiddenFill>
+            </a:ext>
+            <a:ext uri="{91240B29-F687-4f45-9708-019B960494DF}">
+              <a14:hiddenLine xmlns:a14="http://schemas.microsoft.com/office/drawing/2010/main" w="9525">
+                <a:solidFill>
+                  <a:schemeClr val="tx1"/>
+                </a:solidFill>
+                <a:miter lim="800000"/>
+                <a:headEnd/>
+                <a:tailEnd/>
+              </a14:hiddenLine>
+            </a:ext>
+          </a:extLst>
+        </p:spPr>
+      </p:pic>
+      <p:pic>
+        <p:nvPicPr>
+          <p:cNvPr id="9" name="Picture 8"/>
+          <p:cNvPicPr>
+            <a:picLocks noChangeAspect="1"/>
+          </p:cNvPicPr>
+          <p:nvPr/>
+        </p:nvPicPr>
+        <p:blipFill>
+          <a:blip r:embed="rId6">
+            <a:extLst>
+              <a:ext uri="{28A0092B-C50C-407E-A947-70E740481C1C}">
+                <a14:useLocalDpi xmlns:a14="http://schemas.microsoft.com/office/drawing/2010/main" val="0"/>
+              </a:ext>
+            </a:extLst>
+          </a:blip>
+          <a:stretch>
+            <a:fillRect/>
+          </a:stretch>
+        </p:blipFill>
+        <p:spPr>
+          <a:xfrm>
+            <a:off x="5007925" y="3205843"/>
+            <a:ext cx="3657600" cy="3652157"/>
+          </a:xfrm>
+          <a:prstGeom prst="rect">
+            <a:avLst/>
+          </a:prstGeom>
+        </p:spPr>
+      </p:pic>
+      <p:sp>
+        <p:nvSpPr>
+          <p:cNvPr id="2" name="TextBox 1"/>
+          <p:cNvSpPr txBox="1"/>
+          <p:nvPr/>
+        </p:nvSpPr>
+        <p:spPr>
+          <a:xfrm>
+            <a:off x="3352800" y="3886200"/>
+            <a:ext cx="1442635" cy="369332"/>
+          </a:xfrm>
+          <a:prstGeom prst="rect">
+            <a:avLst/>
+          </a:prstGeom>
+          <a:noFill/>
+        </p:spPr>
+        <p:txBody>
+          <a:bodyPr wrap="none" rtlCol="0">
+            <a:spAutoFit/>
+          </a:bodyPr>
+          <a:lstStyle/>
+          <a:p>
+            <a:r>
+              <a:rPr lang="en-US" dirty="0" smtClean="0"/>
+              <a:t>Need fix here</a:t>
+            </a:r>
+            <a:endParaRPr lang="en-US" dirty="0"/>
+          </a:p>
+        </p:txBody>
+      </p:sp>
+    </p:spTree>
+    <p:extLst>
+      <p:ext uri="{BB962C8B-B14F-4D97-AF65-F5344CB8AC3E}">
+        <p14:creationId xmlns:p14="http://schemas.microsoft.com/office/powerpoint/2010/main" val="1566594564"/>
+      </p:ext>
+    </p:extLst>
+  </p:cSld>
+  <p:clrMapOvr>
+    <a:masterClrMapping/>
+  </p:clrMapOvr>
+  <p:timing>
+    <p:tnLst>
+      <p:par>
+        <p:cTn xmlns:p14="http://schemas.microsoft.com/office/powerpoint/2010/main" id="1" dur="indefinite" restart="never" nodeType="tmRoot"/>
+      </p:par>
+    </p:tnLst>
+  </p:timing>
+</p:sld>
+</file>
+
+<file path=ppt/slides/slide40.xml><?xml version="1.0" encoding="utf-8"?>
 <p:sld xmlns:a="http://schemas.openxmlformats.org/drawingml/2006/main" xmlns:r="http://schemas.openxmlformats.org/officeDocument/2006/relationships" xmlns:p="http://schemas.openxmlformats.org/presentationml/2006/main">
   <p:cSld>
     <p:spTree>
@@ -13922,14 +15271,14 @@
   <p:timing>
     <p:tnLst>
       <p:par>
-        <p:cTn id="1" dur="indefinite" restart="never" nodeType="tmRoot"/>
+        <p:cTn xmlns:p14="http://schemas.microsoft.com/office/powerpoint/2010/main" id="1" dur="indefinite" restart="never" nodeType="tmRoot"/>
       </p:par>
     </p:tnLst>
   </p:timing>
 </p:sld>
 </file>
 
-<file path=ppt/slides/slide37.xml><?xml version="1.0" encoding="utf-8"?>
+<file path=ppt/slides/slide41.xml><?xml version="1.0" encoding="utf-8"?>
 <p:sld xmlns:a="http://schemas.openxmlformats.org/drawingml/2006/main" xmlns:r="http://schemas.openxmlformats.org/officeDocument/2006/relationships" xmlns:p="http://schemas.openxmlformats.org/presentationml/2006/main">
   <p:cSld>
     <p:spTree>
@@ -14033,14 +15382,14 @@
             <a:noFill/>
           </a:ln>
           <a:extLst>
-            <a:ext uri="{909E8E84-426E-40DD-AFC4-6F175D3DCCD1}">
+            <a:ext uri="{909E8E84-426E-40dd-AFC4-6F175D3DCCD1}">
               <a14:hiddenFill xmlns:a14="http://schemas.microsoft.com/office/drawing/2010/main">
                 <a:solidFill>
                   <a:schemeClr val="accent1"/>
                 </a:solidFill>
               </a14:hiddenFill>
             </a:ext>
-            <a:ext uri="{91240B29-F687-4F45-9708-019B960494DF}">
+            <a:ext uri="{91240B29-F687-4f45-9708-019B960494DF}">
               <a14:hiddenLine xmlns:a14="http://schemas.microsoft.com/office/drawing/2010/main" w="9525">
                 <a:solidFill>
                   <a:schemeClr val="tx1"/>
@@ -14066,14 +15415,14 @@
   <p:timing>
     <p:tnLst>
       <p:par>
-        <p:cTn id="1" dur="indefinite" restart="never" nodeType="tmRoot"/>
+        <p:cTn xmlns:p14="http://schemas.microsoft.com/office/powerpoint/2010/main" id="1" dur="indefinite" restart="never" nodeType="tmRoot"/>
       </p:par>
     </p:tnLst>
   </p:timing>
 </p:sld>
 </file>
 
-<file path=ppt/slides/slide38.xml><?xml version="1.0" encoding="utf-8"?>
+<file path=ppt/slides/slide42.xml><?xml version="1.0" encoding="utf-8"?>
 <p:sld xmlns:a="http://schemas.openxmlformats.org/drawingml/2006/main" xmlns:r="http://schemas.openxmlformats.org/officeDocument/2006/relationships" xmlns:p="http://schemas.openxmlformats.org/presentationml/2006/main">
   <p:cSld>
     <p:spTree>
@@ -14184,14 +15533,14 @@
   <p:timing>
     <p:tnLst>
       <p:par>
-        <p:cTn id="1" dur="indefinite" restart="never" nodeType="tmRoot"/>
+        <p:cTn xmlns:p14="http://schemas.microsoft.com/office/powerpoint/2010/main" id="1" dur="indefinite" restart="never" nodeType="tmRoot"/>
       </p:par>
     </p:tnLst>
   </p:timing>
 </p:sld>
 </file>
 
-<file path=ppt/slides/slide39.xml><?xml version="1.0" encoding="utf-8"?>
+<file path=ppt/slides/slide43.xml><?xml version="1.0" encoding="utf-8"?>
 <p:sld xmlns:a="http://schemas.openxmlformats.org/drawingml/2006/main" xmlns:r="http://schemas.openxmlformats.org/officeDocument/2006/relationships" xmlns:p="http://schemas.openxmlformats.org/presentationml/2006/main">
   <p:cSld>
     <p:spTree>
@@ -14251,273 +15600,14 @@
   <p:timing>
     <p:tnLst>
       <p:par>
-        <p:cTn id="1" dur="indefinite" restart="never" nodeType="tmRoot"/>
+        <p:cTn xmlns:p14="http://schemas.microsoft.com/office/powerpoint/2010/main" id="1" dur="indefinite" restart="never" nodeType="tmRoot"/>
       </p:par>
     </p:tnLst>
   </p:timing>
 </p:sld>
 </file>
 
-<file path=ppt/slides/slide4.xml><?xml version="1.0" encoding="utf-8"?>
-<p:sld xmlns:a="http://schemas.openxmlformats.org/drawingml/2006/main" xmlns:r="http://schemas.openxmlformats.org/officeDocument/2006/relationships" xmlns:p="http://schemas.openxmlformats.org/presentationml/2006/main">
-  <p:cSld>
-    <p:spTree>
-      <p:nvGrpSpPr>
-        <p:cNvPr id="1" name=""/>
-        <p:cNvGrpSpPr/>
-        <p:nvPr/>
-      </p:nvGrpSpPr>
-      <p:grpSpPr>
-        <a:xfrm>
-          <a:off x="0" y="0"/>
-          <a:ext cx="0" cy="0"/>
-          <a:chOff x="0" y="0"/>
-          <a:chExt cx="0" cy="0"/>
-        </a:xfrm>
-      </p:grpSpPr>
-      <p:pic>
-        <p:nvPicPr>
-          <p:cNvPr id="1026" name="Picture 2"/>
-          <p:cNvPicPr>
-            <a:picLocks noChangeAspect="1" noChangeArrowheads="1"/>
-          </p:cNvPicPr>
-          <p:nvPr/>
-        </p:nvPicPr>
-        <p:blipFill>
-          <a:blip r:embed="rId3">
-            <a:extLst>
-              <a:ext uri="{28A0092B-C50C-407E-A947-70E740481C1C}">
-                <a14:useLocalDpi xmlns:a14="http://schemas.microsoft.com/office/drawing/2010/main" val="0"/>
-              </a:ext>
-            </a:extLst>
-          </a:blip>
-          <a:srcRect/>
-          <a:stretch>
-            <a:fillRect/>
-          </a:stretch>
-        </p:blipFill>
-        <p:spPr bwMode="auto">
-          <a:xfrm>
-            <a:off x="542259" y="188017"/>
-            <a:ext cx="3561908" cy="2907938"/>
-          </a:xfrm>
-          <a:prstGeom prst="rect">
-            <a:avLst/>
-          </a:prstGeom>
-          <a:noFill/>
-          <a:ln>
-            <a:noFill/>
-          </a:ln>
-          <a:extLst>
-            <a:ext uri="{909E8E84-426E-40DD-AFC4-6F175D3DCCD1}">
-              <a14:hiddenFill xmlns:a14="http://schemas.microsoft.com/office/drawing/2010/main">
-                <a:solidFill>
-                  <a:schemeClr val="accent1"/>
-                </a:solidFill>
-              </a14:hiddenFill>
-            </a:ext>
-            <a:ext uri="{91240B29-F687-4F45-9708-019B960494DF}">
-              <a14:hiddenLine xmlns:a14="http://schemas.microsoft.com/office/drawing/2010/main" w="9525">
-                <a:solidFill>
-                  <a:schemeClr val="tx1"/>
-                </a:solidFill>
-                <a:miter lim="800000"/>
-                <a:headEnd/>
-                <a:tailEnd/>
-              </a14:hiddenLine>
-            </a:ext>
-          </a:extLst>
-        </p:spPr>
-      </p:pic>
-      <p:pic>
-        <p:nvPicPr>
-          <p:cNvPr id="7" name="Picture 2"/>
-          <p:cNvPicPr>
-            <a:picLocks noChangeAspect="1" noChangeArrowheads="1"/>
-          </p:cNvPicPr>
-          <p:nvPr/>
-        </p:nvPicPr>
-        <p:blipFill>
-          <a:blip r:embed="rId4">
-            <a:extLst>
-              <a:ext uri="{28A0092B-C50C-407E-A947-70E740481C1C}">
-                <a14:useLocalDpi xmlns:a14="http://schemas.microsoft.com/office/drawing/2010/main" val="0"/>
-              </a:ext>
-            </a:extLst>
-          </a:blip>
-          <a:srcRect/>
-          <a:stretch>
-            <a:fillRect/>
-          </a:stretch>
-        </p:blipFill>
-        <p:spPr bwMode="auto">
-          <a:xfrm>
-            <a:off x="247992" y="3514039"/>
-            <a:ext cx="3848926" cy="2939924"/>
-          </a:xfrm>
-          <a:prstGeom prst="rect">
-            <a:avLst/>
-          </a:prstGeom>
-          <a:noFill/>
-          <a:ln>
-            <a:noFill/>
-          </a:ln>
-          <a:extLst>
-            <a:ext uri="{909E8E84-426E-40DD-AFC4-6F175D3DCCD1}">
-              <a14:hiddenFill xmlns:a14="http://schemas.microsoft.com/office/drawing/2010/main">
-                <a:solidFill>
-                  <a:schemeClr val="accent1"/>
-                </a:solidFill>
-              </a14:hiddenFill>
-            </a:ext>
-            <a:ext uri="{91240B29-F687-4F45-9708-019B960494DF}">
-              <a14:hiddenLine xmlns:a14="http://schemas.microsoft.com/office/drawing/2010/main" w="9525">
-                <a:solidFill>
-                  <a:schemeClr val="tx1"/>
-                </a:solidFill>
-                <a:miter lim="800000"/>
-                <a:headEnd/>
-                <a:tailEnd/>
-              </a14:hiddenLine>
-            </a:ext>
-          </a:extLst>
-        </p:spPr>
-      </p:pic>
-      <p:pic>
-        <p:nvPicPr>
-          <p:cNvPr id="8" name="Picture 3"/>
-          <p:cNvPicPr>
-            <a:picLocks noChangeAspect="1" noChangeArrowheads="1"/>
-          </p:cNvPicPr>
-          <p:nvPr/>
-        </p:nvPicPr>
-        <p:blipFill>
-          <a:blip r:embed="rId5">
-            <a:extLst>
-              <a:ext uri="{28A0092B-C50C-407E-A947-70E740481C1C}">
-                <a14:useLocalDpi xmlns:a14="http://schemas.microsoft.com/office/drawing/2010/main" val="0"/>
-              </a:ext>
-            </a:extLst>
-          </a:blip>
-          <a:srcRect/>
-          <a:stretch>
-            <a:fillRect/>
-          </a:stretch>
-        </p:blipFill>
-        <p:spPr bwMode="auto">
-          <a:xfrm>
-            <a:off x="4688955" y="92320"/>
-            <a:ext cx="4013604" cy="3165062"/>
-          </a:xfrm>
-          <a:prstGeom prst="rect">
-            <a:avLst/>
-          </a:prstGeom>
-          <a:noFill/>
-          <a:ln>
-            <a:noFill/>
-          </a:ln>
-          <a:extLst>
-            <a:ext uri="{909E8E84-426E-40DD-AFC4-6F175D3DCCD1}">
-              <a14:hiddenFill xmlns:a14="http://schemas.microsoft.com/office/drawing/2010/main">
-                <a:solidFill>
-                  <a:schemeClr val="accent1"/>
-                </a:solidFill>
-              </a14:hiddenFill>
-            </a:ext>
-            <a:ext uri="{91240B29-F687-4F45-9708-019B960494DF}">
-              <a14:hiddenLine xmlns:a14="http://schemas.microsoft.com/office/drawing/2010/main" w="9525">
-                <a:solidFill>
-                  <a:schemeClr val="tx1"/>
-                </a:solidFill>
-                <a:miter lim="800000"/>
-                <a:headEnd/>
-                <a:tailEnd/>
-              </a14:hiddenLine>
-            </a:ext>
-          </a:extLst>
-        </p:spPr>
-      </p:pic>
-      <p:pic>
-        <p:nvPicPr>
-          <p:cNvPr id="9" name="Picture 8"/>
-          <p:cNvPicPr>
-            <a:picLocks noChangeAspect="1"/>
-          </p:cNvPicPr>
-          <p:nvPr/>
-        </p:nvPicPr>
-        <p:blipFill>
-          <a:blip r:embed="rId6">
-            <a:extLst>
-              <a:ext uri="{28A0092B-C50C-407E-A947-70E740481C1C}">
-                <a14:useLocalDpi xmlns:a14="http://schemas.microsoft.com/office/drawing/2010/main" val="0"/>
-              </a:ext>
-            </a:extLst>
-          </a:blip>
-          <a:stretch>
-            <a:fillRect/>
-          </a:stretch>
-        </p:blipFill>
-        <p:spPr>
-          <a:xfrm>
-            <a:off x="5007925" y="3205843"/>
-            <a:ext cx="3657600" cy="3652157"/>
-          </a:xfrm>
-          <a:prstGeom prst="rect">
-            <a:avLst/>
-          </a:prstGeom>
-        </p:spPr>
-      </p:pic>
-      <p:sp>
-        <p:nvSpPr>
-          <p:cNvPr id="2" name="TextBox 1"/>
-          <p:cNvSpPr txBox="1"/>
-          <p:nvPr/>
-        </p:nvSpPr>
-        <p:spPr>
-          <a:xfrm>
-            <a:off x="3352800" y="3886200"/>
-            <a:ext cx="1442635" cy="369332"/>
-          </a:xfrm>
-          <a:prstGeom prst="rect">
-            <a:avLst/>
-          </a:prstGeom>
-          <a:noFill/>
-        </p:spPr>
-        <p:txBody>
-          <a:bodyPr wrap="none" rtlCol="0">
-            <a:spAutoFit/>
-          </a:bodyPr>
-          <a:lstStyle/>
-          <a:p>
-            <a:r>
-              <a:rPr lang="en-US" dirty="0" smtClean="0"/>
-              <a:t>Need fix here</a:t>
-            </a:r>
-            <a:endParaRPr lang="en-US" dirty="0"/>
-          </a:p>
-        </p:txBody>
-      </p:sp>
-    </p:spTree>
-    <p:extLst>
-      <p:ext uri="{BB962C8B-B14F-4D97-AF65-F5344CB8AC3E}">
-        <p14:creationId xmlns:p14="http://schemas.microsoft.com/office/powerpoint/2010/main" val="1566594564"/>
-      </p:ext>
-    </p:extLst>
-  </p:cSld>
-  <p:clrMapOvr>
-    <a:masterClrMapping/>
-  </p:clrMapOvr>
-  <p:timing>
-    <p:tnLst>
-      <p:par>
-        <p:cTn id="1" dur="indefinite" restart="never" nodeType="tmRoot"/>
-      </p:par>
-    </p:tnLst>
-  </p:timing>
-</p:sld>
-</file>
-
-<file path=ppt/slides/slide40.xml><?xml version="1.0" encoding="utf-8"?>
+<file path=ppt/slides/slide44.xml><?xml version="1.0" encoding="utf-8"?>
 <p:sld xmlns:a="http://schemas.openxmlformats.org/drawingml/2006/main" xmlns:r="http://schemas.openxmlformats.org/officeDocument/2006/relationships" xmlns:p="http://schemas.openxmlformats.org/presentationml/2006/main">
   <p:cSld>
     <p:spTree>
@@ -14577,14 +15667,14 @@
   <p:timing>
     <p:tnLst>
       <p:par>
-        <p:cTn id="1" dur="indefinite" restart="never" nodeType="tmRoot"/>
+        <p:cTn xmlns:p14="http://schemas.microsoft.com/office/powerpoint/2010/main" id="1" dur="indefinite" restart="never" nodeType="tmRoot"/>
       </p:par>
     </p:tnLst>
   </p:timing>
 </p:sld>
 </file>
 
-<file path=ppt/slides/slide41.xml><?xml version="1.0" encoding="utf-8"?>
+<file path=ppt/slides/slide45.xml><?xml version="1.0" encoding="utf-8"?>
 <p:sld xmlns:a="http://schemas.openxmlformats.org/drawingml/2006/main" xmlns:r="http://schemas.openxmlformats.org/officeDocument/2006/relationships" xmlns:p="http://schemas.openxmlformats.org/presentationml/2006/main">
   <p:cSld>
     <p:spTree>
@@ -14699,14 +15789,14 @@
   <p:timing>
     <p:tnLst>
       <p:par>
-        <p:cTn id="1" dur="indefinite" restart="never" nodeType="tmRoot"/>
+        <p:cTn xmlns:p14="http://schemas.microsoft.com/office/powerpoint/2010/main" id="1" dur="indefinite" restart="never" nodeType="tmRoot"/>
       </p:par>
     </p:tnLst>
   </p:timing>
 </p:sld>
 </file>
 
-<file path=ppt/slides/slide42.xml><?xml version="1.0" encoding="utf-8"?>
+<file path=ppt/slides/slide46.xml><?xml version="1.0" encoding="utf-8"?>
 <p:sld xmlns:a="http://schemas.openxmlformats.org/drawingml/2006/main" xmlns:r="http://schemas.openxmlformats.org/officeDocument/2006/relationships" xmlns:p="http://schemas.openxmlformats.org/presentationml/2006/main">
   <p:cSld>
     <p:spTree>
@@ -14838,14 +15928,14 @@
   <p:timing>
     <p:tnLst>
       <p:par>
-        <p:cTn id="1" dur="indefinite" restart="never" nodeType="tmRoot"/>
+        <p:cTn xmlns:p14="http://schemas.microsoft.com/office/powerpoint/2010/main" id="1" dur="indefinite" restart="never" nodeType="tmRoot"/>
       </p:par>
     </p:tnLst>
   </p:timing>
 </p:sld>
 </file>
 
-<file path=ppt/slides/slide43.xml><?xml version="1.0" encoding="utf-8"?>
+<file path=ppt/slides/slide47.xml><?xml version="1.0" encoding="utf-8"?>
 <p:sld xmlns:a="http://schemas.openxmlformats.org/drawingml/2006/main" xmlns:r="http://schemas.openxmlformats.org/officeDocument/2006/relationships" xmlns:p="http://schemas.openxmlformats.org/presentationml/2006/main">
   <p:cSld>
     <p:spTree>
@@ -14965,7 +16055,7 @@
             </a:prstGeom>
             <a:noFill/>
             <a:extLst>
-              <a:ext uri="{909E8E84-426E-40DD-AFC4-6F175D3DCCD1}">
+              <a:ext uri="{909E8E84-426E-40dd-AFC4-6F175D3DCCD1}">
                 <a14:hiddenFill xmlns:a14="http://schemas.microsoft.com/office/drawing/2010/main">
                   <a:solidFill>
                     <a:srgbClr val="FFFFFF"/>
@@ -15148,7 +16238,7 @@
             </a:prstGeom>
             <a:noFill/>
             <a:extLst>
-              <a:ext uri="{909E8E84-426E-40DD-AFC4-6F175D3DCCD1}">
+              <a:ext uri="{909E8E84-426E-40dd-AFC4-6F175D3DCCD1}">
                 <a14:hiddenFill xmlns:a14="http://schemas.microsoft.com/office/drawing/2010/main">
                   <a:solidFill>
                     <a:srgbClr val="FFFFFF"/>
@@ -15189,7 +16279,7 @@
             </a:prstGeom>
             <a:noFill/>
             <a:extLst>
-              <a:ext uri="{909E8E84-426E-40DD-AFC4-6F175D3DCCD1}">
+              <a:ext uri="{909E8E84-426E-40dd-AFC4-6F175D3DCCD1}">
                 <a14:hiddenFill xmlns:a14="http://schemas.microsoft.com/office/drawing/2010/main">
                   <a:solidFill>
                     <a:srgbClr val="FFFFFF"/>
@@ -15277,14 +16367,14 @@
                 <a:noFill/>
               </a:ln>
               <a:extLst>
-                <a:ext uri="{909E8E84-426E-40DD-AFC4-6F175D3DCCD1}">
+                <a:ext uri="{909E8E84-426E-40dd-AFC4-6F175D3DCCD1}">
                   <a14:hiddenFill xmlns:a14="http://schemas.microsoft.com/office/drawing/2010/main">
                     <a:solidFill>
                       <a:schemeClr val="accent1"/>
                     </a:solidFill>
                   </a14:hiddenFill>
                 </a:ext>
-                <a:ext uri="{91240B29-F687-4F45-9708-019B960494DF}">
+                <a:ext uri="{91240B29-F687-4f45-9708-019B960494DF}">
                   <a14:hiddenLine xmlns:a14="http://schemas.microsoft.com/office/drawing/2010/main" w="9525">
                     <a:solidFill>
                       <a:schemeClr val="tx1"/>
@@ -15404,7 +16494,7 @@
 </p:sld>
 </file>
 
-<file path=ppt/slides/slide44.xml><?xml version="1.0" encoding="utf-8"?>
+<file path=ppt/slides/slide48.xml><?xml version="1.0" encoding="utf-8"?>
 <p:sld xmlns:a="http://schemas.openxmlformats.org/drawingml/2006/main" xmlns:r="http://schemas.openxmlformats.org/officeDocument/2006/relationships" xmlns:p="http://schemas.openxmlformats.org/presentationml/2006/main">
   <p:cSld>
     <p:spTree>
@@ -15464,14 +16554,14 @@
   <p:timing>
     <p:tnLst>
       <p:par>
-        <p:cTn id="1" dur="indefinite" restart="never" nodeType="tmRoot"/>
+        <p:cTn xmlns:p14="http://schemas.microsoft.com/office/powerpoint/2010/main" id="1" dur="indefinite" restart="never" nodeType="tmRoot"/>
       </p:par>
     </p:tnLst>
   </p:timing>
 </p:sld>
 </file>
 
-<file path=ppt/slides/slide45.xml><?xml version="1.0" encoding="utf-8"?>
+<file path=ppt/slides/slide49.xml><?xml version="1.0" encoding="utf-8"?>
 <p:sld xmlns:a="http://schemas.openxmlformats.org/drawingml/2006/main" xmlns:r="http://schemas.openxmlformats.org/officeDocument/2006/relationships" xmlns:p="http://schemas.openxmlformats.org/presentationml/2006/main">
   <p:cSld>
     <p:spTree>
@@ -15531,14 +16621,593 @@
   <p:timing>
     <p:tnLst>
       <p:par>
-        <p:cTn id="1" dur="indefinite" restart="never" nodeType="tmRoot"/>
+        <p:cTn xmlns:p14="http://schemas.microsoft.com/office/powerpoint/2010/main" id="1" dur="indefinite" restart="never" nodeType="tmRoot"/>
       </p:par>
     </p:tnLst>
   </p:timing>
 </p:sld>
 </file>
 
-<file path=ppt/slides/slide46.xml><?xml version="1.0" encoding="utf-8"?>
+<file path=ppt/slides/slide5.xml><?xml version="1.0" encoding="utf-8"?>
+<p:sld xmlns:a="http://schemas.openxmlformats.org/drawingml/2006/main" xmlns:r="http://schemas.openxmlformats.org/officeDocument/2006/relationships" xmlns:p="http://schemas.openxmlformats.org/presentationml/2006/main">
+  <p:cSld>
+    <p:spTree>
+      <p:nvGrpSpPr>
+        <p:cNvPr id="1" name=""/>
+        <p:cNvGrpSpPr/>
+        <p:nvPr/>
+      </p:nvGrpSpPr>
+      <p:grpSpPr>
+        <a:xfrm>
+          <a:off x="0" y="0"/>
+          <a:ext cx="0" cy="0"/>
+          <a:chOff x="0" y="0"/>
+          <a:chExt cx="0" cy="0"/>
+        </a:xfrm>
+      </p:grpSpPr>
+      <p:sp>
+        <p:nvSpPr>
+          <p:cNvPr id="2" name="Title 1"/>
+          <p:cNvSpPr>
+            <a:spLocks noGrp="1"/>
+          </p:cNvSpPr>
+          <p:nvPr>
+            <p:ph type="title"/>
+          </p:nvPr>
+        </p:nvSpPr>
+        <p:spPr/>
+        <p:txBody>
+          <a:bodyPr/>
+          <a:lstStyle/>
+          <a:p>
+            <a:r>
+              <a:rPr lang="en-US" dirty="0" smtClean="0"/>
+              <a:t>Kernel density estimation</a:t>
+            </a:r>
+            <a:endParaRPr lang="en-US" dirty="0"/>
+          </a:p>
+        </p:txBody>
+      </p:sp>
+      <p:sp>
+        <p:nvSpPr>
+          <p:cNvPr id="3" name="Content Placeholder 2"/>
+          <p:cNvSpPr>
+            <a:spLocks noGrp="1"/>
+          </p:cNvSpPr>
+          <p:nvPr>
+            <p:ph idx="1"/>
+          </p:nvPr>
+        </p:nvSpPr>
+        <p:spPr/>
+        <p:txBody>
+          <a:bodyPr>
+            <a:normAutofit fontScale="77500" lnSpcReduction="20000"/>
+          </a:bodyPr>
+          <a:lstStyle/>
+          <a:p>
+            <a:pPr marL="0" indent="0">
+              <a:buNone/>
+            </a:pPr>
+            <a:endParaRPr lang="en-US" dirty="0"/>
+          </a:p>
+          <a:p>
+            <a:r>
+              <a:rPr lang="en-US" dirty="0" smtClean="0"/>
+              <a:t>Getting </a:t>
+            </a:r>
+            <a:r>
+              <a:rPr lang="en-US" dirty="0"/>
+              <a:t>the estimated probability density function for unknown random </a:t>
+            </a:r>
+            <a:r>
+              <a:rPr lang="en-US" dirty="0" smtClean="0"/>
+              <a:t>variable</a:t>
+            </a:r>
+          </a:p>
+          <a:p>
+            <a:endParaRPr lang="en-US" dirty="0"/>
+          </a:p>
+          <a:p>
+            <a:endParaRPr lang="en-US" dirty="0" smtClean="0"/>
+          </a:p>
+          <a:p>
+            <a:r>
+              <a:rPr lang="en-US" dirty="0" smtClean="0"/>
+              <a:t>Where K(.) is the kernel normally</a:t>
+            </a:r>
+          </a:p>
+          <a:p>
+            <a:pPr lvl="1"/>
+            <a:r>
+              <a:rPr lang="en-US" dirty="0" smtClean="0"/>
+              <a:t>Uniform</a:t>
+            </a:r>
+          </a:p>
+          <a:p>
+            <a:pPr lvl="1"/>
+            <a:r>
+              <a:rPr lang="en-US" dirty="0" smtClean="0"/>
+              <a:t>Triangular</a:t>
+            </a:r>
+          </a:p>
+          <a:p>
+            <a:pPr lvl="1"/>
+            <a:r>
+              <a:rPr lang="en-US" dirty="0" smtClean="0"/>
+              <a:t>Normal</a:t>
+            </a:r>
+          </a:p>
+          <a:p>
+            <a:pPr lvl="1"/>
+            <a:r>
+              <a:rPr lang="en-US" dirty="0" smtClean="0"/>
+              <a:t>Etc.</a:t>
+            </a:r>
+          </a:p>
+          <a:p>
+            <a:r>
+              <a:rPr lang="en-US" dirty="0"/>
+              <a:t>Standard normal was used as the kernel</a:t>
+            </a:r>
+          </a:p>
+          <a:p>
+            <a:r>
+              <a:rPr lang="en-US" dirty="0" smtClean="0"/>
+              <a:t>Smoothing approach</a:t>
+            </a:r>
+            <a:endParaRPr lang="en-US" dirty="0"/>
+          </a:p>
+        </p:txBody>
+      </p:sp>
+      <mc:AlternateContent xmlns:mc="http://schemas.openxmlformats.org/markup-compatibility/2006" xmlns:a14="http://schemas.microsoft.com/office/drawing/2010/main">
+        <mc:Choice Requires="a14">
+          <p:sp>
+            <p:nvSpPr>
+              <p:cNvPr id="4" name="TextBox 3"/>
+              <p:cNvSpPr txBox="1"/>
+              <p:nvPr/>
+            </p:nvSpPr>
+            <p:spPr>
+              <a:xfrm>
+                <a:off x="1804219" y="2743200"/>
+                <a:ext cx="4529510" cy="506870"/>
+              </a:xfrm>
+              <a:prstGeom prst="rect">
+                <a:avLst/>
+              </a:prstGeom>
+              <a:noFill/>
+            </p:spPr>
+            <p:txBody>
+              <a:bodyPr wrap="none" rtlCol="0">
+                <a:spAutoFit/>
+              </a:bodyPr>
+              <a:lstStyle/>
+              <a:p>
+                <a14:m>
+                  <m:oMath xmlns:m="http://schemas.openxmlformats.org/officeDocument/2006/math" xmlns="">
+                    <m:acc>
+                      <m:accPr>
+                        <m:chr m:val="̂"/>
+                        <m:ctrlPr>
+                          <a:rPr lang="pt-BR" i="1" smtClean="0">
+                            <a:latin typeface="Cambria Math"/>
+                          </a:rPr>
+                        </m:ctrlPr>
+                      </m:accPr>
+                      <m:e>
+                        <m:sSub>
+                          <m:sSubPr>
+                            <m:ctrlPr>
+                              <a:rPr lang="en-US" b="0" i="1" smtClean="0">
+                                <a:latin typeface="Cambria Math"/>
+                              </a:rPr>
+                            </m:ctrlPr>
+                          </m:sSubPr>
+                          <m:e>
+                            <m:r>
+                              <a:rPr lang="en-US" b="0" i="1" smtClean="0">
+                                <a:latin typeface="Cambria Math"/>
+                              </a:rPr>
+                              <m:t>𝑓</m:t>
+                            </m:r>
+                          </m:e>
+                          <m:sub>
+                            <m:r>
+                              <a:rPr lang="en-US" b="0" i="1" smtClean="0">
+                                <a:latin typeface="Cambria Math"/>
+                              </a:rPr>
+                              <m:t>h</m:t>
+                            </m:r>
+                          </m:sub>
+                        </m:sSub>
+                      </m:e>
+                    </m:acc>
+                    <m:d>
+                      <m:dPr>
+                        <m:ctrlPr>
+                          <a:rPr lang="pt-BR" i="1" smtClean="0">
+                            <a:latin typeface="Cambria Math"/>
+                          </a:rPr>
+                        </m:ctrlPr>
+                      </m:dPr>
+                      <m:e>
+                        <m:r>
+                          <a:rPr lang="pt-BR" i="1" smtClean="0">
+                            <a:latin typeface="Cambria Math"/>
+                          </a:rPr>
+                          <m:t>𝑥</m:t>
+                        </m:r>
+                      </m:e>
+                    </m:d>
+                    <m:r>
+                      <a:rPr lang="pt-BR" i="1" smtClean="0">
+                        <a:latin typeface="Cambria Math"/>
+                      </a:rPr>
+                      <m:t>=</m:t>
+                    </m:r>
+                    <m:f>
+                      <m:fPr>
+                        <m:ctrlPr>
+                          <a:rPr lang="pt-BR" i="1" smtClean="0">
+                            <a:latin typeface="Cambria Math"/>
+                          </a:rPr>
+                        </m:ctrlPr>
+                      </m:fPr>
+                      <m:num>
+                        <m:r>
+                          <a:rPr lang="en-US" b="0" i="1" smtClean="0">
+                            <a:latin typeface="Cambria Math"/>
+                          </a:rPr>
+                          <m:t>1</m:t>
+                        </m:r>
+                      </m:num>
+                      <m:den>
+                        <m:r>
+                          <a:rPr lang="en-US" b="0" i="1" smtClean="0">
+                            <a:latin typeface="Cambria Math"/>
+                          </a:rPr>
+                          <m:t>𝑛</m:t>
+                        </m:r>
+                      </m:den>
+                    </m:f>
+                    <m:nary>
+                      <m:naryPr>
+                        <m:chr m:val="∑"/>
+                        <m:ctrlPr>
+                          <a:rPr lang="pt-BR" i="1" smtClean="0">
+                            <a:latin typeface="Cambria Math"/>
+                          </a:rPr>
+                        </m:ctrlPr>
+                      </m:naryPr>
+                      <m:sub>
+                        <m:r>
+                          <m:rPr>
+                            <m:brk m:alnAt="23"/>
+                          </m:rPr>
+                          <a:rPr lang="en-US" b="0" i="1" smtClean="0">
+                            <a:latin typeface="Cambria Math"/>
+                          </a:rPr>
+                          <m:t>𝑖</m:t>
+                        </m:r>
+                        <m:r>
+                          <a:rPr lang="pt-BR" i="1" smtClean="0">
+                            <a:latin typeface="Cambria Math"/>
+                          </a:rPr>
+                          <m:t>=1</m:t>
+                        </m:r>
+                      </m:sub>
+                      <m:sup>
+                        <m:r>
+                          <a:rPr lang="en-US" b="0" i="1" smtClean="0">
+                            <a:latin typeface="Cambria Math"/>
+                          </a:rPr>
+                          <m:t>𝑛</m:t>
+                        </m:r>
+                      </m:sup>
+                      <m:e>
+                        <m:sSub>
+                          <m:sSubPr>
+                            <m:ctrlPr>
+                              <a:rPr lang="pt-BR" i="1" smtClean="0">
+                                <a:latin typeface="Cambria Math"/>
+                              </a:rPr>
+                            </m:ctrlPr>
+                          </m:sSubPr>
+                          <m:e>
+                            <m:r>
+                              <a:rPr lang="en-US" b="0" i="1" smtClean="0">
+                                <a:latin typeface="Cambria Math"/>
+                              </a:rPr>
+                              <m:t>𝐾</m:t>
+                            </m:r>
+                          </m:e>
+                          <m:sub>
+                            <m:r>
+                              <a:rPr lang="en-US" b="0" i="1" smtClean="0">
+                                <a:latin typeface="Cambria Math"/>
+                              </a:rPr>
+                              <m:t>h</m:t>
+                            </m:r>
+                          </m:sub>
+                        </m:sSub>
+                        <m:d>
+                          <m:dPr>
+                            <m:ctrlPr>
+                              <a:rPr lang="pt-BR" i="1" smtClean="0">
+                                <a:latin typeface="Cambria Math"/>
+                              </a:rPr>
+                            </m:ctrlPr>
+                          </m:dPr>
+                          <m:e>
+                            <m:sSub>
+                              <m:sSubPr>
+                                <m:ctrlPr>
+                                  <a:rPr lang="pt-BR" i="1" smtClean="0">
+                                    <a:latin typeface="Cambria Math"/>
+                                  </a:rPr>
+                                </m:ctrlPr>
+                              </m:sSubPr>
+                              <m:e>
+                                <m:r>
+                                  <a:rPr lang="en-US" b="0" i="1" smtClean="0">
+                                    <a:latin typeface="Cambria Math"/>
+                                  </a:rPr>
+                                  <m:t>𝑥</m:t>
+                                </m:r>
+                                <m:r>
+                                  <a:rPr lang="en-US" b="0" i="1" smtClean="0">
+                                    <a:latin typeface="Cambria Math"/>
+                                  </a:rPr>
+                                  <m:t>−</m:t>
+                                </m:r>
+                                <m:r>
+                                  <a:rPr lang="en-US" b="0" i="1" smtClean="0">
+                                    <a:latin typeface="Cambria Math"/>
+                                  </a:rPr>
+                                  <m:t>𝑥</m:t>
+                                </m:r>
+                              </m:e>
+                              <m:sub>
+                                <m:r>
+                                  <a:rPr lang="en-US" b="0" i="1" smtClean="0">
+                                    <a:latin typeface="Cambria Math"/>
+                                  </a:rPr>
+                                  <m:t>𝑖</m:t>
+                                </m:r>
+                              </m:sub>
+                            </m:sSub>
+                          </m:e>
+                        </m:d>
+                      </m:e>
+                    </m:nary>
+                  </m:oMath>
+                </a14:m>
+                <a:r>
+                  <a:rPr lang="en-US" dirty="0" smtClean="0"/>
+                  <a:t>= </a:t>
+                </a:r>
+                <a14:m>
+                  <m:oMath xmlns:m="http://schemas.openxmlformats.org/officeDocument/2006/math" xmlns="">
+                    <m:f>
+                      <m:fPr>
+                        <m:ctrlPr>
+                          <a:rPr lang="pt-BR" i="1">
+                            <a:latin typeface="Cambria Math"/>
+                          </a:rPr>
+                        </m:ctrlPr>
+                      </m:fPr>
+                      <m:num>
+                        <m:r>
+                          <a:rPr lang="en-US" i="1">
+                            <a:latin typeface="Cambria Math"/>
+                          </a:rPr>
+                          <m:t>1</m:t>
+                        </m:r>
+                      </m:num>
+                      <m:den>
+                        <m:r>
+                          <a:rPr lang="en-US" i="1">
+                            <a:latin typeface="Cambria Math"/>
+                          </a:rPr>
+                          <m:t>𝑛</m:t>
+                        </m:r>
+                        <m:r>
+                          <a:rPr lang="en-US" b="0" i="1" smtClean="0">
+                            <a:latin typeface="Cambria Math"/>
+                          </a:rPr>
+                          <m:t>h</m:t>
+                        </m:r>
+                      </m:den>
+                    </m:f>
+                    <m:nary>
+                      <m:naryPr>
+                        <m:chr m:val="∑"/>
+                        <m:ctrlPr>
+                          <a:rPr lang="pt-BR" i="1">
+                            <a:latin typeface="Cambria Math"/>
+                          </a:rPr>
+                        </m:ctrlPr>
+                      </m:naryPr>
+                      <m:sub>
+                        <m:r>
+                          <m:rPr>
+                            <m:brk m:alnAt="23"/>
+                          </m:rPr>
+                          <a:rPr lang="en-US" i="1">
+                            <a:latin typeface="Cambria Math"/>
+                          </a:rPr>
+                          <m:t>𝑖</m:t>
+                        </m:r>
+                        <m:r>
+                          <a:rPr lang="pt-BR" i="1">
+                            <a:latin typeface="Cambria Math"/>
+                          </a:rPr>
+                          <m:t>=1</m:t>
+                        </m:r>
+                      </m:sub>
+                      <m:sup>
+                        <m:r>
+                          <a:rPr lang="en-US" i="1">
+                            <a:latin typeface="Cambria Math"/>
+                          </a:rPr>
+                          <m:t>𝑛</m:t>
+                        </m:r>
+                      </m:sup>
+                      <m:e>
+                        <m:sSub>
+                          <m:sSubPr>
+                            <m:ctrlPr>
+                              <a:rPr lang="pt-BR" i="1">
+                                <a:latin typeface="Cambria Math"/>
+                              </a:rPr>
+                            </m:ctrlPr>
+                          </m:sSubPr>
+                          <m:e>
+                            <m:r>
+                              <a:rPr lang="en-US" i="1">
+                                <a:latin typeface="Cambria Math"/>
+                              </a:rPr>
+                              <m:t>𝐾</m:t>
+                            </m:r>
+                          </m:e>
+                          <m:sub>
+                            <m:r>
+                              <a:rPr lang="en-US" i="1">
+                                <a:latin typeface="Cambria Math"/>
+                              </a:rPr>
+                              <m:t>h</m:t>
+                            </m:r>
+                          </m:sub>
+                        </m:sSub>
+                        <m:d>
+                          <m:dPr>
+                            <m:ctrlPr>
+                              <a:rPr lang="pt-BR" i="1">
+                                <a:latin typeface="Cambria Math"/>
+                              </a:rPr>
+                            </m:ctrlPr>
+                          </m:dPr>
+                          <m:e>
+                            <m:f>
+                              <m:fPr>
+                                <m:ctrlPr>
+                                  <a:rPr lang="pt-BR" i="1" smtClean="0">
+                                    <a:latin typeface="Cambria Math"/>
+                                  </a:rPr>
+                                </m:ctrlPr>
+                              </m:fPr>
+                              <m:num>
+                                <m:sSub>
+                                  <m:sSubPr>
+                                    <m:ctrlPr>
+                                      <a:rPr lang="pt-BR" i="1" smtClean="0">
+                                        <a:latin typeface="Cambria Math"/>
+                                      </a:rPr>
+                                    </m:ctrlPr>
+                                  </m:sSubPr>
+                                  <m:e>
+                                    <m:r>
+                                      <a:rPr lang="en-US" b="0" i="1" smtClean="0">
+                                        <a:latin typeface="Cambria Math"/>
+                                      </a:rPr>
+                                      <m:t>𝑥</m:t>
+                                    </m:r>
+                                    <m:r>
+                                      <a:rPr lang="en-US" b="0" i="1" smtClean="0">
+                                        <a:latin typeface="Cambria Math"/>
+                                      </a:rPr>
+                                      <m:t>−</m:t>
+                                    </m:r>
+                                    <m:r>
+                                      <a:rPr lang="en-US" b="0" i="1" smtClean="0">
+                                        <a:latin typeface="Cambria Math"/>
+                                      </a:rPr>
+                                      <m:t>𝑥</m:t>
+                                    </m:r>
+                                  </m:e>
+                                  <m:sub>
+                                    <m:r>
+                                      <a:rPr lang="en-US" b="0" i="1" smtClean="0">
+                                        <a:latin typeface="Cambria Math"/>
+                                      </a:rPr>
+                                      <m:t>𝑖</m:t>
+                                    </m:r>
+                                  </m:sub>
+                                </m:sSub>
+                              </m:num>
+                              <m:den>
+                                <m:r>
+                                  <a:rPr lang="en-US" b="0" i="1" smtClean="0">
+                                    <a:latin typeface="Cambria Math"/>
+                                  </a:rPr>
+                                  <m:t>h</m:t>
+                                </m:r>
+                              </m:den>
+                            </m:f>
+                          </m:e>
+                        </m:d>
+                      </m:e>
+                    </m:nary>
+                  </m:oMath>
+                </a14:m>
+                <a:endParaRPr lang="en-US" dirty="0"/>
+              </a:p>
+            </p:txBody>
+          </p:sp>
+        </mc:Choice>
+        <mc:Fallback xmlns="">
+          <p:sp>
+            <p:nvSpPr>
+              <p:cNvPr id="4" name="TextBox 3"/>
+              <p:cNvSpPr txBox="1">
+                <a:spLocks noRot="1" noChangeAspect="1" noMove="1" noResize="1" noEditPoints="1" noAdjustHandles="1" noChangeArrowheads="1" noChangeShapeType="1" noTextEdit="1"/>
+              </p:cNvSpPr>
+              <p:nvPr/>
+            </p:nvSpPr>
+            <p:spPr>
+              <a:xfrm>
+                <a:off x="1804219" y="2743200"/>
+                <a:ext cx="4529510" cy="506870"/>
+              </a:xfrm>
+              <a:prstGeom prst="rect">
+                <a:avLst/>
+              </a:prstGeom>
+              <a:blipFill rotWithShape="1">
+                <a:blip r:embed="rId2"/>
+                <a:stretch>
+                  <a:fillRect l="-404" t="-73494" b="-122892"/>
+                </a:stretch>
+              </a:blipFill>
+            </p:spPr>
+            <p:txBody>
+              <a:bodyPr/>
+              <a:lstStyle/>
+              <a:p>
+                <a:r>
+                  <a:rPr lang="en-US">
+                    <a:noFill/>
+                  </a:rPr>
+                  <a:t> </a:t>
+                </a:r>
+              </a:p>
+            </p:txBody>
+          </p:sp>
+        </mc:Fallback>
+      </mc:AlternateContent>
+    </p:spTree>
+    <p:extLst>
+      <p:ext uri="{BB962C8B-B14F-4D97-AF65-F5344CB8AC3E}">
+        <p14:creationId xmlns:p14="http://schemas.microsoft.com/office/powerpoint/2010/main" val="3634015092"/>
+      </p:ext>
+    </p:extLst>
+  </p:cSld>
+  <p:clrMapOvr>
+    <a:masterClrMapping/>
+  </p:clrMapOvr>
+</p:sld>
+</file>
+
+<file path=ppt/slides/slide50.xml><?xml version="1.0" encoding="utf-8"?>
 <p:sld xmlns:a="http://schemas.openxmlformats.org/drawingml/2006/main" xmlns:r="http://schemas.openxmlformats.org/officeDocument/2006/relationships" xmlns:p="http://schemas.openxmlformats.org/presentationml/2006/main">
   <p:cSld>
     <p:spTree>
@@ -15598,14 +17267,14 @@
   <p:timing>
     <p:tnLst>
       <p:par>
-        <p:cTn id="1" dur="indefinite" restart="never" nodeType="tmRoot"/>
+        <p:cTn xmlns:p14="http://schemas.microsoft.com/office/powerpoint/2010/main" id="1" dur="indefinite" restart="never" nodeType="tmRoot"/>
       </p:par>
     </p:tnLst>
   </p:timing>
 </p:sld>
 </file>
 
-<file path=ppt/slides/slide47.xml><?xml version="1.0" encoding="utf-8"?>
+<file path=ppt/slides/slide51.xml><?xml version="1.0" encoding="utf-8"?>
 <p:sld xmlns:a="http://schemas.openxmlformats.org/drawingml/2006/main" xmlns:r="http://schemas.openxmlformats.org/officeDocument/2006/relationships" xmlns:p="http://schemas.openxmlformats.org/presentationml/2006/main">
   <p:cSld>
     <p:spTree>
@@ -15745,14 +17414,14 @@
             <a:noFill/>
           </a:ln>
           <a:extLst>
-            <a:ext uri="{909E8E84-426E-40DD-AFC4-6F175D3DCCD1}">
+            <a:ext uri="{909E8E84-426E-40dd-AFC4-6F175D3DCCD1}">
               <a14:hiddenFill xmlns:a14="http://schemas.microsoft.com/office/drawing/2010/main">
                 <a:solidFill>
                   <a:schemeClr val="accent1"/>
                 </a:solidFill>
               </a14:hiddenFill>
             </a:ext>
-            <a:ext uri="{91240B29-F687-4F45-9708-019B960494DF}">
+            <a:ext uri="{91240B29-F687-4f45-9708-019B960494DF}">
               <a14:hiddenLine xmlns:a14="http://schemas.microsoft.com/office/drawing/2010/main" w="9525">
                 <a:solidFill>
                   <a:schemeClr val="tx1"/>
@@ -15778,7 +17447,7 @@
   <p:timing>
     <p:tnLst>
       <p:par>
-        <p:cTn id="1" dur="indefinite" restart="never" nodeType="tmRoot">
+        <p:cTn xmlns:p14="http://schemas.microsoft.com/office/powerpoint/2010/main" id="1" dur="indefinite" restart="never" nodeType="tmRoot">
           <p:childTnLst>
             <p:seq concurrent="1" nextAc="seek">
               <p:cTn id="2" dur="indefinite" nodeType="mainSeq">
@@ -16114,7 +17783,7 @@
 </p:sld>
 </file>
 
-<file path=ppt/slides/slide48.xml><?xml version="1.0" encoding="utf-8"?>
+<file path=ppt/slides/slide52.xml><?xml version="1.0" encoding="utf-8"?>
 <p:sld xmlns:a="http://schemas.openxmlformats.org/drawingml/2006/main" xmlns:r="http://schemas.openxmlformats.org/officeDocument/2006/relationships" xmlns:p="http://schemas.openxmlformats.org/presentationml/2006/main">
   <p:cSld>
     <p:spTree>
@@ -16208,14 +17877,14 @@
   <p:timing>
     <p:tnLst>
       <p:par>
-        <p:cTn id="1" dur="indefinite" restart="never" nodeType="tmRoot"/>
+        <p:cTn xmlns:p14="http://schemas.microsoft.com/office/powerpoint/2010/main" id="1" dur="indefinite" restart="never" nodeType="tmRoot"/>
       </p:par>
     </p:tnLst>
   </p:timing>
 </p:sld>
 </file>
 
-<file path=ppt/slides/slide49.xml><?xml version="1.0" encoding="utf-8"?>
+<file path=ppt/slides/slide53.xml><?xml version="1.0" encoding="utf-8"?>
 <p:sld xmlns:a="http://schemas.openxmlformats.org/drawingml/2006/main" xmlns:r="http://schemas.openxmlformats.org/officeDocument/2006/relationships" xmlns:p="http://schemas.openxmlformats.org/presentationml/2006/main">
   <p:cSld>
     <p:spTree>
@@ -16275,594 +17944,14 @@
   <p:timing>
     <p:tnLst>
       <p:par>
-        <p:cTn id="1" dur="indefinite" restart="never" nodeType="tmRoot"/>
+        <p:cTn xmlns:p14="http://schemas.microsoft.com/office/powerpoint/2010/main" id="1" dur="indefinite" restart="never" nodeType="tmRoot"/>
       </p:par>
     </p:tnLst>
   </p:timing>
 </p:sld>
 </file>
 
-<file path=ppt/slides/slide5.xml><?xml version="1.0" encoding="utf-8"?>
-<p:sld xmlns:a="http://schemas.openxmlformats.org/drawingml/2006/main" xmlns:r="http://schemas.openxmlformats.org/officeDocument/2006/relationships" xmlns:p="http://schemas.openxmlformats.org/presentationml/2006/main">
-  <p:cSld>
-    <p:spTree>
-      <p:nvGrpSpPr>
-        <p:cNvPr id="1" name=""/>
-        <p:cNvGrpSpPr/>
-        <p:nvPr/>
-      </p:nvGrpSpPr>
-      <p:grpSpPr>
-        <a:xfrm>
-          <a:off x="0" y="0"/>
-          <a:ext cx="0" cy="0"/>
-          <a:chOff x="0" y="0"/>
-          <a:chExt cx="0" cy="0"/>
-        </a:xfrm>
-      </p:grpSpPr>
-      <p:sp>
-        <p:nvSpPr>
-          <p:cNvPr id="2" name="Title 1"/>
-          <p:cNvSpPr>
-            <a:spLocks noGrp="1"/>
-          </p:cNvSpPr>
-          <p:nvPr>
-            <p:ph type="title"/>
-          </p:nvPr>
-        </p:nvSpPr>
-        <p:spPr/>
-        <p:txBody>
-          <a:bodyPr/>
-          <a:lstStyle/>
-          <a:p>
-            <a:r>
-              <a:rPr lang="en-US" dirty="0" smtClean="0"/>
-              <a:t>Kernel density estimation</a:t>
-            </a:r>
-            <a:endParaRPr lang="en-US" dirty="0"/>
-          </a:p>
-        </p:txBody>
-      </p:sp>
-      <p:sp>
-        <p:nvSpPr>
-          <p:cNvPr id="3" name="Content Placeholder 2"/>
-          <p:cNvSpPr>
-            <a:spLocks noGrp="1"/>
-          </p:cNvSpPr>
-          <p:nvPr>
-            <p:ph idx="1"/>
-          </p:nvPr>
-        </p:nvSpPr>
-        <p:spPr/>
-        <p:txBody>
-          <a:bodyPr>
-            <a:normAutofit fontScale="77500" lnSpcReduction="20000"/>
-          </a:bodyPr>
-          <a:lstStyle/>
-          <a:p>
-            <a:pPr marL="0" indent="0">
-              <a:buNone/>
-            </a:pPr>
-            <a:endParaRPr lang="en-US" dirty="0"/>
-          </a:p>
-          <a:p>
-            <a:r>
-              <a:rPr lang="en-US" dirty="0" smtClean="0"/>
-              <a:t>Getting </a:t>
-            </a:r>
-            <a:r>
-              <a:rPr lang="en-US" dirty="0"/>
-              <a:t>the estimated probability density function for unknown random </a:t>
-            </a:r>
-            <a:r>
-              <a:rPr lang="en-US" dirty="0" smtClean="0"/>
-              <a:t>variable</a:t>
-            </a:r>
-          </a:p>
-          <a:p>
-            <a:endParaRPr lang="en-US" dirty="0"/>
-          </a:p>
-          <a:p>
-            <a:endParaRPr lang="en-US" dirty="0" smtClean="0"/>
-          </a:p>
-          <a:p>
-            <a:r>
-              <a:rPr lang="en-US" dirty="0" smtClean="0"/>
-              <a:t>Where K(.) is the kernel normally</a:t>
-            </a:r>
-          </a:p>
-          <a:p>
-            <a:pPr lvl="1"/>
-            <a:r>
-              <a:rPr lang="en-US" dirty="0" smtClean="0"/>
-              <a:t>Uniform</a:t>
-            </a:r>
-          </a:p>
-          <a:p>
-            <a:pPr lvl="1"/>
-            <a:r>
-              <a:rPr lang="en-US" dirty="0" smtClean="0"/>
-              <a:t>Triangular</a:t>
-            </a:r>
-          </a:p>
-          <a:p>
-            <a:pPr lvl="1"/>
-            <a:r>
-              <a:rPr lang="en-US" dirty="0" smtClean="0"/>
-              <a:t>Normal</a:t>
-            </a:r>
-          </a:p>
-          <a:p>
-            <a:pPr lvl="1"/>
-            <a:r>
-              <a:rPr lang="en-US" dirty="0" smtClean="0"/>
-              <a:t>Etc.</a:t>
-            </a:r>
-            <a:endParaRPr lang="en-US" dirty="0" smtClean="0"/>
-          </a:p>
-          <a:p>
-            <a:r>
-              <a:rPr lang="en-US" dirty="0"/>
-              <a:t>Standard normal was used as the kernel</a:t>
-            </a:r>
-          </a:p>
-          <a:p>
-            <a:r>
-              <a:rPr lang="en-US" dirty="0" smtClean="0"/>
-              <a:t>Smoothing approach</a:t>
-            </a:r>
-            <a:endParaRPr lang="en-US" dirty="0"/>
-          </a:p>
-        </p:txBody>
-      </p:sp>
-      <mc:AlternateContent xmlns:mc="http://schemas.openxmlformats.org/markup-compatibility/2006">
-        <mc:Choice xmlns:a14="http://schemas.microsoft.com/office/drawing/2010/main" Requires="a14">
-          <p:sp>
-            <p:nvSpPr>
-              <p:cNvPr id="4" name="TextBox 3"/>
-              <p:cNvSpPr txBox="1"/>
-              <p:nvPr/>
-            </p:nvSpPr>
-            <p:spPr>
-              <a:xfrm>
-                <a:off x="1804219" y="2743200"/>
-                <a:ext cx="4529510" cy="506870"/>
-              </a:xfrm>
-              <a:prstGeom prst="rect">
-                <a:avLst/>
-              </a:prstGeom>
-              <a:noFill/>
-            </p:spPr>
-            <p:txBody>
-              <a:bodyPr wrap="none" rtlCol="0">
-                <a:spAutoFit/>
-              </a:bodyPr>
-              <a:lstStyle/>
-              <a:p>
-                <a14:m>
-                  <m:oMath xmlns:m="http://schemas.openxmlformats.org/officeDocument/2006/math">
-                    <m:acc>
-                      <m:accPr>
-                        <m:chr m:val="̂"/>
-                        <m:ctrlPr>
-                          <a:rPr lang="pt-BR" i="1" smtClean="0">
-                            <a:latin typeface="Cambria Math"/>
-                          </a:rPr>
-                        </m:ctrlPr>
-                      </m:accPr>
-                      <m:e>
-                        <m:sSub>
-                          <m:sSubPr>
-                            <m:ctrlPr>
-                              <a:rPr lang="en-US" b="0" i="1" smtClean="0">
-                                <a:latin typeface="Cambria Math"/>
-                              </a:rPr>
-                            </m:ctrlPr>
-                          </m:sSubPr>
-                          <m:e>
-                            <m:r>
-                              <a:rPr lang="en-US" b="0" i="1" smtClean="0">
-                                <a:latin typeface="Cambria Math"/>
-                              </a:rPr>
-                              <m:t>𝑓</m:t>
-                            </m:r>
-                          </m:e>
-                          <m:sub>
-                            <m:r>
-                              <a:rPr lang="en-US" b="0" i="1" smtClean="0">
-                                <a:latin typeface="Cambria Math"/>
-                              </a:rPr>
-                              <m:t>h</m:t>
-                            </m:r>
-                          </m:sub>
-                        </m:sSub>
-                      </m:e>
-                    </m:acc>
-                    <m:d>
-                      <m:dPr>
-                        <m:ctrlPr>
-                          <a:rPr lang="pt-BR" i="1" smtClean="0">
-                            <a:latin typeface="Cambria Math"/>
-                          </a:rPr>
-                        </m:ctrlPr>
-                      </m:dPr>
-                      <m:e>
-                        <m:r>
-                          <a:rPr lang="pt-BR" i="1" smtClean="0">
-                            <a:latin typeface="Cambria Math"/>
-                          </a:rPr>
-                          <m:t>𝑥</m:t>
-                        </m:r>
-                      </m:e>
-                    </m:d>
-                    <m:r>
-                      <a:rPr lang="pt-BR" i="1" smtClean="0">
-                        <a:latin typeface="Cambria Math"/>
-                      </a:rPr>
-                      <m:t>=</m:t>
-                    </m:r>
-                    <m:f>
-                      <m:fPr>
-                        <m:ctrlPr>
-                          <a:rPr lang="pt-BR" i="1" smtClean="0">
-                            <a:latin typeface="Cambria Math"/>
-                          </a:rPr>
-                        </m:ctrlPr>
-                      </m:fPr>
-                      <m:num>
-                        <m:r>
-                          <a:rPr lang="en-US" b="0" i="1" smtClean="0">
-                            <a:latin typeface="Cambria Math"/>
-                          </a:rPr>
-                          <m:t>1</m:t>
-                        </m:r>
-                      </m:num>
-                      <m:den>
-                        <m:r>
-                          <a:rPr lang="en-US" b="0" i="1" smtClean="0">
-                            <a:latin typeface="Cambria Math"/>
-                          </a:rPr>
-                          <m:t>𝑛</m:t>
-                        </m:r>
-                      </m:den>
-                    </m:f>
-                    <m:nary>
-                      <m:naryPr>
-                        <m:chr m:val="∑"/>
-                        <m:ctrlPr>
-                          <a:rPr lang="pt-BR" i="1" smtClean="0">
-                            <a:latin typeface="Cambria Math"/>
-                          </a:rPr>
-                        </m:ctrlPr>
-                      </m:naryPr>
-                      <m:sub>
-                        <m:r>
-                          <m:rPr>
-                            <m:brk m:alnAt="23"/>
-                          </m:rPr>
-                          <a:rPr lang="en-US" b="0" i="1" smtClean="0">
-                            <a:latin typeface="Cambria Math"/>
-                          </a:rPr>
-                          <m:t>𝑖</m:t>
-                        </m:r>
-                        <m:r>
-                          <a:rPr lang="pt-BR" i="1" smtClean="0">
-                            <a:latin typeface="Cambria Math"/>
-                          </a:rPr>
-                          <m:t>=1</m:t>
-                        </m:r>
-                      </m:sub>
-                      <m:sup>
-                        <m:r>
-                          <a:rPr lang="en-US" b="0" i="1" smtClean="0">
-                            <a:latin typeface="Cambria Math"/>
-                          </a:rPr>
-                          <m:t>𝑛</m:t>
-                        </m:r>
-                      </m:sup>
-                      <m:e>
-                        <m:sSub>
-                          <m:sSubPr>
-                            <m:ctrlPr>
-                              <a:rPr lang="pt-BR" i="1" smtClean="0">
-                                <a:latin typeface="Cambria Math"/>
-                              </a:rPr>
-                            </m:ctrlPr>
-                          </m:sSubPr>
-                          <m:e>
-                            <m:r>
-                              <a:rPr lang="en-US" b="0" i="1" smtClean="0">
-                                <a:latin typeface="Cambria Math"/>
-                              </a:rPr>
-                              <m:t>𝐾</m:t>
-                            </m:r>
-                          </m:e>
-                          <m:sub>
-                            <m:r>
-                              <a:rPr lang="en-US" b="0" i="1" smtClean="0">
-                                <a:latin typeface="Cambria Math"/>
-                              </a:rPr>
-                              <m:t>h</m:t>
-                            </m:r>
-                          </m:sub>
-                        </m:sSub>
-                        <m:d>
-                          <m:dPr>
-                            <m:ctrlPr>
-                              <a:rPr lang="pt-BR" i="1" smtClean="0">
-                                <a:latin typeface="Cambria Math"/>
-                              </a:rPr>
-                            </m:ctrlPr>
-                          </m:dPr>
-                          <m:e>
-                            <m:sSub>
-                              <m:sSubPr>
-                                <m:ctrlPr>
-                                  <a:rPr lang="pt-BR" i="1" smtClean="0">
-                                    <a:latin typeface="Cambria Math"/>
-                                  </a:rPr>
-                                </m:ctrlPr>
-                              </m:sSubPr>
-                              <m:e>
-                                <m:r>
-                                  <a:rPr lang="en-US" b="0" i="1" smtClean="0">
-                                    <a:latin typeface="Cambria Math"/>
-                                  </a:rPr>
-                                  <m:t>𝑥</m:t>
-                                </m:r>
-                                <m:r>
-                                  <a:rPr lang="en-US" b="0" i="1" smtClean="0">
-                                    <a:latin typeface="Cambria Math"/>
-                                  </a:rPr>
-                                  <m:t>−</m:t>
-                                </m:r>
-                                <m:r>
-                                  <a:rPr lang="en-US" b="0" i="1" smtClean="0">
-                                    <a:latin typeface="Cambria Math"/>
-                                  </a:rPr>
-                                  <m:t>𝑥</m:t>
-                                </m:r>
-                              </m:e>
-                              <m:sub>
-                                <m:r>
-                                  <a:rPr lang="en-US" b="0" i="1" smtClean="0">
-                                    <a:latin typeface="Cambria Math"/>
-                                  </a:rPr>
-                                  <m:t>𝑖</m:t>
-                                </m:r>
-                              </m:sub>
-                            </m:sSub>
-                          </m:e>
-                        </m:d>
-                      </m:e>
-                    </m:nary>
-                  </m:oMath>
-                </a14:m>
-                <a:r>
-                  <a:rPr lang="en-US" dirty="0" smtClean="0"/>
-                  <a:t>= </a:t>
-                </a:r>
-                <a14:m>
-                  <m:oMath xmlns:m="http://schemas.openxmlformats.org/officeDocument/2006/math">
-                    <m:f>
-                      <m:fPr>
-                        <m:ctrlPr>
-                          <a:rPr lang="pt-BR" i="1">
-                            <a:latin typeface="Cambria Math"/>
-                          </a:rPr>
-                        </m:ctrlPr>
-                      </m:fPr>
-                      <m:num>
-                        <m:r>
-                          <a:rPr lang="en-US" i="1">
-                            <a:latin typeface="Cambria Math"/>
-                          </a:rPr>
-                          <m:t>1</m:t>
-                        </m:r>
-                      </m:num>
-                      <m:den>
-                        <m:r>
-                          <a:rPr lang="en-US" i="1">
-                            <a:latin typeface="Cambria Math"/>
-                          </a:rPr>
-                          <m:t>𝑛</m:t>
-                        </m:r>
-                        <m:r>
-                          <a:rPr lang="en-US" b="0" i="1" smtClean="0">
-                            <a:latin typeface="Cambria Math"/>
-                          </a:rPr>
-                          <m:t>h</m:t>
-                        </m:r>
-                      </m:den>
-                    </m:f>
-                    <m:nary>
-                      <m:naryPr>
-                        <m:chr m:val="∑"/>
-                        <m:ctrlPr>
-                          <a:rPr lang="pt-BR" i="1">
-                            <a:latin typeface="Cambria Math"/>
-                          </a:rPr>
-                        </m:ctrlPr>
-                      </m:naryPr>
-                      <m:sub>
-                        <m:r>
-                          <m:rPr>
-                            <m:brk m:alnAt="23"/>
-                          </m:rPr>
-                          <a:rPr lang="en-US" i="1">
-                            <a:latin typeface="Cambria Math"/>
-                          </a:rPr>
-                          <m:t>𝑖</m:t>
-                        </m:r>
-                        <m:r>
-                          <a:rPr lang="pt-BR" i="1">
-                            <a:latin typeface="Cambria Math"/>
-                          </a:rPr>
-                          <m:t>=1</m:t>
-                        </m:r>
-                      </m:sub>
-                      <m:sup>
-                        <m:r>
-                          <a:rPr lang="en-US" i="1">
-                            <a:latin typeface="Cambria Math"/>
-                          </a:rPr>
-                          <m:t>𝑛</m:t>
-                        </m:r>
-                      </m:sup>
-                      <m:e>
-                        <m:sSub>
-                          <m:sSubPr>
-                            <m:ctrlPr>
-                              <a:rPr lang="pt-BR" i="1">
-                                <a:latin typeface="Cambria Math"/>
-                              </a:rPr>
-                            </m:ctrlPr>
-                          </m:sSubPr>
-                          <m:e>
-                            <m:r>
-                              <a:rPr lang="en-US" i="1">
-                                <a:latin typeface="Cambria Math"/>
-                              </a:rPr>
-                              <m:t>𝐾</m:t>
-                            </m:r>
-                          </m:e>
-                          <m:sub>
-                            <m:r>
-                              <a:rPr lang="en-US" i="1">
-                                <a:latin typeface="Cambria Math"/>
-                              </a:rPr>
-                              <m:t>h</m:t>
-                            </m:r>
-                          </m:sub>
-                        </m:sSub>
-                        <m:d>
-                          <m:dPr>
-                            <m:ctrlPr>
-                              <a:rPr lang="pt-BR" i="1">
-                                <a:latin typeface="Cambria Math"/>
-                              </a:rPr>
-                            </m:ctrlPr>
-                          </m:dPr>
-                          <m:e>
-                            <m:f>
-                              <m:fPr>
-                                <m:ctrlPr>
-                                  <a:rPr lang="pt-BR" i="1" smtClean="0">
-                                    <a:latin typeface="Cambria Math"/>
-                                  </a:rPr>
-                                </m:ctrlPr>
-                              </m:fPr>
-                              <m:num>
-                                <m:sSub>
-                                  <m:sSubPr>
-                                    <m:ctrlPr>
-                                      <a:rPr lang="pt-BR" i="1" smtClean="0">
-                                        <a:latin typeface="Cambria Math"/>
-                                      </a:rPr>
-                                    </m:ctrlPr>
-                                  </m:sSubPr>
-                                  <m:e>
-                                    <m:r>
-                                      <a:rPr lang="en-US" b="0" i="1" smtClean="0">
-                                        <a:latin typeface="Cambria Math"/>
-                                      </a:rPr>
-                                      <m:t>𝑥</m:t>
-                                    </m:r>
-                                    <m:r>
-                                      <a:rPr lang="en-US" b="0" i="1" smtClean="0">
-                                        <a:latin typeface="Cambria Math"/>
-                                      </a:rPr>
-                                      <m:t>−</m:t>
-                                    </m:r>
-                                    <m:r>
-                                      <a:rPr lang="en-US" b="0" i="1" smtClean="0">
-                                        <a:latin typeface="Cambria Math"/>
-                                      </a:rPr>
-                                      <m:t>𝑥</m:t>
-                                    </m:r>
-                                  </m:e>
-                                  <m:sub>
-                                    <m:r>
-                                      <a:rPr lang="en-US" b="0" i="1" smtClean="0">
-                                        <a:latin typeface="Cambria Math"/>
-                                      </a:rPr>
-                                      <m:t>𝑖</m:t>
-                                    </m:r>
-                                  </m:sub>
-                                </m:sSub>
-                              </m:num>
-                              <m:den>
-                                <m:r>
-                                  <a:rPr lang="en-US" b="0" i="1" smtClean="0">
-                                    <a:latin typeface="Cambria Math"/>
-                                  </a:rPr>
-                                  <m:t>h</m:t>
-                                </m:r>
-                              </m:den>
-                            </m:f>
-                          </m:e>
-                        </m:d>
-                      </m:e>
-                    </m:nary>
-                  </m:oMath>
-                </a14:m>
-                <a:endParaRPr lang="en-US" dirty="0"/>
-              </a:p>
-            </p:txBody>
-          </p:sp>
-        </mc:Choice>
-        <mc:Fallback>
-          <p:sp>
-            <p:nvSpPr>
-              <p:cNvPr id="4" name="TextBox 3"/>
-              <p:cNvSpPr txBox="1">
-                <a:spLocks noRot="1" noChangeAspect="1" noMove="1" noResize="1" noEditPoints="1" noAdjustHandles="1" noChangeArrowheads="1" noChangeShapeType="1" noTextEdit="1"/>
-              </p:cNvSpPr>
-              <p:nvPr/>
-            </p:nvSpPr>
-            <p:spPr>
-              <a:xfrm>
-                <a:off x="1804219" y="2743200"/>
-                <a:ext cx="4529510" cy="506870"/>
-              </a:xfrm>
-              <a:prstGeom prst="rect">
-                <a:avLst/>
-              </a:prstGeom>
-              <a:blipFill rotWithShape="1">
-                <a:blip r:embed="rId2"/>
-                <a:stretch>
-                  <a:fillRect l="-404" t="-73494" b="-122892"/>
-                </a:stretch>
-              </a:blipFill>
-            </p:spPr>
-            <p:txBody>
-              <a:bodyPr/>
-              <a:lstStyle/>
-              <a:p>
-                <a:r>
-                  <a:rPr lang="en-US">
-                    <a:noFill/>
-                  </a:rPr>
-                  <a:t> </a:t>
-                </a:r>
-              </a:p>
-            </p:txBody>
-          </p:sp>
-        </mc:Fallback>
-      </mc:AlternateContent>
-    </p:spTree>
-    <p:extLst>
-      <p:ext uri="{BB962C8B-B14F-4D97-AF65-F5344CB8AC3E}">
-        <p14:creationId xmlns:p14="http://schemas.microsoft.com/office/powerpoint/2010/main" val="3634015092"/>
-      </p:ext>
-    </p:extLst>
-  </p:cSld>
-  <p:clrMapOvr>
-    <a:masterClrMapping/>
-  </p:clrMapOvr>
-</p:sld>
-</file>
-
-<file path=ppt/slides/slide50.xml><?xml version="1.0" encoding="utf-8"?>
+<file path=ppt/slides/slide54.xml><?xml version="1.0" encoding="utf-8"?>
 <p:sld xmlns:a="http://schemas.openxmlformats.org/drawingml/2006/main" xmlns:r="http://schemas.openxmlformats.org/officeDocument/2006/relationships" xmlns:p="http://schemas.openxmlformats.org/presentationml/2006/main">
   <p:cSld>
     <p:spTree>
@@ -16922,14 +18011,14 @@
   <p:timing>
     <p:tnLst>
       <p:par>
-        <p:cTn id="1" dur="indefinite" restart="never" nodeType="tmRoot"/>
+        <p:cTn xmlns:p14="http://schemas.microsoft.com/office/powerpoint/2010/main" id="1" dur="indefinite" restart="never" nodeType="tmRoot"/>
       </p:par>
     </p:tnLst>
   </p:timing>
 </p:sld>
 </file>
 
-<file path=ppt/slides/slide51.xml><?xml version="1.0" encoding="utf-8"?>
+<file path=ppt/slides/slide55.xml><?xml version="1.0" encoding="utf-8"?>
 <p:sld xmlns:a="http://schemas.openxmlformats.org/drawingml/2006/main" xmlns:r="http://schemas.openxmlformats.org/officeDocument/2006/relationships" xmlns:p="http://schemas.openxmlformats.org/presentationml/2006/main">
   <p:cSld>
     <p:spTree>
@@ -16989,14 +18078,14 @@
   <p:timing>
     <p:tnLst>
       <p:par>
-        <p:cTn id="1" dur="indefinite" restart="never" nodeType="tmRoot"/>
+        <p:cTn xmlns:p14="http://schemas.microsoft.com/office/powerpoint/2010/main" id="1" dur="indefinite" restart="never" nodeType="tmRoot"/>
       </p:par>
     </p:tnLst>
   </p:timing>
 </p:sld>
 </file>
 
-<file path=ppt/slides/slide52.xml><?xml version="1.0" encoding="utf-8"?>
+<file path=ppt/slides/slide56.xml><?xml version="1.0" encoding="utf-8"?>
 <p:sld xmlns:a="http://schemas.openxmlformats.org/drawingml/2006/main" xmlns:r="http://schemas.openxmlformats.org/officeDocument/2006/relationships" xmlns:p="http://schemas.openxmlformats.org/presentationml/2006/main">
   <p:cSld>
     <p:spTree>
@@ -17124,14 +18213,14 @@
               <a:noFill/>
             </a:ln>
             <a:extLst>
-              <a:ext uri="{909E8E84-426E-40DD-AFC4-6F175D3DCCD1}">
+              <a:ext uri="{909E8E84-426E-40dd-AFC4-6F175D3DCCD1}">
                 <a14:hiddenFill xmlns:a14="http://schemas.microsoft.com/office/drawing/2010/main">
                   <a:solidFill>
                     <a:schemeClr val="accent1"/>
                   </a:solidFill>
                 </a14:hiddenFill>
               </a:ext>
-              <a:ext uri="{91240B29-F687-4F45-9708-019B960494DF}">
+              <a:ext uri="{91240B29-F687-4f45-9708-019B960494DF}">
                 <a14:hiddenLine xmlns:a14="http://schemas.microsoft.com/office/drawing/2010/main" w="9525">
                   <a:solidFill>
                     <a:schemeClr val="tx1"/>
@@ -17158,14 +18247,14 @@
   <p:timing>
     <p:tnLst>
       <p:par>
-        <p:cTn id="1" dur="indefinite" restart="never" nodeType="tmRoot"/>
+        <p:cTn xmlns:p14="http://schemas.microsoft.com/office/powerpoint/2010/main" id="1" dur="indefinite" restart="never" nodeType="tmRoot"/>
       </p:par>
     </p:tnLst>
   </p:timing>
 </p:sld>
 </file>
 
-<file path=ppt/slides/slide53.xml><?xml version="1.0" encoding="utf-8"?>
+<file path=ppt/slides/slide57.xml><?xml version="1.0" encoding="utf-8"?>
 <p:sld xmlns:a="http://schemas.openxmlformats.org/drawingml/2006/main" xmlns:r="http://schemas.openxmlformats.org/officeDocument/2006/relationships" xmlns:p="http://schemas.openxmlformats.org/presentationml/2006/main">
   <p:cSld>
     <p:spTree>
@@ -17623,7 +18712,7 @@
   <p:timing>
     <p:tnLst>
       <p:par>
-        <p:cTn id="1" dur="indefinite" restart="never" nodeType="tmRoot">
+        <p:cTn xmlns:p14="http://schemas.microsoft.com/office/powerpoint/2010/main" id="1" dur="indefinite" restart="never" nodeType="tmRoot">
           <p:childTnLst>
             <p:seq concurrent="1" nextAc="seek">
               <p:cTn id="2" dur="indefinite" nodeType="mainSeq">
@@ -17833,7 +18922,7 @@
 </p:sld>
 </file>
 
-<file path=ppt/slides/slide54.xml><?xml version="1.0" encoding="utf-8"?>
+<file path=ppt/slides/slide58.xml><?xml version="1.0" encoding="utf-8"?>
 <p:sld xmlns:a="http://schemas.openxmlformats.org/drawingml/2006/main" xmlns:r="http://schemas.openxmlformats.org/officeDocument/2006/relationships" xmlns:p="http://schemas.openxmlformats.org/presentationml/2006/main">
   <p:cSld>
     <p:spTree>
@@ -17914,14 +19003,14 @@
             <a:noFill/>
           </a:ln>
           <a:extLst>
-            <a:ext uri="{909E8E84-426E-40DD-AFC4-6F175D3DCCD1}">
+            <a:ext uri="{909E8E84-426E-40dd-AFC4-6F175D3DCCD1}">
               <a14:hiddenFill xmlns:a14="http://schemas.microsoft.com/office/drawing/2010/main">
                 <a:solidFill>
                   <a:schemeClr val="accent1"/>
                 </a:solidFill>
               </a14:hiddenFill>
             </a:ext>
-            <a:ext uri="{91240B29-F687-4F45-9708-019B960494DF}">
+            <a:ext uri="{91240B29-F687-4f45-9708-019B960494DF}">
               <a14:hiddenLine xmlns:a14="http://schemas.microsoft.com/office/drawing/2010/main" w="9525">
                 <a:solidFill>
                   <a:schemeClr val="tx1"/>
@@ -17947,14 +19036,14 @@
   <p:timing>
     <p:tnLst>
       <p:par>
-        <p:cTn id="1" dur="indefinite" restart="never" nodeType="tmRoot"/>
+        <p:cTn xmlns:p14="http://schemas.microsoft.com/office/powerpoint/2010/main" id="1" dur="indefinite" restart="never" nodeType="tmRoot"/>
       </p:par>
     </p:tnLst>
   </p:timing>
 </p:sld>
 </file>
 
-<file path=ppt/slides/slide55.xml><?xml version="1.0" encoding="utf-8"?>
+<file path=ppt/slides/slide59.xml><?xml version="1.0" encoding="utf-8"?>
 <p:sld xmlns:a="http://schemas.openxmlformats.org/drawingml/2006/main" xmlns:r="http://schemas.openxmlformats.org/officeDocument/2006/relationships" xmlns:p="http://schemas.openxmlformats.org/presentationml/2006/main">
   <p:cSld>
     <p:spTree>
@@ -18057,14 +19146,215 @@
   <p:timing>
     <p:tnLst>
       <p:par>
-        <p:cTn id="1" dur="indefinite" restart="never" nodeType="tmRoot"/>
+        <p:cTn xmlns:p14="http://schemas.microsoft.com/office/powerpoint/2010/main" id="1" dur="indefinite" restart="never" nodeType="tmRoot"/>
       </p:par>
     </p:tnLst>
   </p:timing>
 </p:sld>
 </file>
 
-<file path=ppt/slides/slide56.xml><?xml version="1.0" encoding="utf-8"?>
+<file path=ppt/slides/slide6.xml><?xml version="1.0" encoding="utf-8"?>
+<p:sld xmlns:a="http://schemas.openxmlformats.org/drawingml/2006/main" xmlns:r="http://schemas.openxmlformats.org/officeDocument/2006/relationships" xmlns:p="http://schemas.openxmlformats.org/presentationml/2006/main">
+  <p:cSld>
+    <p:spTree>
+      <p:nvGrpSpPr>
+        <p:cNvPr id="1" name=""/>
+        <p:cNvGrpSpPr/>
+        <p:nvPr/>
+      </p:nvGrpSpPr>
+      <p:grpSpPr>
+        <a:xfrm>
+          <a:off x="0" y="0"/>
+          <a:ext cx="0" cy="0"/>
+          <a:chOff x="0" y="0"/>
+          <a:chExt cx="0" cy="0"/>
+        </a:xfrm>
+      </p:grpSpPr>
+      <p:pic>
+        <p:nvPicPr>
+          <p:cNvPr id="1026" name="Picture 2" descr="X:\myGit\mixturemodel\workingDir\sample_128110.jpeg"/>
+          <p:cNvPicPr>
+            <a:picLocks noChangeAspect="1" noChangeArrowheads="1"/>
+          </p:cNvPicPr>
+          <p:nvPr/>
+        </p:nvPicPr>
+        <p:blipFill>
+          <a:blip r:embed="rId2">
+            <a:extLst>
+              <a:ext uri="{28A0092B-C50C-407E-A947-70E740481C1C}">
+                <a14:useLocalDpi xmlns:a14="http://schemas.microsoft.com/office/drawing/2010/main" val="0"/>
+              </a:ext>
+            </a:extLst>
+          </a:blip>
+          <a:srcRect/>
+          <a:stretch>
+            <a:fillRect/>
+          </a:stretch>
+        </p:blipFill>
+        <p:spPr bwMode="auto">
+          <a:xfrm>
+            <a:off x="516082" y="6926"/>
+            <a:ext cx="3352801" cy="3352801"/>
+          </a:xfrm>
+          <a:prstGeom prst="rect">
+            <a:avLst/>
+          </a:prstGeom>
+          <a:noFill/>
+          <a:extLst>
+            <a:ext uri="{909E8E84-426E-40dd-AFC4-6F175D3DCCD1}">
+              <a14:hiddenFill xmlns:a14="http://schemas.microsoft.com/office/drawing/2010/main">
+                <a:solidFill>
+                  <a:srgbClr val="FFFFFF"/>
+                </a:solidFill>
+              </a14:hiddenFill>
+            </a:ext>
+          </a:extLst>
+        </p:spPr>
+      </p:pic>
+      <p:pic>
+        <p:nvPicPr>
+          <p:cNvPr id="1027" name="Picture 3" descr="X:\myGit\mixturemodel\workingDir\sample_128120.jpeg"/>
+          <p:cNvPicPr>
+            <a:picLocks noChangeAspect="1" noChangeArrowheads="1"/>
+          </p:cNvPicPr>
+          <p:nvPr/>
+        </p:nvPicPr>
+        <p:blipFill>
+          <a:blip r:embed="rId3">
+            <a:extLst>
+              <a:ext uri="{28A0092B-C50C-407E-A947-70E740481C1C}">
+                <a14:useLocalDpi xmlns:a14="http://schemas.microsoft.com/office/drawing/2010/main" val="0"/>
+              </a:ext>
+            </a:extLst>
+          </a:blip>
+          <a:srcRect/>
+          <a:stretch>
+            <a:fillRect/>
+          </a:stretch>
+        </p:blipFill>
+        <p:spPr bwMode="auto">
+          <a:xfrm>
+            <a:off x="4946072" y="48488"/>
+            <a:ext cx="3449638" cy="3449638"/>
+          </a:xfrm>
+          <a:prstGeom prst="rect">
+            <a:avLst/>
+          </a:prstGeom>
+          <a:noFill/>
+          <a:extLst>
+            <a:ext uri="{909E8E84-426E-40dd-AFC4-6F175D3DCCD1}">
+              <a14:hiddenFill xmlns:a14="http://schemas.microsoft.com/office/drawing/2010/main">
+                <a:solidFill>
+                  <a:srgbClr val="FFFFFF"/>
+                </a:solidFill>
+              </a14:hiddenFill>
+            </a:ext>
+          </a:extLst>
+        </p:spPr>
+      </p:pic>
+      <p:pic>
+        <p:nvPicPr>
+          <p:cNvPr id="1028" name="Picture 4" descr="X:\myGit\mixturemodel\workingDir\sample_128124.jpeg"/>
+          <p:cNvPicPr>
+            <a:picLocks noChangeAspect="1" noChangeArrowheads="1"/>
+          </p:cNvPicPr>
+          <p:nvPr/>
+        </p:nvPicPr>
+        <p:blipFill>
+          <a:blip r:embed="rId4">
+            <a:extLst>
+              <a:ext uri="{28A0092B-C50C-407E-A947-70E740481C1C}">
+                <a14:useLocalDpi xmlns:a14="http://schemas.microsoft.com/office/drawing/2010/main" val="0"/>
+              </a:ext>
+            </a:extLst>
+          </a:blip>
+          <a:srcRect/>
+          <a:stretch>
+            <a:fillRect/>
+          </a:stretch>
+        </p:blipFill>
+        <p:spPr bwMode="auto">
+          <a:xfrm>
+            <a:off x="474518" y="3352800"/>
+            <a:ext cx="3429000" cy="3429000"/>
+          </a:xfrm>
+          <a:prstGeom prst="rect">
+            <a:avLst/>
+          </a:prstGeom>
+          <a:noFill/>
+          <a:extLst>
+            <a:ext uri="{909E8E84-426E-40dd-AFC4-6F175D3DCCD1}">
+              <a14:hiddenFill xmlns:a14="http://schemas.microsoft.com/office/drawing/2010/main">
+                <a:solidFill>
+                  <a:srgbClr val="FFFFFF"/>
+                </a:solidFill>
+              </a14:hiddenFill>
+            </a:ext>
+          </a:extLst>
+        </p:spPr>
+      </p:pic>
+      <p:pic>
+        <p:nvPicPr>
+          <p:cNvPr id="1029" name="Picture 5" descr="X:\myGit\mixturemodel\workingDir\sample_128141.jpeg"/>
+          <p:cNvPicPr>
+            <a:picLocks noChangeAspect="1" noChangeArrowheads="1"/>
+          </p:cNvPicPr>
+          <p:nvPr/>
+        </p:nvPicPr>
+        <p:blipFill>
+          <a:blip r:embed="rId5">
+            <a:extLst>
+              <a:ext uri="{28A0092B-C50C-407E-A947-70E740481C1C}">
+                <a14:useLocalDpi xmlns:a14="http://schemas.microsoft.com/office/drawing/2010/main" val="0"/>
+              </a:ext>
+            </a:extLst>
+          </a:blip>
+          <a:srcRect/>
+          <a:stretch>
+            <a:fillRect/>
+          </a:stretch>
+        </p:blipFill>
+        <p:spPr bwMode="auto">
+          <a:xfrm>
+            <a:off x="4987636" y="3470780"/>
+            <a:ext cx="3390902" cy="3390902"/>
+          </a:xfrm>
+          <a:prstGeom prst="rect">
+            <a:avLst/>
+          </a:prstGeom>
+          <a:noFill/>
+          <a:extLst>
+            <a:ext uri="{909E8E84-426E-40dd-AFC4-6F175D3DCCD1}">
+              <a14:hiddenFill xmlns:a14="http://schemas.microsoft.com/office/drawing/2010/main">
+                <a:solidFill>
+                  <a:srgbClr val="FFFFFF"/>
+                </a:solidFill>
+              </a14:hiddenFill>
+            </a:ext>
+          </a:extLst>
+        </p:spPr>
+      </p:pic>
+    </p:spTree>
+    <p:extLst>
+      <p:ext uri="{BB962C8B-B14F-4D97-AF65-F5344CB8AC3E}">
+        <p14:creationId xmlns:p14="http://schemas.microsoft.com/office/powerpoint/2010/main" val="3928901197"/>
+      </p:ext>
+    </p:extLst>
+  </p:cSld>
+  <p:clrMapOvr>
+    <a:masterClrMapping/>
+  </p:clrMapOvr>
+  <p:timing>
+    <p:tnLst>
+      <p:par>
+        <p:cTn xmlns:p14="http://schemas.microsoft.com/office/powerpoint/2010/main" id="1" dur="indefinite" restart="never" nodeType="tmRoot"/>
+      </p:par>
+    </p:tnLst>
+  </p:timing>
+</p:sld>
+</file>
+
+<file path=ppt/slides/slide60.xml><?xml version="1.0" encoding="utf-8"?>
 <p:sld xmlns:a="http://schemas.openxmlformats.org/drawingml/2006/main" xmlns:r="http://schemas.openxmlformats.org/officeDocument/2006/relationships" xmlns:p="http://schemas.openxmlformats.org/presentationml/2006/main">
   <p:cSld>
     <p:spTree>
@@ -18235,7 +19525,7 @@
   <p:timing>
     <p:tnLst>
       <p:par>
-        <p:cTn id="1" dur="indefinite" restart="never" nodeType="tmRoot">
+        <p:cTn xmlns:p14="http://schemas.microsoft.com/office/powerpoint/2010/main" id="1" dur="indefinite" restart="never" nodeType="tmRoot">
           <p:childTnLst>
             <p:seq concurrent="1" nextAc="seek">
               <p:cTn id="2" dur="indefinite" nodeType="mainSeq">
@@ -18310,7 +19600,7 @@
 </p:sld>
 </file>
 
-<file path=ppt/slides/slide57.xml><?xml version="1.0" encoding="utf-8"?>
+<file path=ppt/slides/slide61.xml><?xml version="1.0" encoding="utf-8"?>
 <p:sld xmlns:a="http://schemas.openxmlformats.org/drawingml/2006/main" xmlns:r="http://schemas.openxmlformats.org/officeDocument/2006/relationships" xmlns:p="http://schemas.openxmlformats.org/presentationml/2006/main">
   <p:cSld>
     <p:spTree>
@@ -18604,7 +19894,7 @@
   <p:timing>
     <p:tnLst>
       <p:par>
-        <p:cTn id="1" dur="indefinite" restart="never" nodeType="tmRoot">
+        <p:cTn xmlns:p14="http://schemas.microsoft.com/office/powerpoint/2010/main" id="1" dur="indefinite" restart="never" nodeType="tmRoot">
           <p:childTnLst>
             <p:seq concurrent="1" nextAc="seek">
               <p:cTn id="2" dur="indefinite" nodeType="mainSeq">
@@ -18724,7 +20014,7 @@
 </p:sld>
 </file>
 
-<file path=ppt/slides/slide58.xml><?xml version="1.0" encoding="utf-8"?>
+<file path=ppt/slides/slide62.xml><?xml version="1.0" encoding="utf-8"?>
 <p:sld xmlns:a="http://schemas.openxmlformats.org/drawingml/2006/main" xmlns:r="http://schemas.openxmlformats.org/officeDocument/2006/relationships" xmlns:p="http://schemas.openxmlformats.org/presentationml/2006/main">
   <p:cSld>
     <p:spTree>
@@ -18819,14 +20109,14 @@
               <a:noFill/>
             </a:ln>
             <a:extLst>
-              <a:ext uri="{909E8E84-426E-40DD-AFC4-6F175D3DCCD1}">
+              <a:ext uri="{909E8E84-426E-40dd-AFC4-6F175D3DCCD1}">
                 <a14:hiddenFill xmlns:a14="http://schemas.microsoft.com/office/drawing/2010/main">
                   <a:solidFill>
                     <a:schemeClr val="accent1"/>
                   </a:solidFill>
                 </a14:hiddenFill>
               </a:ext>
-              <a:ext uri="{91240B29-F687-4F45-9708-019B960494DF}">
+              <a:ext uri="{91240B29-F687-4f45-9708-019B960494DF}">
                 <a14:hiddenLine xmlns:a14="http://schemas.microsoft.com/office/drawing/2010/main" w="9525">
                   <a:solidFill>
                     <a:schemeClr val="tx1"/>
@@ -19000,7 +20290,7 @@
   <p:timing>
     <p:tnLst>
       <p:par>
-        <p:cTn id="1" dur="indefinite" restart="never" nodeType="tmRoot">
+        <p:cTn xmlns:p14="http://schemas.microsoft.com/office/powerpoint/2010/main" id="1" dur="indefinite" restart="never" nodeType="tmRoot">
           <p:childTnLst>
             <p:seq concurrent="1" nextAc="seek">
               <p:cTn id="2" dur="indefinite" nodeType="mainSeq">
@@ -19075,7 +20365,7 @@
 </p:sld>
 </file>
 
-<file path=ppt/slides/slide59.xml><?xml version="1.0" encoding="utf-8"?>
+<file path=ppt/slides/slide63.xml><?xml version="1.0" encoding="utf-8"?>
 <p:sld xmlns:a="http://schemas.openxmlformats.org/drawingml/2006/main" xmlns:r="http://schemas.openxmlformats.org/officeDocument/2006/relationships" xmlns:p="http://schemas.openxmlformats.org/presentationml/2006/main">
   <p:cSld>
     <p:spTree>
@@ -19135,215 +20425,14 @@
   <p:timing>
     <p:tnLst>
       <p:par>
-        <p:cTn id="1" dur="indefinite" restart="never" nodeType="tmRoot"/>
+        <p:cTn xmlns:p14="http://schemas.microsoft.com/office/powerpoint/2010/main" id="1" dur="indefinite" restart="never" nodeType="tmRoot"/>
       </p:par>
     </p:tnLst>
   </p:timing>
 </p:sld>
 </file>
 
-<file path=ppt/slides/slide6.xml><?xml version="1.0" encoding="utf-8"?>
-<p:sld xmlns:a="http://schemas.openxmlformats.org/drawingml/2006/main" xmlns:r="http://schemas.openxmlformats.org/officeDocument/2006/relationships" xmlns:p="http://schemas.openxmlformats.org/presentationml/2006/main">
-  <p:cSld>
-    <p:spTree>
-      <p:nvGrpSpPr>
-        <p:cNvPr id="1" name=""/>
-        <p:cNvGrpSpPr/>
-        <p:nvPr/>
-      </p:nvGrpSpPr>
-      <p:grpSpPr>
-        <a:xfrm>
-          <a:off x="0" y="0"/>
-          <a:ext cx="0" cy="0"/>
-          <a:chOff x="0" y="0"/>
-          <a:chExt cx="0" cy="0"/>
-        </a:xfrm>
-      </p:grpSpPr>
-      <p:pic>
-        <p:nvPicPr>
-          <p:cNvPr id="1026" name="Picture 2" descr="X:\myGit\mixturemodel\workingDir\sample_128110.jpeg"/>
-          <p:cNvPicPr>
-            <a:picLocks noChangeAspect="1" noChangeArrowheads="1"/>
-          </p:cNvPicPr>
-          <p:nvPr/>
-        </p:nvPicPr>
-        <p:blipFill>
-          <a:blip r:embed="rId2">
-            <a:extLst>
-              <a:ext uri="{28A0092B-C50C-407E-A947-70E740481C1C}">
-                <a14:useLocalDpi xmlns:a14="http://schemas.microsoft.com/office/drawing/2010/main" val="0"/>
-              </a:ext>
-            </a:extLst>
-          </a:blip>
-          <a:srcRect/>
-          <a:stretch>
-            <a:fillRect/>
-          </a:stretch>
-        </p:blipFill>
-        <p:spPr bwMode="auto">
-          <a:xfrm>
-            <a:off x="516082" y="6926"/>
-            <a:ext cx="3352801" cy="3352801"/>
-          </a:xfrm>
-          <a:prstGeom prst="rect">
-            <a:avLst/>
-          </a:prstGeom>
-          <a:noFill/>
-          <a:extLst>
-            <a:ext uri="{909E8E84-426E-40DD-AFC4-6F175D3DCCD1}">
-              <a14:hiddenFill xmlns:a14="http://schemas.microsoft.com/office/drawing/2010/main">
-                <a:solidFill>
-                  <a:srgbClr val="FFFFFF"/>
-                </a:solidFill>
-              </a14:hiddenFill>
-            </a:ext>
-          </a:extLst>
-        </p:spPr>
-      </p:pic>
-      <p:pic>
-        <p:nvPicPr>
-          <p:cNvPr id="1027" name="Picture 3" descr="X:\myGit\mixturemodel\workingDir\sample_128120.jpeg"/>
-          <p:cNvPicPr>
-            <a:picLocks noChangeAspect="1" noChangeArrowheads="1"/>
-          </p:cNvPicPr>
-          <p:nvPr/>
-        </p:nvPicPr>
-        <p:blipFill>
-          <a:blip r:embed="rId3">
-            <a:extLst>
-              <a:ext uri="{28A0092B-C50C-407E-A947-70E740481C1C}">
-                <a14:useLocalDpi xmlns:a14="http://schemas.microsoft.com/office/drawing/2010/main" val="0"/>
-              </a:ext>
-            </a:extLst>
-          </a:blip>
-          <a:srcRect/>
-          <a:stretch>
-            <a:fillRect/>
-          </a:stretch>
-        </p:blipFill>
-        <p:spPr bwMode="auto">
-          <a:xfrm>
-            <a:off x="4946072" y="48488"/>
-            <a:ext cx="3449638" cy="3449638"/>
-          </a:xfrm>
-          <a:prstGeom prst="rect">
-            <a:avLst/>
-          </a:prstGeom>
-          <a:noFill/>
-          <a:extLst>
-            <a:ext uri="{909E8E84-426E-40DD-AFC4-6F175D3DCCD1}">
-              <a14:hiddenFill xmlns:a14="http://schemas.microsoft.com/office/drawing/2010/main">
-                <a:solidFill>
-                  <a:srgbClr val="FFFFFF"/>
-                </a:solidFill>
-              </a14:hiddenFill>
-            </a:ext>
-          </a:extLst>
-        </p:spPr>
-      </p:pic>
-      <p:pic>
-        <p:nvPicPr>
-          <p:cNvPr id="1028" name="Picture 4" descr="X:\myGit\mixturemodel\workingDir\sample_128124.jpeg"/>
-          <p:cNvPicPr>
-            <a:picLocks noChangeAspect="1" noChangeArrowheads="1"/>
-          </p:cNvPicPr>
-          <p:nvPr/>
-        </p:nvPicPr>
-        <p:blipFill>
-          <a:blip r:embed="rId4">
-            <a:extLst>
-              <a:ext uri="{28A0092B-C50C-407E-A947-70E740481C1C}">
-                <a14:useLocalDpi xmlns:a14="http://schemas.microsoft.com/office/drawing/2010/main" val="0"/>
-              </a:ext>
-            </a:extLst>
-          </a:blip>
-          <a:srcRect/>
-          <a:stretch>
-            <a:fillRect/>
-          </a:stretch>
-        </p:blipFill>
-        <p:spPr bwMode="auto">
-          <a:xfrm>
-            <a:off x="474518" y="3352800"/>
-            <a:ext cx="3429000" cy="3429000"/>
-          </a:xfrm>
-          <a:prstGeom prst="rect">
-            <a:avLst/>
-          </a:prstGeom>
-          <a:noFill/>
-          <a:extLst>
-            <a:ext uri="{909E8E84-426E-40DD-AFC4-6F175D3DCCD1}">
-              <a14:hiddenFill xmlns:a14="http://schemas.microsoft.com/office/drawing/2010/main">
-                <a:solidFill>
-                  <a:srgbClr val="FFFFFF"/>
-                </a:solidFill>
-              </a14:hiddenFill>
-            </a:ext>
-          </a:extLst>
-        </p:spPr>
-      </p:pic>
-      <p:pic>
-        <p:nvPicPr>
-          <p:cNvPr id="1029" name="Picture 5" descr="X:\myGit\mixturemodel\workingDir\sample_128141.jpeg"/>
-          <p:cNvPicPr>
-            <a:picLocks noChangeAspect="1" noChangeArrowheads="1"/>
-          </p:cNvPicPr>
-          <p:nvPr/>
-        </p:nvPicPr>
-        <p:blipFill>
-          <a:blip r:embed="rId5">
-            <a:extLst>
-              <a:ext uri="{28A0092B-C50C-407E-A947-70E740481C1C}">
-                <a14:useLocalDpi xmlns:a14="http://schemas.microsoft.com/office/drawing/2010/main" val="0"/>
-              </a:ext>
-            </a:extLst>
-          </a:blip>
-          <a:srcRect/>
-          <a:stretch>
-            <a:fillRect/>
-          </a:stretch>
-        </p:blipFill>
-        <p:spPr bwMode="auto">
-          <a:xfrm>
-            <a:off x="4987636" y="3470780"/>
-            <a:ext cx="3390902" cy="3390902"/>
-          </a:xfrm>
-          <a:prstGeom prst="rect">
-            <a:avLst/>
-          </a:prstGeom>
-          <a:noFill/>
-          <a:extLst>
-            <a:ext uri="{909E8E84-426E-40DD-AFC4-6F175D3DCCD1}">
-              <a14:hiddenFill xmlns:a14="http://schemas.microsoft.com/office/drawing/2010/main">
-                <a:solidFill>
-                  <a:srgbClr val="FFFFFF"/>
-                </a:solidFill>
-              </a14:hiddenFill>
-            </a:ext>
-          </a:extLst>
-        </p:spPr>
-      </p:pic>
-    </p:spTree>
-    <p:extLst>
-      <p:ext uri="{BB962C8B-B14F-4D97-AF65-F5344CB8AC3E}">
-        <p14:creationId xmlns:p14="http://schemas.microsoft.com/office/powerpoint/2010/main" val="3928901197"/>
-      </p:ext>
-    </p:extLst>
-  </p:cSld>
-  <p:clrMapOvr>
-    <a:masterClrMapping/>
-  </p:clrMapOvr>
-  <p:timing>
-    <p:tnLst>
-      <p:par>
-        <p:cTn id="1" dur="indefinite" restart="never" nodeType="tmRoot"/>
-      </p:par>
-    </p:tnLst>
-  </p:timing>
-</p:sld>
-</file>
-
-<file path=ppt/slides/slide60.xml><?xml version="1.0" encoding="utf-8"?>
+<file path=ppt/slides/slide64.xml><?xml version="1.0" encoding="utf-8"?>
 <p:sld xmlns:a="http://schemas.openxmlformats.org/drawingml/2006/main" xmlns:r="http://schemas.openxmlformats.org/officeDocument/2006/relationships" xmlns:p="http://schemas.openxmlformats.org/presentationml/2006/main">
   <p:cSld>
     <p:spTree>
@@ -19438,14 +20527,14 @@
               <a:noFill/>
             </a:ln>
             <a:extLst>
-              <a:ext uri="{909E8E84-426E-40DD-AFC4-6F175D3DCCD1}">
+              <a:ext uri="{909E8E84-426E-40dd-AFC4-6F175D3DCCD1}">
                 <a14:hiddenFill xmlns:a14="http://schemas.microsoft.com/office/drawing/2010/main">
                   <a:solidFill>
                     <a:schemeClr val="accent1"/>
                   </a:solidFill>
                 </a14:hiddenFill>
               </a:ext>
-              <a:ext uri="{91240B29-F687-4F45-9708-019B960494DF}">
+              <a:ext uri="{91240B29-F687-4f45-9708-019B960494DF}">
                 <a14:hiddenLine xmlns:a14="http://schemas.microsoft.com/office/drawing/2010/main" w="9525">
                   <a:solidFill>
                     <a:schemeClr val="tx1"/>
@@ -19490,7 +20579,7 @@
           </a:prstGeom>
           <a:noFill/>
           <a:extLst>
-            <a:ext uri="{909E8E84-426E-40DD-AFC4-6F175D3DCCD1}">
+            <a:ext uri="{909E8E84-426E-40dd-AFC4-6F175D3DCCD1}">
               <a14:hiddenFill xmlns:a14="http://schemas.microsoft.com/office/drawing/2010/main">
                 <a:solidFill>
                   <a:srgbClr val="FFFFFF"/>
@@ -19531,7 +20620,7 @@
           </a:prstGeom>
           <a:noFill/>
           <a:extLst>
-            <a:ext uri="{909E8E84-426E-40DD-AFC4-6F175D3DCCD1}">
+            <a:ext uri="{909E8E84-426E-40dd-AFC4-6F175D3DCCD1}">
               <a14:hiddenFill xmlns:a14="http://schemas.microsoft.com/office/drawing/2010/main">
                 <a:solidFill>
                   <a:srgbClr val="FFFFFF"/>
@@ -19572,7 +20661,7 @@
           </a:prstGeom>
           <a:noFill/>
           <a:extLst>
-            <a:ext uri="{909E8E84-426E-40DD-AFC4-6F175D3DCCD1}">
+            <a:ext uri="{909E8E84-426E-40dd-AFC4-6F175D3DCCD1}">
               <a14:hiddenFill xmlns:a14="http://schemas.microsoft.com/office/drawing/2010/main">
                 <a:solidFill>
                   <a:srgbClr val="FFFFFF"/>
@@ -19595,14 +20684,14 @@
   <p:timing>
     <p:tnLst>
       <p:par>
-        <p:cTn id="1" dur="indefinite" restart="never" nodeType="tmRoot"/>
+        <p:cTn xmlns:p14="http://schemas.microsoft.com/office/powerpoint/2010/main" id="1" dur="indefinite" restart="never" nodeType="tmRoot"/>
       </p:par>
     </p:tnLst>
   </p:timing>
 </p:sld>
 </file>
 
-<file path=ppt/slides/slide61.xml><?xml version="1.0" encoding="utf-8"?>
+<file path=ppt/slides/slide65.xml><?xml version="1.0" encoding="utf-8"?>
 <p:sld xmlns:a="http://schemas.openxmlformats.org/drawingml/2006/main" xmlns:r="http://schemas.openxmlformats.org/officeDocument/2006/relationships" xmlns:p="http://schemas.openxmlformats.org/presentationml/2006/main">
   <p:cSld>
     <p:spTree>
@@ -20154,14 +21243,14 @@
                 <a:noFill/>
               </a:ln>
               <a:extLst>
-                <a:ext uri="{909E8E84-426E-40DD-AFC4-6F175D3DCCD1}">
+                <a:ext uri="{909E8E84-426E-40dd-AFC4-6F175D3DCCD1}">
                   <a14:hiddenFill xmlns:a14="http://schemas.microsoft.com/office/drawing/2010/main">
                     <a:solidFill>
                       <a:schemeClr val="accent1"/>
                     </a:solidFill>
                   </a14:hiddenFill>
                 </a:ext>
-                <a:ext uri="{91240B29-F687-4F45-9708-019B960494DF}">
+                <a:ext uri="{91240B29-F687-4f45-9708-019B960494DF}">
                   <a14:hiddenLine xmlns:a14="http://schemas.microsoft.com/office/drawing/2010/main" w="9525">
                     <a:solidFill>
                       <a:schemeClr val="tx1"/>
@@ -20336,14 +21425,14 @@
   <p:timing>
     <p:tnLst>
       <p:par>
-        <p:cTn id="1" dur="indefinite" restart="never" nodeType="tmRoot"/>
+        <p:cTn xmlns:p14="http://schemas.microsoft.com/office/powerpoint/2010/main" id="1" dur="indefinite" restart="never" nodeType="tmRoot"/>
       </p:par>
     </p:tnLst>
   </p:timing>
 </p:sld>
 </file>
 
-<file path=ppt/slides/slide62.xml><?xml version="1.0" encoding="utf-8"?>
+<file path=ppt/slides/slide66.xml><?xml version="1.0" encoding="utf-8"?>
 <p:sld xmlns:a="http://schemas.openxmlformats.org/drawingml/2006/main" xmlns:r="http://schemas.openxmlformats.org/officeDocument/2006/relationships" xmlns:p="http://schemas.openxmlformats.org/presentationml/2006/main">
   <p:cSld>
     <p:spTree>
@@ -20469,7 +21558,7 @@
           </a:prstGeom>
           <a:noFill/>
           <a:extLst>
-            <a:ext uri="{909E8E84-426E-40DD-AFC4-6F175D3DCCD1}">
+            <a:ext uri="{909E8E84-426E-40dd-AFC4-6F175D3DCCD1}">
               <a14:hiddenFill xmlns:a14="http://schemas.microsoft.com/office/drawing/2010/main">
                 <a:solidFill>
                   <a:srgbClr val="FFFFFF"/>
@@ -20510,7 +21599,7 @@
           </a:prstGeom>
           <a:noFill/>
           <a:extLst>
-            <a:ext uri="{909E8E84-426E-40DD-AFC4-6F175D3DCCD1}">
+            <a:ext uri="{909E8E84-426E-40dd-AFC4-6F175D3DCCD1}">
               <a14:hiddenFill xmlns:a14="http://schemas.microsoft.com/office/drawing/2010/main">
                 <a:solidFill>
                   <a:srgbClr val="FFFFFF"/>
@@ -20551,7 +21640,7 @@
           </a:prstGeom>
           <a:noFill/>
           <a:extLst>
-            <a:ext uri="{909E8E84-426E-40DD-AFC4-6F175D3DCCD1}">
+            <a:ext uri="{909E8E84-426E-40dd-AFC4-6F175D3DCCD1}">
               <a14:hiddenFill xmlns:a14="http://schemas.microsoft.com/office/drawing/2010/main">
                 <a:solidFill>
                   <a:srgbClr val="FFFFFF"/>
@@ -20592,7 +21681,7 @@
           </a:prstGeom>
           <a:noFill/>
           <a:extLst>
-            <a:ext uri="{909E8E84-426E-40DD-AFC4-6F175D3DCCD1}">
+            <a:ext uri="{909E8E84-426E-40dd-AFC4-6F175D3DCCD1}">
               <a14:hiddenFill xmlns:a14="http://schemas.microsoft.com/office/drawing/2010/main">
                 <a:solidFill>
                   <a:srgbClr val="FFFFFF"/>
@@ -20615,7 +21704,7 @@
   <p:timing>
     <p:tnLst>
       <p:par>
-        <p:cTn id="1" dur="indefinite" restart="never" nodeType="tmRoot"/>
+        <p:cTn xmlns:p14="http://schemas.microsoft.com/office/powerpoint/2010/main" id="1" dur="indefinite" restart="never" nodeType="tmRoot"/>
       </p:par>
     </p:tnLst>
   </p:timing>
@@ -20670,7 +21759,7 @@
           </a:prstGeom>
           <a:noFill/>
           <a:extLst>
-            <a:ext uri="{909E8E84-426E-40DD-AFC4-6F175D3DCCD1}">
+            <a:ext uri="{909E8E84-426E-40dd-AFC4-6F175D3DCCD1}">
               <a14:hiddenFill xmlns:a14="http://schemas.microsoft.com/office/drawing/2010/main">
                 <a:solidFill>
                   <a:srgbClr val="FFFFFF"/>
@@ -20711,7 +21800,7 @@
           </a:prstGeom>
           <a:noFill/>
           <a:extLst>
-            <a:ext uri="{909E8E84-426E-40DD-AFC4-6F175D3DCCD1}">
+            <a:ext uri="{909E8E84-426E-40dd-AFC4-6F175D3DCCD1}">
               <a14:hiddenFill xmlns:a14="http://schemas.microsoft.com/office/drawing/2010/main">
                 <a:solidFill>
                   <a:srgbClr val="FFFFFF"/>
@@ -20752,7 +21841,7 @@
           </a:prstGeom>
           <a:noFill/>
           <a:extLst>
-            <a:ext uri="{909E8E84-426E-40DD-AFC4-6F175D3DCCD1}">
+            <a:ext uri="{909E8E84-426E-40dd-AFC4-6F175D3DCCD1}">
               <a14:hiddenFill xmlns:a14="http://schemas.microsoft.com/office/drawing/2010/main">
                 <a:solidFill>
                   <a:srgbClr val="FFFFFF"/>
@@ -20793,7 +21882,7 @@
           </a:prstGeom>
           <a:noFill/>
           <a:extLst>
-            <a:ext uri="{909E8E84-426E-40DD-AFC4-6F175D3DCCD1}">
+            <a:ext uri="{909E8E84-426E-40dd-AFC4-6F175D3DCCD1}">
               <a14:hiddenFill xmlns:a14="http://schemas.microsoft.com/office/drawing/2010/main">
                 <a:solidFill>
                   <a:srgbClr val="FFFFFF"/>
@@ -20816,7 +21905,7 @@
   <p:timing>
     <p:tnLst>
       <p:par>
-        <p:cTn id="1" dur="indefinite" restart="never" nodeType="tmRoot"/>
+        <p:cTn xmlns:p14="http://schemas.microsoft.com/office/powerpoint/2010/main" id="1" dur="indefinite" restart="never" nodeType="tmRoot"/>
       </p:par>
     </p:tnLst>
   </p:timing>
@@ -20919,7 +22008,6 @@
               <a:rPr lang="en-US" dirty="0"/>
               <a:t>A well fit mixture of distributions</a:t>
             </a:r>
-            <a:endParaRPr lang="en-US" dirty="0"/>
           </a:p>
         </p:txBody>
       </p:sp>
@@ -20936,7 +22024,7 @@
   <p:timing>
     <p:tnLst>
       <p:par>
-        <p:cTn id="1" dur="indefinite" restart="never" nodeType="tmRoot"/>
+        <p:cTn xmlns:p14="http://schemas.microsoft.com/office/powerpoint/2010/main" id="1" dur="indefinite" restart="never" nodeType="tmRoot"/>
       </p:par>
     </p:tnLst>
   </p:timing>
